--- a/14-ohai_plugins.pptx
+++ b/14-ohai_plugins.pptx
@@ -257,10 +257,9 @@
               <a:defRPr/>
             </a:pPr>
             <a:r>
-              <a:rPr lang="en-US" smtClean="0"/>
+              <a:rPr lang="en-US"/>
               <a:t>Chef Intermediate</a:t>
             </a:r>
-            <a:endParaRPr lang="en-US"/>
           </a:p>
         </p:txBody>
       </p:sp>
@@ -305,7 +304,7 @@
               <a:defRPr/>
             </a:pPr>
             <a:r>
-              <a:rPr lang="en-US" smtClean="0"/>
+              <a:rPr lang="en-US"/>
               <a:t>Chef Software, Inc.</a:t>
             </a:r>
             <a:endParaRPr lang="en-US" dirty="0"/>
@@ -485,7 +484,7 @@
               <a:defRPr/>
             </a:pPr>
             <a:r>
-              <a:rPr lang="en-US" smtClean="0"/>
+              <a:rPr lang="en-US"/>
               <a:t>Chef Software, Inc.</a:t>
             </a:r>
             <a:endParaRPr lang="en-US" dirty="0"/>
@@ -553,38 +552,37 @@
           <a:p>
             <a:pPr lvl="0"/>
             <a:r>
-              <a:rPr lang="en-US" noProof="0" dirty="0" smtClean="0"/>
+              <a:rPr lang="en-US" noProof="0" dirty="0"/>
               <a:t>Click to edit Master text styles</a:t>
             </a:r>
           </a:p>
           <a:p>
             <a:pPr lvl="1"/>
             <a:r>
-              <a:rPr lang="en-US" noProof="0" dirty="0" smtClean="0"/>
+              <a:rPr lang="en-US" noProof="0" dirty="0"/>
               <a:t>Second level</a:t>
             </a:r>
           </a:p>
           <a:p>
             <a:pPr lvl="2"/>
             <a:r>
-              <a:rPr lang="en-US" noProof="0" dirty="0" smtClean="0"/>
+              <a:rPr lang="en-US" noProof="0" dirty="0"/>
               <a:t>Third level</a:t>
             </a:r>
           </a:p>
           <a:p>
             <a:pPr lvl="3"/>
             <a:r>
-              <a:rPr lang="en-US" noProof="0" dirty="0" smtClean="0"/>
+              <a:rPr lang="en-US" noProof="0" dirty="0"/>
               <a:t>Fourth level</a:t>
             </a:r>
           </a:p>
           <a:p>
             <a:pPr lvl="4"/>
             <a:r>
-              <a:rPr lang="en-US" noProof="0" dirty="0" smtClean="0"/>
+              <a:rPr lang="en-US" noProof="0" dirty="0"/>
               <a:t>Fifth level</a:t>
             </a:r>
-            <a:endParaRPr lang="en-US" noProof="0" dirty="0"/>
           </a:p>
         </p:txBody>
       </p:sp>
@@ -629,10 +627,9 @@
               <a:defRPr/>
             </a:pPr>
             <a:r>
-              <a:rPr lang="en-US" smtClean="0"/>
+              <a:rPr lang="en-US"/>
               <a:t>Chef Intermediate</a:t>
             </a:r>
-            <a:endParaRPr lang="en-US"/>
           </a:p>
         </p:txBody>
       </p:sp>
@@ -860,10 +857,9 @@
               <a:defRPr/>
             </a:pPr>
             <a:r>
-              <a:rPr lang="en-US" smtClean="0"/>
+              <a:rPr lang="en-US"/>
               <a:t>Chef Intermediate</a:t>
             </a:r>
-            <a:endParaRPr lang="en-US"/>
           </a:p>
         </p:txBody>
       </p:sp>
@@ -886,7 +882,7 @@
               <a:defRPr/>
             </a:pPr>
             <a:r>
-              <a:rPr lang="en-US" smtClean="0"/>
+              <a:rPr lang="en-US"/>
               <a:t>Chef Software, Inc.</a:t>
             </a:r>
             <a:endParaRPr lang="en-US" dirty="0"/>
@@ -951,19 +947,19 @@
           <a:lstStyle/>
           <a:p>
             <a:r>
-              <a:rPr lang="en-US" dirty="0" smtClean="0"/>
+              <a:rPr lang="en-US" dirty="0"/>
               <a:t>Git</a:t>
             </a:r>
             <a:r>
-              <a:rPr lang="en-US" baseline="0" dirty="0" smtClean="0"/>
+              <a:rPr lang="en-US" baseline="0" dirty="0"/>
               <a:t> is installed with the Chef DK so we will use it to clone the </a:t>
             </a:r>
             <a:r>
-              <a:rPr lang="en-US" baseline="0" dirty="0" err="1" smtClean="0"/>
+              <a:rPr lang="en-US" baseline="0" dirty="0" err="1"/>
               <a:t>Ohai</a:t>
             </a:r>
             <a:r>
-              <a:rPr lang="en-US" baseline="0" dirty="0" smtClean="0"/>
+              <a:rPr lang="en-US" baseline="0" dirty="0"/>
               <a:t> project.</a:t>
             </a:r>
           </a:p>
@@ -988,10 +984,9 @@
               <a:defRPr/>
             </a:pPr>
             <a:r>
-              <a:rPr lang="en-US" smtClean="0"/>
+              <a:rPr lang="en-US"/>
               <a:t>Chef Intermediate</a:t>
             </a:r>
-            <a:endParaRPr lang="en-US"/>
           </a:p>
         </p:txBody>
       </p:sp>
@@ -1014,7 +1009,7 @@
               <a:defRPr/>
             </a:pPr>
             <a:r>
-              <a:rPr lang="en-US" smtClean="0"/>
+              <a:rPr lang="en-US"/>
               <a:t>Chef Software, Inc.</a:t>
             </a:r>
             <a:endParaRPr lang="en-US" dirty="0"/>
@@ -1079,11 +1074,11 @@
           <a:lstStyle/>
           <a:p>
             <a:r>
-              <a:rPr lang="en-US" dirty="0" smtClean="0"/>
+              <a:rPr lang="en-US" dirty="0"/>
               <a:t>The gem</a:t>
             </a:r>
             <a:r>
-              <a:rPr lang="en-US" baseline="0" dirty="0" smtClean="0"/>
+              <a:rPr lang="en-US" baseline="0" dirty="0"/>
               <a:t> contains several important items within the top-level directory. We are going to explore the contents of some of the essential files.</a:t>
             </a:r>
             <a:endParaRPr lang="en-US" dirty="0"/>
@@ -1109,10 +1104,9 @@
               <a:defRPr/>
             </a:pPr>
             <a:r>
-              <a:rPr lang="en-US" smtClean="0"/>
+              <a:rPr lang="en-US"/>
               <a:t>Chef Intermediate</a:t>
             </a:r>
-            <a:endParaRPr lang="en-US"/>
           </a:p>
         </p:txBody>
       </p:sp>
@@ -1135,7 +1129,7 @@
               <a:defRPr/>
             </a:pPr>
             <a:r>
-              <a:rPr lang="en-US" smtClean="0"/>
+              <a:rPr lang="en-US"/>
               <a:t>Chef Software, Inc.</a:t>
             </a:r>
             <a:endParaRPr lang="en-US" dirty="0"/>
@@ -1200,11 +1194,11 @@
           <a:lstStyle/>
           <a:p>
             <a:r>
-              <a:rPr lang="en-US" dirty="0" smtClean="0"/>
+              <a:rPr lang="en-US" dirty="0"/>
               <a:t>The</a:t>
             </a:r>
             <a:r>
-              <a:rPr lang="en-US" baseline="0" dirty="0" smtClean="0"/>
+              <a:rPr lang="en-US" baseline="0" dirty="0"/>
               <a:t> README contains information on how to install, configure and use this gem. This is often the place to start when exploring the gem.</a:t>
             </a:r>
             <a:endParaRPr lang="en-US" dirty="0"/>
@@ -1230,10 +1224,9 @@
               <a:defRPr/>
             </a:pPr>
             <a:r>
-              <a:rPr lang="en-US" smtClean="0"/>
+              <a:rPr lang="en-US"/>
               <a:t>Chef Intermediate</a:t>
             </a:r>
-            <a:endParaRPr lang="en-US"/>
           </a:p>
         </p:txBody>
       </p:sp>
@@ -1256,7 +1249,7 @@
               <a:defRPr/>
             </a:pPr>
             <a:r>
-              <a:rPr lang="en-US" smtClean="0"/>
+              <a:rPr lang="en-US"/>
               <a:t>Chef Software, Inc.</a:t>
             </a:r>
             <a:endParaRPr lang="en-US" dirty="0"/>
@@ -1321,11 +1314,11 @@
           <a:lstStyle/>
           <a:p>
             <a:r>
-              <a:rPr lang="en-US" dirty="0" smtClean="0"/>
+              <a:rPr lang="en-US" dirty="0"/>
               <a:t>The gem</a:t>
             </a:r>
             <a:r>
-              <a:rPr lang="en-US" baseline="0" dirty="0" smtClean="0"/>
+              <a:rPr lang="en-US" baseline="0" dirty="0"/>
               <a:t> specification defines important information about the Rubygem. Within it you will find metadata that describes the owner, licensing, contact information, dependencies, development dependencies, the files to package in the gem, and which one of those are executables.</a:t>
             </a:r>
           </a:p>
@@ -1350,10 +1343,9 @@
               <a:defRPr/>
             </a:pPr>
             <a:r>
-              <a:rPr lang="en-US" smtClean="0"/>
+              <a:rPr lang="en-US"/>
               <a:t>Chef Intermediate</a:t>
             </a:r>
-            <a:endParaRPr lang="en-US"/>
           </a:p>
         </p:txBody>
       </p:sp>
@@ -1376,7 +1368,7 @@
               <a:defRPr/>
             </a:pPr>
             <a:r>
-              <a:rPr lang="en-US" smtClean="0"/>
+              <a:rPr lang="en-US"/>
               <a:t>Chef Software, Inc.</a:t>
             </a:r>
             <a:endParaRPr lang="en-US" dirty="0"/>
@@ -1441,28 +1433,28 @@
           <a:lstStyle/>
           <a:p>
             <a:r>
-              <a:rPr lang="en-US" dirty="0" smtClean="0"/>
+              <a:rPr lang="en-US" dirty="0"/>
               <a:t>The lib (or library) directory</a:t>
             </a:r>
             <a:r>
-              <a:rPr lang="en-US" baseline="0" dirty="0" smtClean="0"/>
+              <a:rPr lang="en-US" baseline="0" dirty="0"/>
               <a:t> contains the source code for this gem. Within the root of the directory you will find a single file that shares the same name as the gem.</a:t>
             </a:r>
           </a:p>
           <a:p>
-            <a:endParaRPr lang="en-US" baseline="0" dirty="0" smtClean="0"/>
-          </a:p>
-          <a:p>
-            <a:r>
-              <a:rPr lang="en-US" baseline="0" dirty="0" smtClean="0"/>
+            <a:endParaRPr lang="en-US" baseline="0" dirty="0"/>
+          </a:p>
+          <a:p>
+            <a:r>
+              <a:rPr lang="en-US" baseline="0" dirty="0"/>
               <a:t>In the previous module when we typed "require '</a:t>
             </a:r>
             <a:r>
-              <a:rPr lang="en-US" baseline="0" dirty="0" err="1" smtClean="0"/>
+              <a:rPr lang="en-US" baseline="0" dirty="0" err="1"/>
               <a:t>ohai</a:t>
             </a:r>
             <a:r>
-              <a:rPr lang="en-US" baseline="0" dirty="0" smtClean="0"/>
+              <a:rPr lang="en-US" baseline="0" dirty="0"/>
               <a:t>'" this was the file that was loaded into memory.</a:t>
             </a:r>
             <a:endParaRPr lang="en-US" dirty="0"/>
@@ -1488,10 +1480,9 @@
               <a:defRPr/>
             </a:pPr>
             <a:r>
-              <a:rPr lang="en-US" smtClean="0"/>
+              <a:rPr lang="en-US"/>
               <a:t>Chef Intermediate</a:t>
             </a:r>
-            <a:endParaRPr lang="en-US"/>
           </a:p>
         </p:txBody>
       </p:sp>
@@ -1514,7 +1505,7 @@
               <a:defRPr/>
             </a:pPr>
             <a:r>
-              <a:rPr lang="en-US" smtClean="0"/>
+              <a:rPr lang="en-US"/>
               <a:t>Chef Software, Inc.</a:t>
             </a:r>
             <a:endParaRPr lang="en-US" dirty="0"/>
@@ -1579,19 +1570,19 @@
           <a:lstStyle/>
           <a:p>
             <a:r>
-              <a:rPr lang="en-US" dirty="0" smtClean="0"/>
+              <a:rPr lang="en-US" dirty="0"/>
               <a:t>This file</a:t>
             </a:r>
             <a:r>
-              <a:rPr lang="en-US" baseline="0" dirty="0" smtClean="0"/>
+              <a:rPr lang="en-US" baseline="0" dirty="0"/>
               <a:t> requires more files from within the gem. The paths specified are relative to the 'lib' directory so all of these examples are loading files from within the subdirectory of </a:t>
             </a:r>
             <a:r>
-              <a:rPr lang="en-US" baseline="0" dirty="0" err="1" smtClean="0"/>
+              <a:rPr lang="en-US" baseline="0" dirty="0" err="1"/>
               <a:t>ohai</a:t>
             </a:r>
             <a:r>
-              <a:rPr lang="en-US" baseline="0" dirty="0" smtClean="0"/>
+              <a:rPr lang="en-US" baseline="0" dirty="0"/>
               <a:t>.</a:t>
             </a:r>
             <a:endParaRPr lang="en-US" dirty="0"/>
@@ -1617,10 +1608,9 @@
               <a:defRPr/>
             </a:pPr>
             <a:r>
-              <a:rPr lang="en-US" smtClean="0"/>
+              <a:rPr lang="en-US"/>
               <a:t>Chef Intermediate</a:t>
             </a:r>
-            <a:endParaRPr lang="en-US"/>
           </a:p>
         </p:txBody>
       </p:sp>
@@ -1643,7 +1633,7 @@
               <a:defRPr/>
             </a:pPr>
             <a:r>
-              <a:rPr lang="en-US" smtClean="0"/>
+              <a:rPr lang="en-US"/>
               <a:t>Chef Software, Inc.</a:t>
             </a:r>
             <a:endParaRPr lang="en-US" dirty="0"/>
@@ -1708,15 +1698,15 @@
           <a:lstStyle/>
           <a:p>
             <a:r>
-              <a:rPr lang="en-US" dirty="0" err="1" smtClean="0"/>
+              <a:rPr lang="en-US" dirty="0" err="1"/>
               <a:t>Ohai</a:t>
             </a:r>
             <a:r>
-              <a:rPr lang="en-US" dirty="0" smtClean="0"/>
+              <a:rPr lang="en-US" dirty="0"/>
               <a:t> stores</a:t>
             </a:r>
             <a:r>
-              <a:rPr lang="en-US" baseline="0" dirty="0" smtClean="0"/>
+              <a:rPr lang="en-US" baseline="0" dirty="0"/>
               <a:t> its plugins in a specific subdirectory of this project.</a:t>
             </a:r>
             <a:endParaRPr lang="en-US" dirty="0"/>
@@ -1742,10 +1732,9 @@
               <a:defRPr/>
             </a:pPr>
             <a:r>
-              <a:rPr lang="en-US" smtClean="0"/>
+              <a:rPr lang="en-US"/>
               <a:t>Chef Intermediate</a:t>
             </a:r>
-            <a:endParaRPr lang="en-US"/>
           </a:p>
         </p:txBody>
       </p:sp>
@@ -1768,7 +1757,7 @@
               <a:defRPr/>
             </a:pPr>
             <a:r>
-              <a:rPr lang="en-US" smtClean="0"/>
+              <a:rPr lang="en-US"/>
               <a:t>Chef Software, Inc.</a:t>
             </a:r>
             <a:endParaRPr lang="en-US" dirty="0"/>
@@ -1833,7 +1822,7 @@
           <a:lstStyle/>
           <a:p>
             <a:r>
-              <a:rPr lang="en-US" baseline="0" dirty="0" smtClean="0"/>
+              <a:rPr lang="en-US" baseline="0" dirty="0"/>
               <a:t>That was a quick introduction to the gem structure to give us an idea about where the plugins are stored. Now it is time to explore the Domain Specific Language (DSL) used to write these plugins.</a:t>
             </a:r>
             <a:endParaRPr lang="en-US" dirty="0"/>
@@ -1859,10 +1848,9 @@
               <a:defRPr/>
             </a:pPr>
             <a:r>
-              <a:rPr lang="en-US" smtClean="0"/>
+              <a:rPr lang="en-US"/>
               <a:t>Chef Intermediate</a:t>
             </a:r>
-            <a:endParaRPr lang="en-US"/>
           </a:p>
         </p:txBody>
       </p:sp>
@@ -1885,7 +1873,7 @@
               <a:defRPr/>
             </a:pPr>
             <a:r>
-              <a:rPr lang="en-US" smtClean="0"/>
+              <a:rPr lang="en-US"/>
               <a:t>Chef Software, Inc.</a:t>
             </a:r>
             <a:endParaRPr lang="en-US" dirty="0"/>
@@ -1950,23 +1938,23 @@
           <a:lstStyle/>
           <a:p>
             <a:r>
-              <a:rPr lang="en-US" dirty="0" err="1" smtClean="0"/>
+              <a:rPr lang="en-US" dirty="0" err="1"/>
               <a:t>Ohai</a:t>
             </a:r>
             <a:r>
-              <a:rPr lang="en-US" dirty="0" smtClean="0"/>
+              <a:rPr lang="en-US" dirty="0"/>
               <a:t> has seen</a:t>
             </a:r>
             <a:r>
-              <a:rPr lang="en-US" baseline="0" dirty="0" smtClean="0"/>
+              <a:rPr lang="en-US" baseline="0" dirty="0"/>
               <a:t> many notable releases. Depending on the version of Chef you are using within your organization may dictate which version of </a:t>
             </a:r>
             <a:r>
-              <a:rPr lang="en-US" baseline="0" dirty="0" err="1" smtClean="0"/>
+              <a:rPr lang="en-US" baseline="0" dirty="0" err="1"/>
               <a:t>Ohai</a:t>
             </a:r>
             <a:r>
-              <a:rPr lang="en-US" baseline="0" dirty="0" smtClean="0"/>
+              <a:rPr lang="en-US" baseline="0" dirty="0"/>
               <a:t> is being used.</a:t>
             </a:r>
           </a:p>
@@ -1991,10 +1979,9 @@
               <a:defRPr/>
             </a:pPr>
             <a:r>
-              <a:rPr lang="en-US" smtClean="0"/>
+              <a:rPr lang="en-US"/>
               <a:t>Chef Intermediate</a:t>
             </a:r>
-            <a:endParaRPr lang="en-US"/>
           </a:p>
         </p:txBody>
       </p:sp>
@@ -2017,7 +2004,7 @@
               <a:defRPr/>
             </a:pPr>
             <a:r>
-              <a:rPr lang="en-US" smtClean="0"/>
+              <a:rPr lang="en-US"/>
               <a:t>Chef Software, Inc.</a:t>
             </a:r>
             <a:endParaRPr lang="en-US" dirty="0"/>
@@ -2099,35 +2086,35 @@
               <a:defRPr/>
             </a:pPr>
             <a:r>
-              <a:rPr lang="en-US" baseline="0" dirty="0" err="1" smtClean="0"/>
+              <a:rPr lang="en-US" baseline="0" dirty="0" err="1"/>
               <a:t>Ohai</a:t>
             </a:r>
             <a:r>
-              <a:rPr lang="en-US" baseline="0" dirty="0" smtClean="0"/>
+              <a:rPr lang="en-US" baseline="0" dirty="0"/>
               <a:t> 6 introduced the ability to express plugins through a DSL. </a:t>
             </a:r>
             <a:r>
-              <a:rPr lang="en-US" baseline="0" dirty="0" err="1" smtClean="0"/>
+              <a:rPr lang="en-US" baseline="0" dirty="0" err="1"/>
               <a:t>Ohai</a:t>
             </a:r>
             <a:r>
-              <a:rPr lang="en-US" baseline="0" dirty="0" smtClean="0"/>
+              <a:rPr lang="en-US" baseline="0" dirty="0"/>
               <a:t> 7 refined that DSL. </a:t>
             </a:r>
             <a:r>
-              <a:rPr lang="en-US" baseline="0" dirty="0" err="1" smtClean="0"/>
+              <a:rPr lang="en-US" baseline="0" dirty="0" err="1"/>
               <a:t>Ohai</a:t>
             </a:r>
             <a:r>
-              <a:rPr lang="en-US" baseline="0" dirty="0" smtClean="0"/>
+              <a:rPr lang="en-US" baseline="0" dirty="0"/>
               <a:t> 8 continues to use that same language. The following slides and our exercise in the next module will focus on the DSL defined in </a:t>
             </a:r>
             <a:r>
-              <a:rPr lang="en-US" baseline="0" dirty="0" err="1" smtClean="0"/>
+              <a:rPr lang="en-US" baseline="0" dirty="0" err="1"/>
               <a:t>Ohai</a:t>
             </a:r>
             <a:r>
-              <a:rPr lang="en-US" baseline="0" dirty="0" smtClean="0"/>
+              <a:rPr lang="en-US" baseline="0" dirty="0"/>
               <a:t> 7.</a:t>
             </a:r>
             <a:endParaRPr lang="en-US" dirty="0"/>
@@ -2153,10 +2140,9 @@
               <a:defRPr/>
             </a:pPr>
             <a:r>
-              <a:rPr lang="en-US" smtClean="0"/>
+              <a:rPr lang="en-US"/>
               <a:t>Chef Intermediate</a:t>
             </a:r>
-            <a:endParaRPr lang="en-US"/>
           </a:p>
         </p:txBody>
       </p:sp>
@@ -2179,7 +2165,7 @@
               <a:defRPr/>
             </a:pPr>
             <a:r>
-              <a:rPr lang="en-US" smtClean="0"/>
+              <a:rPr lang="en-US"/>
               <a:t>Chef Software, Inc.</a:t>
             </a:r>
             <a:endParaRPr lang="en-US" dirty="0"/>
@@ -2244,35 +2230,35 @@
           <a:lstStyle/>
           <a:p>
             <a:r>
-              <a:rPr lang="en-US" dirty="0" smtClean="0"/>
+              <a:rPr lang="en-US" dirty="0"/>
               <a:t>As</a:t>
             </a:r>
             <a:r>
-              <a:rPr lang="en-US" baseline="0" dirty="0" smtClean="0"/>
+              <a:rPr lang="en-US" baseline="0" dirty="0"/>
               <a:t> we saw in the previous module </a:t>
             </a:r>
             <a:r>
-              <a:rPr lang="en-US" baseline="0" dirty="0" err="1" smtClean="0"/>
+              <a:rPr lang="en-US" baseline="0" dirty="0" err="1"/>
               <a:t>Ohai</a:t>
             </a:r>
             <a:r>
-              <a:rPr lang="en-US" baseline="0" dirty="0" smtClean="0"/>
+              <a:rPr lang="en-US" baseline="0" dirty="0"/>
               <a:t> provides a large set of attributes that it provides through plugins. All the data that </a:t>
             </a:r>
             <a:r>
-              <a:rPr lang="en-US" baseline="0" dirty="0" err="1" smtClean="0"/>
+              <a:rPr lang="en-US" baseline="0" dirty="0" err="1"/>
               <a:t>Ohai</a:t>
             </a:r>
             <a:r>
-              <a:rPr lang="en-US" baseline="0" dirty="0" smtClean="0"/>
+              <a:rPr lang="en-US" baseline="0" dirty="0"/>
               <a:t> collects are stored in plugins. </a:t>
             </a:r>
             <a:r>
-              <a:rPr lang="en-US" baseline="0" dirty="0" err="1" smtClean="0"/>
+              <a:rPr lang="en-US" baseline="0" dirty="0" err="1"/>
               <a:t>Ohai</a:t>
             </a:r>
             <a:r>
-              <a:rPr lang="en-US" baseline="0" dirty="0" smtClean="0"/>
+              <a:rPr lang="en-US" baseline="0" dirty="0"/>
               <a:t> comes packaged with a core set of plugins that capture a lot of common data across many different platforms.</a:t>
             </a:r>
             <a:endParaRPr lang="en-US" dirty="0"/>
@@ -2298,10 +2284,9 @@
               <a:defRPr/>
             </a:pPr>
             <a:r>
-              <a:rPr lang="en-US" smtClean="0"/>
+              <a:rPr lang="en-US"/>
               <a:t>Chef Intermediate</a:t>
             </a:r>
-            <a:endParaRPr lang="en-US"/>
           </a:p>
         </p:txBody>
       </p:sp>
@@ -2324,7 +2309,7 @@
               <a:defRPr/>
             </a:pPr>
             <a:r>
-              <a:rPr lang="en-US" smtClean="0"/>
+              <a:rPr lang="en-US"/>
               <a:t>Chef Software, Inc.</a:t>
             </a:r>
             <a:endParaRPr lang="en-US" dirty="0"/>
@@ -2389,11 +2374,11 @@
           <a:lstStyle/>
           <a:p>
             <a:r>
-              <a:rPr lang="en-US" dirty="0" smtClean="0"/>
+              <a:rPr lang="en-US" dirty="0"/>
               <a:t>Let's</a:t>
             </a:r>
             <a:r>
-              <a:rPr lang="en-US" baseline="0" dirty="0" smtClean="0"/>
+              <a:rPr lang="en-US" baseline="0" dirty="0"/>
               <a:t> load the languages plugin and review the basic structure of the plugin.</a:t>
             </a:r>
             <a:endParaRPr lang="en-US" dirty="0"/>
@@ -2419,10 +2404,9 @@
               <a:defRPr/>
             </a:pPr>
             <a:r>
-              <a:rPr lang="en-US" smtClean="0"/>
+              <a:rPr lang="en-US"/>
               <a:t>Chef Intermediate</a:t>
             </a:r>
-            <a:endParaRPr lang="en-US"/>
           </a:p>
         </p:txBody>
       </p:sp>
@@ -2445,7 +2429,7 @@
               <a:defRPr/>
             </a:pPr>
             <a:r>
-              <a:rPr lang="en-US" smtClean="0"/>
+              <a:rPr lang="en-US"/>
               <a:t>Chef Software, Inc.</a:t>
             </a:r>
             <a:endParaRPr lang="en-US" dirty="0"/>
@@ -2510,44 +2494,44 @@
           <a:lstStyle/>
           <a:p>
             <a:r>
-              <a:rPr lang="en-US" dirty="0" smtClean="0"/>
+              <a:rPr lang="en-US" dirty="0"/>
               <a:t>A plugin starts</a:t>
             </a:r>
             <a:r>
-              <a:rPr lang="en-US" baseline="0" dirty="0" smtClean="0"/>
+              <a:rPr lang="en-US" baseline="0" dirty="0"/>
               <a:t> with invoking a method on the </a:t>
             </a:r>
             <a:r>
-              <a:rPr lang="en-US" baseline="0" dirty="0" err="1" smtClean="0"/>
+              <a:rPr lang="en-US" baseline="0" dirty="0" err="1"/>
               <a:t>Ohai</a:t>
             </a:r>
             <a:r>
-              <a:rPr lang="en-US" baseline="0" dirty="0" smtClean="0"/>
+              <a:rPr lang="en-US" baseline="0" dirty="0"/>
               <a:t> class with a single parameter. That parameter provided is the symbol name of the plugin. All </a:t>
             </a:r>
             <a:r>
-              <a:rPr lang="en-US" baseline="0" dirty="0" err="1" smtClean="0"/>
+              <a:rPr lang="en-US" baseline="0" dirty="0" err="1"/>
               <a:t>Ohai</a:t>
             </a:r>
             <a:r>
-              <a:rPr lang="en-US" baseline="0" dirty="0" smtClean="0"/>
+              <a:rPr lang="en-US" baseline="0" dirty="0"/>
               <a:t> plugins must have a symbol name with the first letter capitalized.</a:t>
             </a:r>
           </a:p>
           <a:p>
-            <a:endParaRPr lang="en-US" baseline="0" dirty="0" smtClean="0"/>
-          </a:p>
-          <a:p>
-            <a:r>
-              <a:rPr lang="en-US" baseline="0" dirty="0" smtClean="0"/>
+            <a:endParaRPr lang="en-US" baseline="0" dirty="0"/>
+          </a:p>
+          <a:p>
+            <a:r>
+              <a:rPr lang="en-US" baseline="0" dirty="0"/>
               <a:t>The remainder of the plugin is defined within the block of the 'plugin' method. The 'provides' method specifies what attribute or attributes the plugin will be added to the node object. The '</a:t>
             </a:r>
             <a:r>
-              <a:rPr lang="en-US" baseline="0" dirty="0" err="1" smtClean="0"/>
+              <a:rPr lang="en-US" baseline="0" dirty="0" err="1"/>
               <a:t>collect_data</a:t>
             </a:r>
             <a:r>
-              <a:rPr lang="en-US" baseline="0" dirty="0" smtClean="0"/>
+              <a:rPr lang="en-US" baseline="0" dirty="0"/>
               <a:t>' method defines a block which contains the code that is executed on all platforms. This block of code will often times set the values of the attributes the plugin provides.</a:t>
             </a:r>
           </a:p>
@@ -2572,10 +2556,9 @@
               <a:defRPr/>
             </a:pPr>
             <a:r>
-              <a:rPr lang="en-US" smtClean="0"/>
+              <a:rPr lang="en-US"/>
               <a:t>Chef Intermediate</a:t>
             </a:r>
-            <a:endParaRPr lang="en-US"/>
           </a:p>
         </p:txBody>
       </p:sp>
@@ -2598,7 +2581,7 @@
               <a:defRPr/>
             </a:pPr>
             <a:r>
-              <a:rPr lang="en-US" smtClean="0"/>
+              <a:rPr lang="en-US"/>
               <a:t>Chef Software, Inc.</a:t>
             </a:r>
             <a:endParaRPr lang="en-US" dirty="0"/>
@@ -2663,16 +2646,16 @@
           <a:lstStyle/>
           <a:p>
             <a:r>
-              <a:rPr lang="en-US" baseline="0" dirty="0" smtClean="0"/>
+              <a:rPr lang="en-US" baseline="0" dirty="0"/>
               <a:t>This plugin is named Languages. It provides the languages attribute on the node. This languages attribute is populated with the contents of a new Mash.</a:t>
             </a:r>
           </a:p>
           <a:p>
-            <a:endParaRPr lang="en-US" baseline="0" dirty="0" smtClean="0"/>
-          </a:p>
-          <a:p>
-            <a:r>
-              <a:rPr lang="en-US" baseline="0" dirty="0" smtClean="0"/>
+            <a:endParaRPr lang="en-US" baseline="0" dirty="0"/>
+          </a:p>
+          <a:p>
+            <a:r>
+              <a:rPr lang="en-US" baseline="0" dirty="0"/>
               <a:t>But what is a Mash?</a:t>
             </a:r>
           </a:p>
@@ -2697,10 +2680,9 @@
               <a:defRPr/>
             </a:pPr>
             <a:r>
-              <a:rPr lang="en-US" smtClean="0"/>
+              <a:rPr lang="en-US"/>
               <a:t>Chef Intermediate</a:t>
             </a:r>
-            <a:endParaRPr lang="en-US"/>
           </a:p>
         </p:txBody>
       </p:sp>
@@ -2723,7 +2705,7 @@
               <a:defRPr/>
             </a:pPr>
             <a:r>
-              <a:rPr lang="en-US" smtClean="0"/>
+              <a:rPr lang="en-US"/>
               <a:t>Chef Software, Inc.</a:t>
             </a:r>
             <a:endParaRPr lang="en-US" dirty="0"/>
@@ -2788,12 +2770,12 @@
           <a:lstStyle/>
           <a:p>
             <a:r>
-              <a:rPr lang="en-US" baseline="0" dirty="0" smtClean="0"/>
+              <a:rPr lang="en-US" baseline="0" dirty="0"/>
               <a:t>To understand what a Mash is first let's talk about Ruby's Hash. Hashes allow you to store values with a key; often times these keys are Ruby Strings or Ruby Symbols. When you want to retrieve that value you need to provide the same key. So if say you stored data with a Symbol key it is only retrievable with a Symbol key. The same could be said for using a String key.</a:t>
             </a:r>
           </a:p>
           <a:p>
-            <a:endParaRPr lang="en-US" baseline="0" dirty="0" smtClean="0"/>
+            <a:endParaRPr lang="en-US" baseline="0" dirty="0"/>
           </a:p>
         </p:txBody>
       </p:sp>
@@ -2816,10 +2798,9 @@
               <a:defRPr/>
             </a:pPr>
             <a:r>
-              <a:rPr lang="en-US" smtClean="0"/>
+              <a:rPr lang="en-US"/>
               <a:t>Chef Intermediate</a:t>
             </a:r>
-            <a:endParaRPr lang="en-US"/>
           </a:p>
         </p:txBody>
       </p:sp>
@@ -2842,7 +2823,7 @@
               <a:defRPr/>
             </a:pPr>
             <a:r>
-              <a:rPr lang="en-US" smtClean="0"/>
+              <a:rPr lang="en-US"/>
               <a:t>Chef Software, Inc.</a:t>
             </a:r>
             <a:endParaRPr lang="en-US" dirty="0"/>
@@ -2907,12 +2888,12 @@
           <a:lstStyle/>
           <a:p>
             <a:r>
-              <a:rPr lang="en-US" baseline="0" dirty="0" smtClean="0"/>
+              <a:rPr lang="en-US" baseline="0" dirty="0"/>
               <a:t>A Mash is similar to a Ruby Hash except that it is indifferent to whether you provide it a String key or Symbol key. Either of those types of keys will return value stored by the other. This more lenient data structure allows for these two keys to be used interchangeably. Allowing us to use whichever key style we prefer without being penalized if we were to guess the key style that differs from other plugins.</a:t>
             </a:r>
           </a:p>
           <a:p>
-            <a:endParaRPr lang="en-US" baseline="0" dirty="0" smtClean="0"/>
+            <a:endParaRPr lang="en-US" baseline="0" dirty="0"/>
           </a:p>
         </p:txBody>
       </p:sp>
@@ -2935,10 +2916,9 @@
               <a:defRPr/>
             </a:pPr>
             <a:r>
-              <a:rPr lang="en-US" smtClean="0"/>
+              <a:rPr lang="en-US"/>
               <a:t>Chef Intermediate</a:t>
             </a:r>
-            <a:endParaRPr lang="en-US"/>
           </a:p>
         </p:txBody>
       </p:sp>
@@ -2961,7 +2941,7 @@
               <a:defRPr/>
             </a:pPr>
             <a:r>
-              <a:rPr lang="en-US" smtClean="0"/>
+              <a:rPr lang="en-US"/>
               <a:t>Chef Software, Inc.</a:t>
             </a:r>
             <a:endParaRPr lang="en-US" dirty="0"/>
@@ -3026,7 +3006,7 @@
           <a:lstStyle/>
           <a:p>
             <a:r>
-              <a:rPr lang="en-US" baseline="0" dirty="0" smtClean="0"/>
+              <a:rPr lang="en-US" baseline="0" dirty="0"/>
               <a:t>The language plugin is small plugin that setups up a data structure for other language plugins to add more information to it. Let's review a specific language plugin to see a more complex implementation.</a:t>
             </a:r>
             <a:endParaRPr lang="en-US" dirty="0"/>
@@ -3052,10 +3032,9 @@
               <a:defRPr/>
             </a:pPr>
             <a:r>
-              <a:rPr lang="en-US" smtClean="0"/>
+              <a:rPr lang="en-US"/>
               <a:t>Chef Intermediate</a:t>
             </a:r>
-            <a:endParaRPr lang="en-US"/>
           </a:p>
         </p:txBody>
       </p:sp>
@@ -3078,7 +3057,7 @@
               <a:defRPr/>
             </a:pPr>
             <a:r>
-              <a:rPr lang="en-US" smtClean="0"/>
+              <a:rPr lang="en-US"/>
               <a:t>Chef Software, Inc.</a:t>
             </a:r>
             <a:endParaRPr lang="en-US" dirty="0"/>
@@ -3143,36 +3122,36 @@
           <a:lstStyle/>
           <a:p>
             <a:r>
-              <a:rPr lang="en-US" dirty="0" smtClean="0"/>
+              <a:rPr lang="en-US" dirty="0"/>
               <a:t>Here within the</a:t>
             </a:r>
             <a:r>
-              <a:rPr lang="en-US" baseline="0" dirty="0" smtClean="0"/>
+              <a:rPr lang="en-US" baseline="0" dirty="0"/>
               <a:t> Python plugin we see the same structure with a dependency and a significant amount of work being done in the '</a:t>
             </a:r>
             <a:r>
-              <a:rPr lang="en-US" baseline="0" dirty="0" err="1" smtClean="0"/>
+              <a:rPr lang="en-US" baseline="0" dirty="0" err="1"/>
               <a:t>collect_data</a:t>
             </a:r>
             <a:r>
-              <a:rPr lang="en-US" baseline="0" dirty="0" smtClean="0"/>
+              <a:rPr lang="en-US" baseline="0" dirty="0"/>
               <a:t>' method block. The attribute provided by this plugin can be found on the node object under the specified path. Remember this is the same path structure you use on the command-line when wanting to traverse the attributes provided.</a:t>
             </a:r>
           </a:p>
           <a:p>
-            <a:endParaRPr lang="en-US" baseline="0" dirty="0" smtClean="0"/>
-          </a:p>
-          <a:p>
-            <a:r>
-              <a:rPr lang="en-US" baseline="0" dirty="0" smtClean="0"/>
+            <a:endParaRPr lang="en-US" baseline="0" dirty="0"/>
+          </a:p>
+          <a:p>
+            <a:r>
+              <a:rPr lang="en-US" baseline="0" dirty="0"/>
               <a:t>The dependency described here states that this plugin requires that the node attribute value 'languages' must be defined first before this plugin will execute. </a:t>
             </a:r>
             <a:r>
-              <a:rPr lang="en-US" baseline="0" dirty="0" err="1" smtClean="0"/>
+              <a:rPr lang="en-US" baseline="0" dirty="0" err="1"/>
               <a:t>Ohai</a:t>
             </a:r>
             <a:r>
-              <a:rPr lang="en-US" baseline="0" dirty="0" smtClean="0"/>
+              <a:rPr lang="en-US" baseline="0" dirty="0"/>
               <a:t> will determine how to execute the plugins based on these dependencies.</a:t>
             </a:r>
           </a:p>
@@ -3197,10 +3176,9 @@
               <a:defRPr/>
             </a:pPr>
             <a:r>
-              <a:rPr lang="en-US" smtClean="0"/>
+              <a:rPr lang="en-US"/>
               <a:t>Chef Intermediate</a:t>
             </a:r>
-            <a:endParaRPr lang="en-US"/>
           </a:p>
         </p:txBody>
       </p:sp>
@@ -3223,7 +3201,7 @@
               <a:defRPr/>
             </a:pPr>
             <a:r>
-              <a:rPr lang="en-US" smtClean="0"/>
+              <a:rPr lang="en-US"/>
               <a:t>Chef Software, Inc.</a:t>
             </a:r>
             <a:endParaRPr lang="en-US" dirty="0"/>
@@ -3288,65 +3266,65 @@
           <a:lstStyle/>
           <a:p>
             <a:r>
-              <a:rPr lang="en-US" baseline="0" dirty="0" smtClean="0"/>
+              <a:rPr lang="en-US" baseline="0" dirty="0"/>
               <a:t>Within the </a:t>
             </a:r>
             <a:r>
-              <a:rPr lang="en-US" baseline="0" dirty="0" err="1" smtClean="0"/>
+              <a:rPr lang="en-US" baseline="0" dirty="0" err="1"/>
               <a:t>collect_data</a:t>
             </a:r>
             <a:r>
-              <a:rPr lang="en-US" baseline="0" dirty="0" smtClean="0"/>
+              <a:rPr lang="en-US" baseline="0" dirty="0"/>
               <a:t> block we use a helper method named '</a:t>
             </a:r>
             <a:r>
-              <a:rPr lang="en-US" baseline="0" dirty="0" err="1" smtClean="0"/>
+              <a:rPr lang="en-US" baseline="0" dirty="0" err="1"/>
               <a:t>shell_out</a:t>
             </a:r>
             <a:r>
-              <a:rPr lang="en-US" baseline="0" dirty="0" smtClean="0"/>
+              <a:rPr lang="en-US" baseline="0" dirty="0"/>
               <a:t>'. This '</a:t>
             </a:r>
             <a:r>
-              <a:rPr lang="en-US" baseline="0" dirty="0" err="1" smtClean="0"/>
+              <a:rPr lang="en-US" baseline="0" dirty="0" err="1"/>
               <a:t>shell_out</a:t>
             </a:r>
             <a:r>
-              <a:rPr lang="en-US" baseline="0" dirty="0" smtClean="0"/>
+              <a:rPr lang="en-US" baseline="0" dirty="0"/>
               <a:t>' method accepts a single parameter which is the command to run. This '</a:t>
             </a:r>
             <a:r>
-              <a:rPr lang="en-US" baseline="0" dirty="0" err="1" smtClean="0"/>
+              <a:rPr lang="en-US" baseline="0" dirty="0" err="1"/>
               <a:t>shell_out</a:t>
             </a:r>
             <a:r>
-              <a:rPr lang="en-US" baseline="0" dirty="0" smtClean="0"/>
+              <a:rPr lang="en-US" baseline="0" dirty="0"/>
               <a:t>' method will generate an object for which you can ask for the standard output, standard error, and the exit status.</a:t>
             </a:r>
           </a:p>
           <a:p>
-            <a:endParaRPr lang="en-US" baseline="0" dirty="0" smtClean="0"/>
-          </a:p>
-          <a:p>
-            <a:r>
-              <a:rPr lang="en-US" baseline="0" dirty="0" smtClean="0"/>
+            <a:endParaRPr lang="en-US" baseline="0" dirty="0"/>
+          </a:p>
+          <a:p>
+            <a:r>
+              <a:rPr lang="en-US" baseline="0" dirty="0"/>
               <a:t>This command is executed and if the status is successful (0 status code) then look at the standard output, split it into multiple lines, extract the version and possibly any build date information, and then store that information into the Mash that was created by the Languages plugin. If a failure occurs at any point catch that error and display a debug message. </a:t>
             </a:r>
           </a:p>
           <a:p>
-            <a:endParaRPr lang="en-US" baseline="0" dirty="0" smtClean="0"/>
-          </a:p>
-          <a:p>
-            <a:r>
-              <a:rPr lang="en-US" baseline="0" dirty="0" smtClean="0"/>
+            <a:endParaRPr lang="en-US" baseline="0" dirty="0"/>
+          </a:p>
+          <a:p>
+            <a:r>
+              <a:rPr lang="en-US" baseline="0" dirty="0"/>
               <a:t>You will find that most </a:t>
             </a:r>
             <a:r>
-              <a:rPr lang="en-US" baseline="0" dirty="0" err="1" smtClean="0"/>
+              <a:rPr lang="en-US" baseline="0" dirty="0" err="1"/>
               <a:t>Ohai</a:t>
             </a:r>
             <a:r>
-              <a:rPr lang="en-US" baseline="0" dirty="0" smtClean="0"/>
+              <a:rPr lang="en-US" baseline="0" dirty="0"/>
               <a:t> plugins will fit the following pattern. Perform a system related call to collect some data, use Ruby to process that data, and then store the data.</a:t>
             </a:r>
           </a:p>
@@ -3371,10 +3349,9 @@
               <a:defRPr/>
             </a:pPr>
             <a:r>
-              <a:rPr lang="en-US" smtClean="0"/>
+              <a:rPr lang="en-US"/>
               <a:t>Chef Intermediate</a:t>
             </a:r>
-            <a:endParaRPr lang="en-US"/>
           </a:p>
         </p:txBody>
       </p:sp>
@@ -3397,7 +3374,7 @@
               <a:defRPr/>
             </a:pPr>
             <a:r>
-              <a:rPr lang="en-US" smtClean="0"/>
+              <a:rPr lang="en-US"/>
               <a:t>Chef Software, Inc.</a:t>
             </a:r>
             <a:endParaRPr lang="en-US" dirty="0"/>
@@ -3484,7 +3461,7 @@
               <a:defRPr/>
             </a:pPr>
             <a:r>
-              <a:rPr lang="en-US" smtClean="0"/>
+              <a:rPr lang="en-US"/>
               <a:t>Chef Software, Inc.</a:t>
             </a:r>
             <a:endParaRPr lang="en-US" dirty="0"/>
@@ -3510,10 +3487,9 @@
               <a:defRPr/>
             </a:pPr>
             <a:r>
-              <a:rPr lang="en-US" smtClean="0"/>
+              <a:rPr lang="en-US"/>
               <a:t>Chef Intermediate</a:t>
             </a:r>
-            <a:endParaRPr lang="en-US"/>
           </a:p>
         </p:txBody>
       </p:sp>
@@ -3575,7 +3551,7 @@
           <a:lstStyle/>
           <a:p>
             <a:r>
-              <a:rPr lang="en-US" baseline="0" dirty="0" smtClean="0"/>
+              <a:rPr lang="en-US" baseline="0" dirty="0"/>
               <a:t>We were able to view the contents of the gem and examine the contents of a few plugins to give us an understanding of how plugins are structured. Now it is time for use to create our own.</a:t>
             </a:r>
             <a:endParaRPr lang="en-US" dirty="0"/>
@@ -3601,10 +3577,9 @@
               <a:defRPr/>
             </a:pPr>
             <a:r>
-              <a:rPr lang="en-US" smtClean="0"/>
+              <a:rPr lang="en-US"/>
               <a:t>Chef Intermediate</a:t>
             </a:r>
-            <a:endParaRPr lang="en-US"/>
           </a:p>
         </p:txBody>
       </p:sp>
@@ -3627,7 +3602,7 @@
               <a:defRPr/>
             </a:pPr>
             <a:r>
-              <a:rPr lang="en-US" smtClean="0"/>
+              <a:rPr lang="en-US"/>
               <a:t>Chef Software, Inc.</a:t>
             </a:r>
             <a:endParaRPr lang="en-US" dirty="0"/>
@@ -3692,11 +3667,11 @@
           <a:lstStyle/>
           <a:p>
             <a:r>
-              <a:rPr lang="en-US" dirty="0" smtClean="0"/>
+              <a:rPr lang="en-US" dirty="0"/>
               <a:t>After completing this module you will be able to find </a:t>
             </a:r>
             <a:r>
-              <a:rPr lang="en-US" baseline="0" dirty="0" smtClean="0"/>
+              <a:rPr lang="en-US" baseline="0" dirty="0"/>
               <a:t>the plugins that come packaged core with Chef, express what a plugin provides, depends on, and how it collects its data</a:t>
             </a:r>
             <a:endParaRPr lang="en-US" dirty="0"/>
@@ -3722,10 +3697,9 @@
               <a:defRPr/>
             </a:pPr>
             <a:r>
-              <a:rPr lang="en-US" smtClean="0"/>
+              <a:rPr lang="en-US"/>
               <a:t>Chef Intermediate</a:t>
             </a:r>
-            <a:endParaRPr lang="en-US"/>
           </a:p>
         </p:txBody>
       </p:sp>
@@ -3748,7 +3722,7 @@
               <a:defRPr/>
             </a:pPr>
             <a:r>
-              <a:rPr lang="en-US" smtClean="0"/>
+              <a:rPr lang="en-US"/>
               <a:t>Chef Software, Inc.</a:t>
             </a:r>
             <a:endParaRPr lang="en-US" dirty="0"/>
@@ -3835,10 +3809,9 @@
               <a:defRPr/>
             </a:pPr>
             <a:r>
-              <a:rPr lang="en-US" smtClean="0"/>
+              <a:rPr lang="en-US"/>
               <a:t>Chef Intermediate</a:t>
             </a:r>
-            <a:endParaRPr lang="en-US"/>
           </a:p>
         </p:txBody>
       </p:sp>
@@ -3861,7 +3834,7 @@
               <a:defRPr/>
             </a:pPr>
             <a:r>
-              <a:rPr lang="en-US" smtClean="0"/>
+              <a:rPr lang="en-US"/>
               <a:t>Chef Software, Inc.</a:t>
             </a:r>
             <a:endParaRPr lang="en-US" dirty="0"/>
@@ -3926,10 +3899,9 @@
           <a:lstStyle/>
           <a:p>
             <a:r>
-              <a:rPr lang="en-US" dirty="0" smtClean="0"/>
+              <a:rPr lang="en-US" dirty="0"/>
               <a:t>What questions can we answer for you?</a:t>
             </a:r>
-            <a:endParaRPr lang="en-US" dirty="0"/>
           </a:p>
         </p:txBody>
       </p:sp>
@@ -3952,10 +3924,9 @@
               <a:defRPr/>
             </a:pPr>
             <a:r>
-              <a:rPr lang="en-US" smtClean="0"/>
+              <a:rPr lang="en-US"/>
               <a:t>Chef Intermediate</a:t>
             </a:r>
-            <a:endParaRPr lang="en-US"/>
           </a:p>
         </p:txBody>
       </p:sp>
@@ -3978,7 +3949,7 @@
               <a:defRPr/>
             </a:pPr>
             <a:r>
-              <a:rPr lang="en-US" smtClean="0"/>
+              <a:rPr lang="en-US"/>
               <a:t>Chef Software, Inc.</a:t>
             </a:r>
             <a:endParaRPr lang="en-US" dirty="0"/>
@@ -4065,7 +4036,7 @@
               <a:defRPr/>
             </a:pPr>
             <a:r>
-              <a:rPr lang="en-US" smtClean="0"/>
+              <a:rPr lang="en-US"/>
               <a:t>Chef Software, Inc.</a:t>
             </a:r>
             <a:endParaRPr lang="en-US" dirty="0"/>
@@ -4091,10 +4062,9 @@
               <a:defRPr/>
             </a:pPr>
             <a:r>
-              <a:rPr lang="en-US" smtClean="0"/>
+              <a:rPr lang="en-US"/>
               <a:t>Chef Intermediate</a:t>
             </a:r>
-            <a:endParaRPr lang="en-US"/>
           </a:p>
         </p:txBody>
       </p:sp>
@@ -4156,15 +4126,15 @@
           <a:lstStyle/>
           <a:p>
             <a:r>
-              <a:rPr lang="en-US" baseline="0" dirty="0" smtClean="0"/>
+              <a:rPr lang="en-US" baseline="0" dirty="0"/>
               <a:t>To review the core plugins packaged with </a:t>
             </a:r>
             <a:r>
-              <a:rPr lang="en-US" baseline="0" dirty="0" err="1" smtClean="0"/>
+              <a:rPr lang="en-US" baseline="0" dirty="0" err="1"/>
               <a:t>Ohai</a:t>
             </a:r>
             <a:r>
-              <a:rPr lang="en-US" baseline="0" dirty="0" smtClean="0"/>
+              <a:rPr lang="en-US" baseline="0" dirty="0"/>
               <a:t> we need to spend some time reviewing the source code of the gem as none of the gems are not defined in documentation.</a:t>
             </a:r>
             <a:endParaRPr lang="en-US" dirty="0"/>
@@ -4190,10 +4160,9 @@
               <a:defRPr/>
             </a:pPr>
             <a:r>
-              <a:rPr lang="en-US" smtClean="0"/>
+              <a:rPr lang="en-US"/>
               <a:t>Chef Intermediate</a:t>
             </a:r>
-            <a:endParaRPr lang="en-US"/>
           </a:p>
         </p:txBody>
       </p:sp>
@@ -4216,7 +4185,7 @@
               <a:defRPr/>
             </a:pPr>
             <a:r>
-              <a:rPr lang="en-US" smtClean="0"/>
+              <a:rPr lang="en-US"/>
               <a:t>Chef Software, Inc.</a:t>
             </a:r>
             <a:endParaRPr lang="en-US" dirty="0"/>
@@ -4281,15 +4250,15 @@
           <a:lstStyle/>
           <a:p>
             <a:r>
-              <a:rPr lang="en-US" dirty="0" err="1" smtClean="0"/>
+              <a:rPr lang="en-US" dirty="0" err="1"/>
               <a:t>Ohai</a:t>
             </a:r>
             <a:r>
-              <a:rPr lang="en-US" dirty="0" smtClean="0"/>
+              <a:rPr lang="en-US" dirty="0"/>
               <a:t> is</a:t>
             </a:r>
             <a:r>
-              <a:rPr lang="en-US" baseline="0" dirty="0" smtClean="0"/>
+              <a:rPr lang="en-US" baseline="0" dirty="0"/>
               <a:t> a Ruby gem that is packed in the Chef Development Kit (Chef DK). A Ruby gem is a packaging structure that allows for the code to be reused and shared.</a:t>
             </a:r>
           </a:p>
@@ -4314,10 +4283,9 @@
               <a:defRPr/>
             </a:pPr>
             <a:r>
-              <a:rPr lang="en-US" smtClean="0"/>
+              <a:rPr lang="en-US"/>
               <a:t>Chef Intermediate</a:t>
             </a:r>
-            <a:endParaRPr lang="en-US"/>
           </a:p>
         </p:txBody>
       </p:sp>
@@ -4340,7 +4308,7 @@
               <a:defRPr/>
             </a:pPr>
             <a:r>
-              <a:rPr lang="en-US" smtClean="0"/>
+              <a:rPr lang="en-US"/>
               <a:t>Chef Software, Inc.</a:t>
             </a:r>
             <a:endParaRPr lang="en-US" dirty="0"/>
@@ -4405,35 +4373,35 @@
           <a:lstStyle/>
           <a:p>
             <a:r>
-              <a:rPr lang="en-US" dirty="0" smtClean="0"/>
+              <a:rPr lang="en-US" dirty="0"/>
               <a:t>All </a:t>
             </a:r>
             <a:r>
-              <a:rPr lang="en-US" dirty="0" err="1" smtClean="0"/>
+              <a:rPr lang="en-US" dirty="0" err="1"/>
               <a:t>Rubygems</a:t>
             </a:r>
             <a:r>
-              <a:rPr lang="en-US" dirty="0" smtClean="0"/>
+              <a:rPr lang="en-US" dirty="0"/>
               <a:t> are stored</a:t>
             </a:r>
             <a:r>
-              <a:rPr lang="en-US" baseline="0" dirty="0" smtClean="0"/>
+              <a:rPr lang="en-US" baseline="0" dirty="0"/>
               <a:t> on </a:t>
             </a:r>
             <a:r>
-              <a:rPr lang="en-US" baseline="0" dirty="0" err="1" smtClean="0"/>
+              <a:rPr lang="en-US" baseline="0" dirty="0" err="1"/>
               <a:t>rubygems.org</a:t>
             </a:r>
             <a:r>
-              <a:rPr lang="en-US" baseline="0" dirty="0" smtClean="0"/>
+              <a:rPr lang="en-US" baseline="0" dirty="0"/>
               <a:t>. We can come to the site and search for any gem by their name. Search for the Rubygem named "</a:t>
             </a:r>
             <a:r>
-              <a:rPr lang="en-US" baseline="0" dirty="0" err="1" smtClean="0"/>
+              <a:rPr lang="en-US" baseline="0" dirty="0" err="1"/>
               <a:t>ohai</a:t>
             </a:r>
             <a:r>
-              <a:rPr lang="en-US" baseline="0" dirty="0" smtClean="0"/>
+              <a:rPr lang="en-US" baseline="0" dirty="0"/>
               <a:t>".</a:t>
             </a:r>
             <a:endParaRPr lang="en-US" dirty="0"/>
@@ -4459,10 +4427,9 @@
               <a:defRPr/>
             </a:pPr>
             <a:r>
-              <a:rPr lang="en-US" smtClean="0"/>
+              <a:rPr lang="en-US"/>
               <a:t>Chef Intermediate</a:t>
             </a:r>
-            <a:endParaRPr lang="en-US"/>
           </a:p>
         </p:txBody>
       </p:sp>
@@ -4485,7 +4452,7 @@
               <a:defRPr/>
             </a:pPr>
             <a:r>
-              <a:rPr lang="en-US" smtClean="0"/>
+              <a:rPr lang="en-US"/>
               <a:t>Chef Software, Inc.</a:t>
             </a:r>
             <a:endParaRPr lang="en-US" dirty="0"/>
@@ -4550,11 +4517,11 @@
           <a:lstStyle/>
           <a:p>
             <a:r>
-              <a:rPr lang="en-US" dirty="0" smtClean="0"/>
+              <a:rPr lang="en-US" dirty="0"/>
               <a:t>The project</a:t>
             </a:r>
             <a:r>
-              <a:rPr lang="en-US" baseline="0" dirty="0" smtClean="0"/>
+              <a:rPr lang="en-US" baseline="0" dirty="0"/>
               <a:t> page for the gem itself contains important information about the releases, where to find the source, where to file issues, etc. We are interested in viewing the source of the project so we want to click on that link.</a:t>
             </a:r>
             <a:endParaRPr lang="en-US" dirty="0"/>
@@ -4580,10 +4547,9 @@
               <a:defRPr/>
             </a:pPr>
             <a:r>
-              <a:rPr lang="en-US" smtClean="0"/>
+              <a:rPr lang="en-US"/>
               <a:t>Chef Intermediate</a:t>
             </a:r>
-            <a:endParaRPr lang="en-US"/>
           </a:p>
         </p:txBody>
       </p:sp>
@@ -4606,7 +4572,7 @@
               <a:defRPr/>
             </a:pPr>
             <a:r>
-              <a:rPr lang="en-US" smtClean="0"/>
+              <a:rPr lang="en-US"/>
               <a:t>Chef Software, Inc.</a:t>
             </a:r>
             <a:endParaRPr lang="en-US" dirty="0"/>
@@ -4671,15 +4637,15 @@
           <a:lstStyle/>
           <a:p>
             <a:r>
-              <a:rPr lang="en-US" dirty="0" smtClean="0"/>
+              <a:rPr lang="en-US" dirty="0"/>
               <a:t>The </a:t>
             </a:r>
             <a:r>
-              <a:rPr lang="en-US" dirty="0" err="1" smtClean="0"/>
+              <a:rPr lang="en-US" dirty="0" err="1"/>
               <a:t>ohai</a:t>
             </a:r>
             <a:r>
-              <a:rPr lang="en-US" baseline="0" dirty="0" smtClean="0"/>
+              <a:rPr lang="en-US" baseline="0" dirty="0"/>
               <a:t> project is stored as a git repository within the Chef organization on GitHub. We can clone this project to our workstation to give us the ability to review the source code.</a:t>
             </a:r>
             <a:endParaRPr lang="en-US" dirty="0"/>
@@ -4705,10 +4671,9 @@
               <a:defRPr/>
             </a:pPr>
             <a:r>
-              <a:rPr lang="en-US" smtClean="0"/>
+              <a:rPr lang="en-US"/>
               <a:t>Chef Intermediate</a:t>
             </a:r>
-            <a:endParaRPr lang="en-US"/>
           </a:p>
         </p:txBody>
       </p:sp>
@@ -4731,7 +4696,7 @@
               <a:defRPr/>
             </a:pPr>
             <a:r>
-              <a:rPr lang="en-US" smtClean="0"/>
+              <a:rPr lang="en-US"/>
               <a:t>Chef Software, Inc.</a:t>
             </a:r>
             <a:endParaRPr lang="en-US" dirty="0"/>
@@ -4796,19 +4761,19 @@
           <a:lstStyle/>
           <a:p>
             <a:r>
-              <a:rPr lang="en-US" dirty="0" smtClean="0"/>
+              <a:rPr lang="en-US" dirty="0"/>
               <a:t>We are going to obtain</a:t>
             </a:r>
             <a:r>
-              <a:rPr lang="en-US" baseline="0" dirty="0" smtClean="0"/>
+              <a:rPr lang="en-US" baseline="0" dirty="0"/>
               <a:t> the </a:t>
             </a:r>
             <a:r>
-              <a:rPr lang="en-US" baseline="0" dirty="0" err="1" smtClean="0"/>
+              <a:rPr lang="en-US" baseline="0" dirty="0" err="1"/>
               <a:t>Ohai</a:t>
             </a:r>
             <a:r>
-              <a:rPr lang="en-US" baseline="0" dirty="0" smtClean="0"/>
+              <a:rPr lang="en-US" baseline="0" dirty="0"/>
               <a:t> library on our local workstation so let's start by returning to the home directory.</a:t>
             </a:r>
             <a:endParaRPr lang="en-US" dirty="0"/>
@@ -4834,10 +4799,9 @@
               <a:defRPr/>
             </a:pPr>
             <a:r>
-              <a:rPr lang="en-US" smtClean="0"/>
+              <a:rPr lang="en-US"/>
               <a:t>Chef Intermediate</a:t>
             </a:r>
-            <a:endParaRPr lang="en-US"/>
           </a:p>
         </p:txBody>
       </p:sp>
@@ -4860,7 +4824,7 @@
               <a:defRPr/>
             </a:pPr>
             <a:r>
-              <a:rPr lang="en-US" smtClean="0"/>
+              <a:rPr lang="en-US"/>
               <a:t>Chef Software, Inc.</a:t>
             </a:r>
             <a:endParaRPr lang="en-US" dirty="0"/>
@@ -4943,7 +4907,7 @@
           </a:lstStyle>
           <a:p>
             <a:r>
-              <a:rPr lang="en-US" smtClean="0"/>
+              <a:rPr lang="en-US"/>
               <a:t>Click to edit Master title style</a:t>
             </a:r>
             <a:endParaRPr lang="en-US" dirty="0"/>
@@ -5001,7 +4965,7 @@
           <a:p>
             <a:pPr lvl="0"/>
             <a:r>
-              <a:rPr lang="en-US" smtClean="0"/>
+              <a:rPr lang="en-US"/>
               <a:t>Click to edit Master text styles</a:t>
             </a:r>
           </a:p>
@@ -5083,7 +5047,7 @@
           </a:lstStyle>
           <a:p>
             <a:r>
-              <a:rPr lang="en-US" smtClean="0"/>
+              <a:rPr lang="en-US"/>
               <a:t>Click to edit Master title style</a:t>
             </a:r>
             <a:endParaRPr lang="en-US" dirty="0"/>
@@ -5141,7 +5105,7 @@
           <a:p>
             <a:pPr lvl="0"/>
             <a:r>
-              <a:rPr lang="en-US" dirty="0" smtClean="0"/>
+              <a:rPr lang="en-US" dirty="0"/>
               <a:t>source code</a:t>
             </a:r>
           </a:p>
@@ -5187,28 +5151,28 @@
           <a:p>
             <a:pPr lvl="0"/>
             <a:r>
-              <a:rPr lang="en-US" smtClean="0"/>
+              <a:rPr lang="en-US"/>
               <a:t>Click to edit Master text styles</a:t>
             </a:r>
           </a:p>
           <a:p>
             <a:pPr lvl="1"/>
             <a:r>
-              <a:rPr lang="en-US" smtClean="0"/>
+              <a:rPr lang="en-US"/>
               <a:t>Second level</a:t>
             </a:r>
           </a:p>
           <a:p>
             <a:pPr lvl="2"/>
             <a:r>
-              <a:rPr lang="en-US" smtClean="0"/>
+              <a:rPr lang="en-US"/>
               <a:t>Third level</a:t>
             </a:r>
           </a:p>
           <a:p>
             <a:pPr lvl="3"/>
             <a:r>
-              <a:rPr lang="en-US" smtClean="0"/>
+              <a:rPr lang="en-US"/>
               <a:t>Fourth level</a:t>
             </a:r>
           </a:p>
@@ -5252,7 +5216,7 @@
           <a:p>
             <a:pPr lvl="0"/>
             <a:r>
-              <a:rPr lang="en-US" dirty="0" smtClean="0"/>
+              <a:rPr lang="en-US" dirty="0"/>
               <a:t>-</a:t>
             </a:r>
           </a:p>
@@ -5296,7 +5260,7 @@
           <a:p>
             <a:pPr lvl="0"/>
             <a:r>
-              <a:rPr lang="en-US" dirty="0" smtClean="0"/>
+              <a:rPr lang="en-US" dirty="0"/>
               <a:t>+</a:t>
             </a:r>
           </a:p>
@@ -5445,14 +5409,14 @@
           </a:ln>
           <a:extLst>
             <a:ext uri="{909E8E84-426E-40dd-AFC4-6F175D3DCCD1}">
-              <a14:hiddenFill xmlns="" xmlns:a14="http://schemas.microsoft.com/office/drawing/2010/main">
+              <a14:hiddenFill xmlns:a14="http://schemas.microsoft.com/office/drawing/2010/main" xmlns="">
                 <a:solidFill>
                   <a:srgbClr val="FFFFFF"/>
                 </a:solidFill>
               </a14:hiddenFill>
             </a:ext>
             <a:ext uri="{91240B29-F687-4f45-9708-019B960494DF}">
-              <a14:hiddenLine xmlns="" xmlns:a14="http://schemas.microsoft.com/office/drawing/2010/main" w="9525">
+              <a14:hiddenLine xmlns:a14="http://schemas.microsoft.com/office/drawing/2010/main" xmlns="" w="9525">
                 <a:solidFill>
                   <a:srgbClr val="000000"/>
                 </a:solidFill>
@@ -5600,14 +5564,14 @@
           </a:ln>
           <a:extLst>
             <a:ext uri="{909E8E84-426E-40dd-AFC4-6F175D3DCCD1}">
-              <a14:hiddenFill xmlns="" xmlns:a14="http://schemas.microsoft.com/office/drawing/2010/main">
+              <a14:hiddenFill xmlns:a14="http://schemas.microsoft.com/office/drawing/2010/main" xmlns="">
                 <a:solidFill>
                   <a:srgbClr val="FFFFFF"/>
                 </a:solidFill>
               </a14:hiddenFill>
             </a:ext>
             <a:ext uri="{91240B29-F687-4f45-9708-019B960494DF}">
-              <a14:hiddenLine xmlns="" xmlns:a14="http://schemas.microsoft.com/office/drawing/2010/main" w="9525">
+              <a14:hiddenLine xmlns:a14="http://schemas.microsoft.com/office/drawing/2010/main" xmlns="" w="9525">
                 <a:solidFill>
                   <a:srgbClr val="000000"/>
                 </a:solidFill>
@@ -5835,21 +5799,21 @@
           <a:p>
             <a:pPr lvl="0"/>
             <a:r>
-              <a:rPr lang="en-US" smtClean="0"/>
+              <a:rPr lang="en-US"/>
               <a:t>Click to edit Master text styles</a:t>
             </a:r>
           </a:p>
           <a:p>
             <a:pPr lvl="1"/>
             <a:r>
-              <a:rPr lang="en-US" smtClean="0"/>
+              <a:rPr lang="en-US"/>
               <a:t>Second level</a:t>
             </a:r>
           </a:p>
           <a:p>
             <a:pPr lvl="2"/>
             <a:r>
-              <a:rPr lang="en-US" smtClean="0"/>
+              <a:rPr lang="en-US"/>
               <a:t>Third level</a:t>
             </a:r>
           </a:p>
@@ -5895,21 +5859,21 @@
           <a:p>
             <a:pPr lvl="0"/>
             <a:r>
-              <a:rPr lang="en-US" smtClean="0"/>
+              <a:rPr lang="en-US"/>
               <a:t>Click to edit Master text styles</a:t>
             </a:r>
           </a:p>
           <a:p>
             <a:pPr lvl="1"/>
             <a:r>
-              <a:rPr lang="en-US" smtClean="0"/>
+              <a:rPr lang="en-US"/>
               <a:t>Second level</a:t>
             </a:r>
           </a:p>
           <a:p>
             <a:pPr lvl="2"/>
             <a:r>
-              <a:rPr lang="en-US" smtClean="0"/>
+              <a:rPr lang="en-US"/>
               <a:t>Third level</a:t>
             </a:r>
           </a:p>
@@ -5949,7 +5913,7 @@
           <a:p>
             <a:pPr lvl="0"/>
             <a:r>
-              <a:rPr lang="en-US" dirty="0" smtClean="0"/>
+              <a:rPr lang="en-US" dirty="0"/>
               <a:t>A</a:t>
             </a:r>
           </a:p>
@@ -5989,7 +5953,7 @@
           <a:p>
             <a:pPr lvl="0"/>
             <a:r>
-              <a:rPr lang="en-US" dirty="0" smtClean="0"/>
+              <a:rPr lang="en-US" dirty="0"/>
               <a:t>B</a:t>
             </a:r>
           </a:p>
@@ -6098,14 +6062,14 @@
           </a:ln>
           <a:extLst>
             <a:ext uri="{909E8E84-426E-40dd-AFC4-6F175D3DCCD1}">
-              <a14:hiddenFill xmlns="" xmlns:a14="http://schemas.microsoft.com/office/drawing/2010/main">
+              <a14:hiddenFill xmlns:a14="http://schemas.microsoft.com/office/drawing/2010/main" xmlns="">
                 <a:solidFill>
                   <a:srgbClr val="FFFFFF"/>
                 </a:solidFill>
               </a14:hiddenFill>
             </a:ext>
             <a:ext uri="{91240B29-F687-4f45-9708-019B960494DF}">
-              <a14:hiddenLine xmlns="" xmlns:a14="http://schemas.microsoft.com/office/drawing/2010/main" w="9525">
+              <a14:hiddenLine xmlns:a14="http://schemas.microsoft.com/office/drawing/2010/main" xmlns="" w="9525">
                 <a:solidFill>
                   <a:srgbClr val="000000"/>
                 </a:solidFill>
@@ -6268,10 +6232,9 @@
           </a:lstStyle>
           <a:p>
             <a:r>
-              <a:rPr lang="en-US" dirty="0" smtClean="0"/>
+              <a:rPr lang="en-US" dirty="0"/>
               <a:t>Concept</a:t>
             </a:r>
-            <a:endParaRPr lang="en-US" dirty="0"/>
           </a:p>
         </p:txBody>
       </p:sp>
@@ -6398,7 +6361,7 @@
           </a:lstStyle>
           <a:p>
             <a:r>
-              <a:rPr lang="en-US" dirty="0" smtClean="0"/>
+              <a:rPr lang="en-US" dirty="0"/>
               <a:t>Click to edit Master subtitle style</a:t>
             </a:r>
           </a:p>
@@ -6555,10 +6518,9 @@
           </a:lstStyle>
           <a:p>
             <a:r>
-              <a:rPr lang="en-US" dirty="0" smtClean="0"/>
+              <a:rPr lang="en-US" dirty="0"/>
               <a:t>Group Exercise</a:t>
             </a:r>
-            <a:endParaRPr lang="en-US" dirty="0"/>
           </a:p>
         </p:txBody>
       </p:sp>
@@ -6603,7 +6565,7 @@
           <a:p>
             <a:pPr lvl="0"/>
             <a:r>
-              <a:rPr lang="en-US" dirty="0" smtClean="0"/>
+              <a:rPr lang="en-US" dirty="0"/>
               <a:t>Click to edit Master text styles</a:t>
             </a:r>
           </a:p>
@@ -6631,14 +6593,14 @@
           </a:ln>
           <a:extLst>
             <a:ext uri="{909E8E84-426E-40dd-AFC4-6F175D3DCCD1}">
-              <a14:hiddenFill xmlns="" xmlns:a14="http://schemas.microsoft.com/office/drawing/2010/main">
+              <a14:hiddenFill xmlns:a14="http://schemas.microsoft.com/office/drawing/2010/main" xmlns="">
                 <a:solidFill>
                   <a:srgbClr val="FFFFFF"/>
                 </a:solidFill>
               </a14:hiddenFill>
             </a:ext>
             <a:ext uri="{91240B29-F687-4f45-9708-019B960494DF}">
-              <a14:hiddenLine xmlns="" xmlns:a14="http://schemas.microsoft.com/office/drawing/2010/main" w="9525">
+              <a14:hiddenLine xmlns:a14="http://schemas.microsoft.com/office/drawing/2010/main" xmlns="" w="9525">
                 <a:solidFill>
                   <a:srgbClr val="000000"/>
                 </a:solidFill>
@@ -6798,28 +6760,28 @@
           <a:p>
             <a:pPr lvl="0"/>
             <a:r>
-              <a:rPr lang="en-US" dirty="0" smtClean="0"/>
+              <a:rPr lang="en-US" dirty="0"/>
               <a:t>Click to edit Master text styles</a:t>
             </a:r>
           </a:p>
           <a:p>
             <a:pPr lvl="1"/>
             <a:r>
-              <a:rPr lang="en-US" dirty="0" smtClean="0"/>
+              <a:rPr lang="en-US" dirty="0"/>
               <a:t>Second level</a:t>
             </a:r>
           </a:p>
           <a:p>
             <a:pPr lvl="2"/>
             <a:r>
-              <a:rPr lang="en-US" dirty="0" smtClean="0"/>
+              <a:rPr lang="en-US" dirty="0"/>
               <a:t>Third level</a:t>
             </a:r>
           </a:p>
           <a:p>
             <a:pPr lvl="3"/>
             <a:r>
-              <a:rPr lang="en-US" dirty="0" smtClean="0"/>
+              <a:rPr lang="en-US" dirty="0"/>
               <a:t>Fourth level</a:t>
             </a:r>
           </a:p>
@@ -6976,10 +6938,9 @@
           </a:lstStyle>
           <a:p>
             <a:r>
-              <a:rPr lang="en-US" dirty="0" smtClean="0"/>
+              <a:rPr lang="en-US" dirty="0"/>
               <a:t>Motivation</a:t>
             </a:r>
-            <a:endParaRPr lang="en-US" dirty="0"/>
           </a:p>
         </p:txBody>
       </p:sp>
@@ -7106,7 +7067,7 @@
           </a:lstStyle>
           <a:p>
             <a:r>
-              <a:rPr lang="en-US" dirty="0" smtClean="0"/>
+              <a:rPr lang="en-US" dirty="0"/>
               <a:t>Click to edit Master subtitle style</a:t>
             </a:r>
           </a:p>
@@ -7263,10 +7224,9 @@
           </a:lstStyle>
           <a:p>
             <a:r>
-              <a:rPr lang="en-US" dirty="0" smtClean="0"/>
+              <a:rPr lang="en-US" dirty="0"/>
               <a:t>Problem</a:t>
             </a:r>
-            <a:endParaRPr lang="en-US" dirty="0"/>
           </a:p>
         </p:txBody>
       </p:sp>
@@ -7393,7 +7353,7 @@
           </a:lstStyle>
           <a:p>
             <a:r>
-              <a:rPr lang="en-US" dirty="0" smtClean="0"/>
+              <a:rPr lang="en-US" dirty="0"/>
               <a:t>Click to edit Master subtitle style</a:t>
             </a:r>
           </a:p>
@@ -7466,7 +7426,7 @@
               <a:defRPr/>
             </a:pPr>
             <a:r>
-              <a:rPr lang="en-US" sz="16933" dirty="0" smtClean="0">
+              <a:rPr lang="en-US" sz="16933" dirty="0">
                 <a:ln w="18415" cmpd="sng">
                   <a:solidFill>
                     <a:srgbClr val="FFFFFF"/>
@@ -7485,23 +7445,6 @@
               </a:rPr>
               <a:t>REFERENCE</a:t>
             </a:r>
-            <a:endParaRPr lang="en-US" sz="16933" dirty="0">
-              <a:ln w="18415" cmpd="sng">
-                <a:solidFill>
-                  <a:srgbClr val="FFFFFF"/>
-                </a:solidFill>
-                <a:prstDash val="solid"/>
-              </a:ln>
-              <a:solidFill>
-                <a:schemeClr val="bg2">
-                  <a:lumMod val="95000"/>
-                  <a:alpha val="50000"/>
-                </a:schemeClr>
-              </a:solidFill>
-              <a:latin typeface="+mn-lt"/>
-              <a:ea typeface="+mn-ea"/>
-              <a:cs typeface="+mn-cs"/>
-            </a:endParaRPr>
           </a:p>
         </p:txBody>
       </p:sp>
@@ -7567,10 +7510,9 @@
           </a:lstStyle>
           <a:p>
             <a:r>
-              <a:rPr lang="en-US" dirty="0" smtClean="0"/>
+              <a:rPr lang="en-US" dirty="0"/>
               <a:t>Documentation</a:t>
             </a:r>
-            <a:endParaRPr lang="en-US" dirty="0"/>
           </a:p>
         </p:txBody>
       </p:sp>
@@ -7697,7 +7639,7 @@
           </a:lstStyle>
           <a:p>
             <a:r>
-              <a:rPr lang="en-US" dirty="0" smtClean="0"/>
+              <a:rPr lang="en-US" dirty="0"/>
               <a:t>Click to edit Master subtitle style</a:t>
             </a:r>
           </a:p>
@@ -7737,14 +7679,14 @@
           <a:p>
             <a:pPr lvl="0"/>
             <a:r>
-              <a:rPr lang="en-US" dirty="0" smtClean="0"/>
+              <a:rPr lang="en-US" dirty="0"/>
               <a:t>http://</a:t>
             </a:r>
             <a:r>
-              <a:rPr lang="en-US" dirty="0" err="1" smtClean="0"/>
+              <a:rPr lang="en-US" dirty="0" err="1"/>
               <a:t>docs.chef.io</a:t>
             </a:r>
-            <a:endParaRPr lang="en-US" dirty="0" smtClean="0"/>
+            <a:endParaRPr lang="en-US" dirty="0"/>
           </a:p>
         </p:txBody>
       </p:sp>
@@ -7899,10 +7841,9 @@
           </a:lstStyle>
           <a:p>
             <a:r>
-              <a:rPr lang="en-US" dirty="0" smtClean="0"/>
+              <a:rPr lang="en-US" dirty="0"/>
               <a:t>Concept</a:t>
             </a:r>
-            <a:endParaRPr lang="en-US" dirty="0"/>
           </a:p>
         </p:txBody>
       </p:sp>
@@ -8029,7 +7970,7 @@
           </a:lstStyle>
           <a:p>
             <a:r>
-              <a:rPr lang="en-US" dirty="0" smtClean="0"/>
+              <a:rPr lang="en-US" dirty="0"/>
               <a:t>Click to edit Master subtitle style</a:t>
             </a:r>
           </a:p>
@@ -8186,10 +8127,9 @@
           </a:lstStyle>
           <a:p>
             <a:r>
-              <a:rPr lang="en-US" dirty="0" smtClean="0"/>
+              <a:rPr lang="en-US" dirty="0"/>
               <a:t>Group Exercise</a:t>
             </a:r>
-            <a:endParaRPr lang="en-US" dirty="0"/>
           </a:p>
         </p:txBody>
       </p:sp>
@@ -8234,7 +8174,7 @@
           <a:p>
             <a:pPr lvl="0"/>
             <a:r>
-              <a:rPr lang="en-US" dirty="0" smtClean="0"/>
+              <a:rPr lang="en-US" dirty="0"/>
               <a:t>Click to edit Master text styles</a:t>
             </a:r>
           </a:p>
@@ -8262,14 +8202,14 @@
           </a:ln>
           <a:extLst>
             <a:ext uri="{909E8E84-426E-40dd-AFC4-6F175D3DCCD1}">
-              <a14:hiddenFill xmlns="" xmlns:a14="http://schemas.microsoft.com/office/drawing/2010/main">
+              <a14:hiddenFill xmlns:a14="http://schemas.microsoft.com/office/drawing/2010/main" xmlns="">
                 <a:solidFill>
                   <a:srgbClr val="FFFFFF"/>
                 </a:solidFill>
               </a14:hiddenFill>
             </a:ext>
             <a:ext uri="{91240B29-F687-4f45-9708-019B960494DF}">
-              <a14:hiddenLine xmlns="" xmlns:a14="http://schemas.microsoft.com/office/drawing/2010/main" w="9525">
+              <a14:hiddenLine xmlns:a14="http://schemas.microsoft.com/office/drawing/2010/main" xmlns="" w="9525">
                 <a:solidFill>
                   <a:srgbClr val="000000"/>
                 </a:solidFill>
@@ -8429,28 +8369,28 @@
           <a:p>
             <a:pPr lvl="0"/>
             <a:r>
-              <a:rPr lang="en-US" dirty="0" smtClean="0"/>
+              <a:rPr lang="en-US" dirty="0"/>
               <a:t>Click to edit Master text styles</a:t>
             </a:r>
           </a:p>
           <a:p>
             <a:pPr lvl="1"/>
             <a:r>
-              <a:rPr lang="en-US" dirty="0" smtClean="0"/>
+              <a:rPr lang="en-US" dirty="0"/>
               <a:t>Second level</a:t>
             </a:r>
           </a:p>
           <a:p>
             <a:pPr lvl="2"/>
             <a:r>
-              <a:rPr lang="en-US" dirty="0" smtClean="0"/>
+              <a:rPr lang="en-US" dirty="0"/>
               <a:t>Third level</a:t>
             </a:r>
           </a:p>
           <a:p>
             <a:pPr lvl="3"/>
             <a:r>
-              <a:rPr lang="en-US" dirty="0" smtClean="0"/>
+              <a:rPr lang="en-US" dirty="0"/>
               <a:t>Fourth level</a:t>
             </a:r>
           </a:p>
@@ -8521,7 +8461,7 @@
           <a:lstStyle/>
           <a:p>
             <a:r>
-              <a:rPr lang="en-US" smtClean="0"/>
+              <a:rPr lang="en-US"/>
               <a:t>Click to edit Master title style</a:t>
             </a:r>
             <a:endParaRPr lang="en-US" dirty="0"/>
@@ -8613,21 +8553,21 @@
           <a:p>
             <a:pPr lvl="0"/>
             <a:r>
-              <a:rPr lang="en-US" smtClean="0"/>
+              <a:rPr lang="en-US"/>
               <a:t>Click to edit Master text styles</a:t>
             </a:r>
           </a:p>
           <a:p>
             <a:pPr lvl="1"/>
             <a:r>
-              <a:rPr lang="en-US" smtClean="0"/>
+              <a:rPr lang="en-US"/>
               <a:t>Second level</a:t>
             </a:r>
           </a:p>
           <a:p>
             <a:pPr lvl="2"/>
             <a:r>
-              <a:rPr lang="en-US" smtClean="0"/>
+              <a:rPr lang="en-US"/>
               <a:t>Third level</a:t>
             </a:r>
           </a:p>
@@ -8784,10 +8724,9 @@
           </a:lstStyle>
           <a:p>
             <a:r>
-              <a:rPr lang="en-US" dirty="0" smtClean="0"/>
+              <a:rPr lang="en-US" dirty="0"/>
               <a:t>Lab</a:t>
             </a:r>
-            <a:endParaRPr lang="en-US" dirty="0"/>
           </a:p>
         </p:txBody>
       </p:sp>
@@ -8915,7 +8854,7 @@
           </a:lstStyle>
           <a:p>
             <a:r>
-              <a:rPr lang="en-US" dirty="0" smtClean="0"/>
+              <a:rPr lang="en-US" dirty="0"/>
               <a:t>Click to edit Master subtitle style</a:t>
             </a:r>
           </a:p>
@@ -9072,10 +9011,9 @@
           </a:lstStyle>
           <a:p>
             <a:r>
-              <a:rPr lang="en-US" dirty="0" smtClean="0"/>
+              <a:rPr lang="en-US" dirty="0"/>
               <a:t>Commit</a:t>
             </a:r>
-            <a:endParaRPr lang="en-US" dirty="0"/>
           </a:p>
         </p:txBody>
       </p:sp>
@@ -9204,30 +9142,30 @@
           </a:lstStyle>
           <a:p>
             <a:r>
-              <a:rPr lang="en-US" dirty="0" smtClean="0"/>
+              <a:rPr lang="en-US" dirty="0"/>
               <a:t>$ cd repo</a:t>
             </a:r>
           </a:p>
           <a:p>
             <a:r>
-              <a:rPr lang="en-US" dirty="0" smtClean="0"/>
+              <a:rPr lang="en-US" dirty="0"/>
               <a:t>$ git </a:t>
             </a:r>
             <a:r>
-              <a:rPr lang="en-US" dirty="0" err="1" smtClean="0"/>
+              <a:rPr lang="en-US" dirty="0" err="1"/>
               <a:t>init</a:t>
             </a:r>
-            <a:endParaRPr lang="en-US" dirty="0" smtClean="0"/>
-          </a:p>
-          <a:p>
-            <a:r>
-              <a:rPr lang="en-US" dirty="0" smtClean="0"/>
+            <a:endParaRPr lang="en-US" dirty="0"/>
+          </a:p>
+          <a:p>
+            <a:r>
+              <a:rPr lang="en-US" dirty="0"/>
               <a:t>$ git add .</a:t>
             </a:r>
           </a:p>
           <a:p>
             <a:r>
-              <a:rPr lang="en-US" dirty="0" smtClean="0"/>
+              <a:rPr lang="en-US" dirty="0"/>
               <a:t>$ git commit -m "Work Complete"</a:t>
             </a:r>
           </a:p>
@@ -9300,7 +9238,7 @@
               <a:defRPr/>
             </a:pPr>
             <a:r>
-              <a:rPr lang="en-US" sz="16933" dirty="0" smtClean="0">
+              <a:rPr lang="en-US" sz="16933" dirty="0">
                 <a:ln w="18415" cmpd="sng">
                   <a:solidFill>
                     <a:srgbClr val="FFFFFF"/>
@@ -9319,23 +9257,6 @@
               </a:rPr>
               <a:t>DISCUSSION</a:t>
             </a:r>
-            <a:endParaRPr lang="en-US" sz="16933" dirty="0">
-              <a:ln w="18415" cmpd="sng">
-                <a:solidFill>
-                  <a:srgbClr val="FFFFFF"/>
-                </a:solidFill>
-                <a:prstDash val="solid"/>
-              </a:ln>
-              <a:solidFill>
-                <a:schemeClr val="bg2">
-                  <a:lumMod val="95000"/>
-                  <a:alpha val="50000"/>
-                </a:schemeClr>
-              </a:solidFill>
-              <a:latin typeface="+mn-lt"/>
-              <a:ea typeface="+mn-ea"/>
-              <a:cs typeface="+mn-cs"/>
-            </a:endParaRPr>
           </a:p>
         </p:txBody>
       </p:sp>
@@ -9401,10 +9322,9 @@
           </a:lstStyle>
           <a:p>
             <a:r>
-              <a:rPr lang="en-US" dirty="0" smtClean="0"/>
+              <a:rPr lang="en-US" dirty="0"/>
               <a:t>Discussion</a:t>
             </a:r>
-            <a:endParaRPr lang="en-US" dirty="0"/>
           </a:p>
         </p:txBody>
       </p:sp>
@@ -9531,7 +9451,7 @@
           </a:lstStyle>
           <a:p>
             <a:r>
-              <a:rPr lang="en-US" dirty="0" smtClean="0"/>
+              <a:rPr lang="en-US" dirty="0"/>
               <a:t>Questions</a:t>
             </a:r>
           </a:p>
@@ -9623,14 +9543,14 @@
           </a:ln>
           <a:extLst>
             <a:ext uri="{909E8E84-426E-40dd-AFC4-6F175D3DCCD1}">
-              <a14:hiddenFill xmlns="" xmlns:a14="http://schemas.microsoft.com/office/drawing/2010/main">
+              <a14:hiddenFill xmlns:a14="http://schemas.microsoft.com/office/drawing/2010/main" xmlns="">
                 <a:solidFill>
                   <a:srgbClr val="FFFFFF"/>
                 </a:solidFill>
               </a14:hiddenFill>
             </a:ext>
             <a:ext uri="{91240B29-F687-4f45-9708-019B960494DF}">
-              <a14:hiddenLine xmlns="" xmlns:a14="http://schemas.microsoft.com/office/drawing/2010/main" w="9525">
+              <a14:hiddenLine xmlns:a14="http://schemas.microsoft.com/office/drawing/2010/main" xmlns="" w="9525">
                 <a:solidFill>
                   <a:srgbClr val="000000"/>
                 </a:solidFill>
@@ -9762,7 +9682,7 @@
           <a:p>
             <a:pPr lvl="0"/>
             <a:r>
-              <a:rPr lang="en-US" dirty="0" smtClean="0"/>
+              <a:rPr lang="en-US" dirty="0"/>
               <a:t>RESULT</a:t>
             </a:r>
           </a:p>
@@ -9809,7 +9729,7 @@
           <a:p>
             <a:pPr lvl="0"/>
             <a:r>
-              <a:rPr lang="en-US" dirty="0" smtClean="0"/>
+              <a:rPr lang="en-US" dirty="0"/>
               <a:t>&gt; command</a:t>
             </a:r>
           </a:p>
@@ -9861,7 +9781,7 @@
           <a:p>
             <a:pPr lvl="0"/>
             <a:r>
-              <a:rPr lang="en-US" dirty="0" smtClean="0"/>
+              <a:rPr lang="en-US" dirty="0"/>
               <a:t> </a:t>
             </a:r>
           </a:p>
@@ -9889,7 +9809,7 @@
           </a:lstStyle>
           <a:p>
             <a:r>
-              <a:rPr lang="en-US" smtClean="0"/>
+              <a:rPr lang="en-US"/>
               <a:t>Click to edit Master title style</a:t>
             </a:r>
             <a:endParaRPr lang="en-US" dirty="0"/>
@@ -9972,7 +9892,7 @@
           </a:lstStyle>
           <a:p>
             <a:r>
-              <a:rPr lang="en-US" smtClean="0"/>
+              <a:rPr lang="en-US"/>
               <a:t>Click to edit Master title style</a:t>
             </a:r>
             <a:endParaRPr lang="en-US" dirty="0"/>
@@ -10036,7 +9956,7 @@
           <a:p>
             <a:pPr lvl="0"/>
             <a:r>
-              <a:rPr lang="en-US" dirty="0" smtClean="0"/>
+              <a:rPr lang="en-US" dirty="0"/>
               <a:t>command or result</a:t>
             </a:r>
           </a:p>
@@ -10082,21 +10002,21 @@
           <a:p>
             <a:pPr lvl="0"/>
             <a:r>
-              <a:rPr lang="en-US" smtClean="0"/>
+              <a:rPr lang="en-US"/>
               <a:t>Click to edit Master text styles</a:t>
             </a:r>
           </a:p>
           <a:p>
             <a:pPr lvl="1"/>
             <a:r>
-              <a:rPr lang="en-US" smtClean="0"/>
+              <a:rPr lang="en-US"/>
               <a:t>Second level</a:t>
             </a:r>
           </a:p>
           <a:p>
             <a:pPr lvl="2"/>
             <a:r>
-              <a:rPr lang="en-US" smtClean="0"/>
+              <a:rPr lang="en-US"/>
               <a:t>Third level</a:t>
             </a:r>
           </a:p>
@@ -10188,14 +10108,14 @@
           </a:ln>
           <a:extLst>
             <a:ext uri="{909E8E84-426E-40dd-AFC4-6F175D3DCCD1}">
-              <a14:hiddenFill xmlns="" xmlns:a14="http://schemas.microsoft.com/office/drawing/2010/main">
+              <a14:hiddenFill xmlns:a14="http://schemas.microsoft.com/office/drawing/2010/main" xmlns="">
                 <a:solidFill>
                   <a:srgbClr val="FFFFFF"/>
                 </a:solidFill>
               </a14:hiddenFill>
             </a:ext>
             <a:ext uri="{91240B29-F687-4f45-9708-019B960494DF}">
-              <a14:hiddenLine xmlns="" xmlns:a14="http://schemas.microsoft.com/office/drawing/2010/main" w="9525">
+              <a14:hiddenLine xmlns:a14="http://schemas.microsoft.com/office/drawing/2010/main" xmlns="" w="9525">
                 <a:solidFill>
                   <a:srgbClr val="000000"/>
                 </a:solidFill>
@@ -10267,7 +10187,7 @@
           </a:lstStyle>
           <a:p>
             <a:r>
-              <a:rPr lang="en-US" smtClean="0"/>
+              <a:rPr lang="en-US"/>
               <a:t>Click to edit Master title style</a:t>
             </a:r>
             <a:endParaRPr lang="en-US" dirty="0"/>
@@ -10361,7 +10281,7 @@
           <a:p>
             <a:pPr lvl="0"/>
             <a:r>
-              <a:rPr lang="en-US" dirty="0" smtClean="0"/>
+              <a:rPr lang="en-US" dirty="0"/>
               <a:t>RESULT</a:t>
             </a:r>
           </a:p>
@@ -10410,7 +10330,7 @@
           <a:p>
             <a:pPr lvl="0"/>
             <a:r>
-              <a:rPr lang="en-US" dirty="0" smtClean="0"/>
+              <a:rPr lang="en-US" dirty="0"/>
               <a:t>&gt; command</a:t>
             </a:r>
           </a:p>
@@ -10462,7 +10382,7 @@
           <a:p>
             <a:pPr lvl="0"/>
             <a:r>
-              <a:rPr lang="en-US" dirty="0" smtClean="0"/>
+              <a:rPr lang="en-US" dirty="0"/>
               <a:t> </a:t>
             </a:r>
           </a:p>
@@ -10544,7 +10464,7 @@
           </a:lstStyle>
           <a:p>
             <a:r>
-              <a:rPr lang="en-US" smtClean="0"/>
+              <a:rPr lang="en-US"/>
               <a:t>Click to edit Master title style</a:t>
             </a:r>
             <a:endParaRPr lang="en-US" dirty="0"/>
@@ -10610,7 +10530,7 @@
           <a:p>
             <a:pPr lvl="0"/>
             <a:r>
-              <a:rPr lang="en-US" dirty="0" smtClean="0"/>
+              <a:rPr lang="en-US" dirty="0"/>
               <a:t>command or result</a:t>
             </a:r>
           </a:p>
@@ -10656,21 +10576,21 @@
           <a:p>
             <a:pPr lvl="0"/>
             <a:r>
-              <a:rPr lang="en-US" smtClean="0"/>
+              <a:rPr lang="en-US"/>
               <a:t>Click to edit Master text styles</a:t>
             </a:r>
           </a:p>
           <a:p>
             <a:pPr lvl="1"/>
             <a:r>
-              <a:rPr lang="en-US" smtClean="0"/>
+              <a:rPr lang="en-US"/>
               <a:t>Second level</a:t>
             </a:r>
           </a:p>
           <a:p>
             <a:pPr lvl="2"/>
             <a:r>
-              <a:rPr lang="en-US" smtClean="0"/>
+              <a:rPr lang="en-US"/>
               <a:t>Third level</a:t>
             </a:r>
           </a:p>
@@ -10762,14 +10682,14 @@
           </a:ln>
           <a:extLst>
             <a:ext uri="{909E8E84-426E-40dd-AFC4-6F175D3DCCD1}">
-              <a14:hiddenFill xmlns="" xmlns:a14="http://schemas.microsoft.com/office/drawing/2010/main">
+              <a14:hiddenFill xmlns:a14="http://schemas.microsoft.com/office/drawing/2010/main" xmlns="">
                 <a:solidFill>
                   <a:srgbClr val="FFFFFF"/>
                 </a:solidFill>
               </a14:hiddenFill>
             </a:ext>
             <a:ext uri="{91240B29-F687-4f45-9708-019B960494DF}">
-              <a14:hiddenLine xmlns="" xmlns:a14="http://schemas.microsoft.com/office/drawing/2010/main" w="9525">
+              <a14:hiddenLine xmlns:a14="http://schemas.microsoft.com/office/drawing/2010/main" xmlns="" w="9525">
                 <a:solidFill>
                   <a:srgbClr val="000000"/>
                 </a:solidFill>
@@ -10806,7 +10726,7 @@
           </a:lstStyle>
           <a:p>
             <a:r>
-              <a:rPr lang="en-US" smtClean="0"/>
+              <a:rPr lang="en-US"/>
               <a:t>Click to edit Master title style</a:t>
             </a:r>
             <a:endParaRPr lang="en-US" dirty="0"/>
@@ -10876,7 +10796,7 @@
           <a:p>
             <a:pPr lvl="0"/>
             <a:r>
-              <a:rPr lang="en-US" dirty="0" smtClean="0"/>
+              <a:rPr lang="en-US" dirty="0"/>
               <a:t>SOURCE</a:t>
             </a:r>
           </a:p>
@@ -10920,22 +10840,22 @@
           <a:p>
             <a:pPr lvl="0"/>
             <a:r>
-              <a:rPr lang="en-US" dirty="0" smtClean="0"/>
+              <a:rPr lang="en-US" dirty="0"/>
               <a:t>/</a:t>
             </a:r>
             <a:r>
-              <a:rPr lang="en-US" dirty="0" err="1" smtClean="0"/>
+              <a:rPr lang="en-US" dirty="0" err="1"/>
               <a:t>filepath</a:t>
             </a:r>
             <a:r>
-              <a:rPr lang="en-US" dirty="0" smtClean="0"/>
+              <a:rPr lang="en-US" dirty="0"/>
               <a:t>/</a:t>
             </a:r>
             <a:r>
-              <a:rPr lang="en-US" dirty="0" err="1" smtClean="0"/>
+              <a:rPr lang="en-US" dirty="0" err="1"/>
               <a:t>file.rb</a:t>
             </a:r>
-            <a:endParaRPr lang="en-US" dirty="0" smtClean="0"/>
+            <a:endParaRPr lang="en-US" dirty="0"/>
           </a:p>
         </p:txBody>
       </p:sp>
@@ -10977,7 +10897,7 @@
           <a:p>
             <a:pPr lvl="0"/>
             <a:r>
-              <a:rPr lang="en-US" dirty="0" smtClean="0"/>
+              <a:rPr lang="en-US" dirty="0"/>
               <a:t>-</a:t>
             </a:r>
           </a:p>
@@ -11021,7 +10941,7 @@
           <a:p>
             <a:pPr lvl="0"/>
             <a:r>
-              <a:rPr lang="en-US" dirty="0" smtClean="0"/>
+              <a:rPr lang="en-US" dirty="0"/>
               <a:t>+</a:t>
             </a:r>
           </a:p>
@@ -11103,7 +11023,7 @@
           </a:lstStyle>
           <a:p>
             <a:r>
-              <a:rPr lang="en-US" smtClean="0"/>
+              <a:rPr lang="en-US"/>
               <a:t>Click to edit Master title style</a:t>
             </a:r>
             <a:endParaRPr lang="en-US" dirty="0"/>
@@ -11161,7 +11081,7 @@
           <a:p>
             <a:pPr lvl="0"/>
             <a:r>
-              <a:rPr lang="en-US" dirty="0" smtClean="0"/>
+              <a:rPr lang="en-US" dirty="0"/>
               <a:t>source code without a file</a:t>
             </a:r>
           </a:p>
@@ -11205,7 +11125,7 @@
           <a:p>
             <a:pPr lvl="0"/>
             <a:r>
-              <a:rPr lang="en-US" dirty="0" smtClean="0"/>
+              <a:rPr lang="en-US" dirty="0"/>
               <a:t>-</a:t>
             </a:r>
           </a:p>
@@ -11249,7 +11169,7 @@
           <a:p>
             <a:pPr lvl="0"/>
             <a:r>
-              <a:rPr lang="en-US" dirty="0" smtClean="0"/>
+              <a:rPr lang="en-US" dirty="0"/>
               <a:t>+</a:t>
             </a:r>
           </a:p>
@@ -11331,7 +11251,7 @@
           </a:lstStyle>
           <a:p>
             <a:r>
-              <a:rPr lang="en-US" smtClean="0"/>
+              <a:rPr lang="en-US"/>
               <a:t>Click to edit Master title style</a:t>
             </a:r>
             <a:endParaRPr lang="en-US" dirty="0"/>
@@ -11389,7 +11309,7 @@
           <a:p>
             <a:pPr lvl="0"/>
             <a:r>
-              <a:rPr lang="en-US" dirty="0" smtClean="0"/>
+              <a:rPr lang="en-US" dirty="0"/>
               <a:t>source code</a:t>
             </a:r>
           </a:p>
@@ -11435,21 +11355,21 @@
           <a:p>
             <a:pPr lvl="0"/>
             <a:r>
-              <a:rPr lang="en-US" smtClean="0"/>
+              <a:rPr lang="en-US"/>
               <a:t>Click to edit Master text styles</a:t>
             </a:r>
           </a:p>
           <a:p>
             <a:pPr lvl="1"/>
             <a:r>
-              <a:rPr lang="en-US" smtClean="0"/>
+              <a:rPr lang="en-US"/>
               <a:t>Second level</a:t>
             </a:r>
           </a:p>
           <a:p>
             <a:pPr lvl="2"/>
             <a:r>
-              <a:rPr lang="en-US" smtClean="0"/>
+              <a:rPr lang="en-US"/>
               <a:t>Third level</a:t>
             </a:r>
           </a:p>
@@ -11493,7 +11413,7 @@
           <a:p>
             <a:pPr lvl="0"/>
             <a:r>
-              <a:rPr lang="en-US" dirty="0" smtClean="0"/>
+              <a:rPr lang="en-US" dirty="0"/>
               <a:t>-</a:t>
             </a:r>
           </a:p>
@@ -11537,7 +11457,7 @@
           <a:p>
             <a:pPr lvl="0"/>
             <a:r>
-              <a:rPr lang="en-US" dirty="0" smtClean="0"/>
+              <a:rPr lang="en-US" dirty="0"/>
               <a:t>+</a:t>
             </a:r>
           </a:p>
@@ -11620,7 +11540,7 @@
           <a:lstStyle/>
           <a:p>
             <a:r>
-              <a:rPr lang="en-CA" dirty="0" smtClean="0"/>
+              <a:rPr lang="en-CA" dirty="0"/>
               <a:t>Title Text</a:t>
             </a:r>
             <a:endParaRPr lang="en-US" dirty="0"/>
@@ -11654,21 +11574,21 @@
           <a:p>
             <a:pPr lvl="0"/>
             <a:r>
-              <a:rPr lang="en-US" dirty="0" smtClean="0"/>
+              <a:rPr lang="en-US" dirty="0"/>
               <a:t>Click to edit Master text styles</a:t>
             </a:r>
           </a:p>
           <a:p>
             <a:pPr lvl="1"/>
             <a:r>
-              <a:rPr lang="en-US" dirty="0" smtClean="0"/>
+              <a:rPr lang="en-US" dirty="0"/>
               <a:t>Second level</a:t>
             </a:r>
           </a:p>
           <a:p>
             <a:pPr lvl="2"/>
             <a:r>
-              <a:rPr lang="en-US" dirty="0" smtClean="0"/>
+              <a:rPr lang="en-US" dirty="0"/>
               <a:t>Third level</a:t>
             </a:r>
           </a:p>
@@ -11709,14 +11629,14 @@
           </a:ln>
           <a:extLst>
             <a:ext uri="{909E8E84-426E-40dd-AFC4-6F175D3DCCD1}">
-              <a14:hiddenFill xmlns="" xmlns:a14="http://schemas.microsoft.com/office/drawing/2010/main">
+              <a14:hiddenFill xmlns:a14="http://schemas.microsoft.com/office/drawing/2010/main" xmlns="">
                 <a:solidFill>
                   <a:srgbClr val="FFFFFF"/>
                 </a:solidFill>
               </a14:hiddenFill>
             </a:ext>
             <a:ext uri="{91240B29-F687-4f45-9708-019B960494DF}">
-              <a14:hiddenLine xmlns="" xmlns:a14="http://schemas.microsoft.com/office/drawing/2010/main" w="9525">
+              <a14:hiddenLine xmlns:a14="http://schemas.microsoft.com/office/drawing/2010/main" xmlns="" w="9525">
                 <a:solidFill>
                   <a:srgbClr val="000000"/>
                 </a:solidFill>
@@ -11796,7 +11716,7 @@
               <a:defRPr/>
             </a:pPr>
             <a:r>
-              <a:rPr lang="en-US" dirty="0" smtClean="0">
+              <a:rPr lang="en-US" dirty="0">
                 <a:solidFill>
                   <a:srgbClr val="7D868C"/>
                 </a:solidFill>
@@ -11807,7 +11727,7 @@
               <a:t>©</a:t>
             </a:r>
             <a:r>
-              <a:rPr lang="is-IS" dirty="0" smtClean="0">
+              <a:rPr lang="is-IS" dirty="0">
                 <a:solidFill>
                   <a:srgbClr val="7D868C"/>
                 </a:solidFill>
@@ -11818,7 +11738,7 @@
               <a:t>2017</a:t>
             </a:r>
             <a:r>
-              <a:rPr lang="en-US" baseline="0" dirty="0" smtClean="0">
+              <a:rPr lang="en-US" baseline="0" dirty="0">
                 <a:solidFill>
                   <a:srgbClr val="7D868C"/>
                 </a:solidFill>
@@ -11829,7 +11749,7 @@
               <a:t> </a:t>
             </a:r>
             <a:r>
-              <a:rPr lang="en-US" dirty="0" smtClean="0">
+              <a:rPr lang="en-US" dirty="0">
                 <a:solidFill>
                   <a:srgbClr val="7D868C"/>
                 </a:solidFill>
@@ -11837,18 +11757,7 @@
                 <a:ea typeface="+mn-ea"/>
                 <a:cs typeface="+mn-cs"/>
               </a:rPr>
-              <a:t>Chef </a:t>
-            </a:r>
-            <a:r>
-              <a:rPr lang="en-US" dirty="0">
-                <a:solidFill>
-                  <a:srgbClr val="7D868C"/>
-                </a:solidFill>
-                <a:latin typeface="+mn-lt"/>
-                <a:ea typeface="+mn-ea"/>
-                <a:cs typeface="+mn-cs"/>
-              </a:rPr>
-              <a:t>Software Inc</a:t>
+              <a:t>Chef Software Inc</a:t>
             </a:r>
             <a:r>
               <a:rPr lang="en-US" dirty="0">
@@ -11908,7 +11817,7 @@
               <a:defRPr/>
             </a:pPr>
             <a:r>
-              <a:rPr lang="en-US" dirty="0" smtClean="0">
+              <a:rPr lang="en-US" dirty="0">
                 <a:solidFill>
                   <a:srgbClr val="7F7F7F"/>
                 </a:solidFill>
@@ -11971,13 +11880,6 @@
   <p:transition spd="med">
     <p:fade/>
   </p:transition>
-  <p:timing>
-    <p:tnLst>
-      <p:par>
-        <p:cTn id="1" dur="indefinite" restart="never" nodeType="tmRoot"/>
-      </p:par>
-    </p:tnLst>
-  </p:timing>
   <p:hf hdr="0" dt="0"/>
   <p:txStyles>
     <p:titleStyle>
@@ -12460,7 +12362,7 @@
           <a:lstStyle/>
           <a:p>
             <a:r>
-              <a:rPr lang="en-CA" dirty="0" smtClean="0"/>
+              <a:rPr lang="en-CA" dirty="0"/>
               <a:t>Title Text</a:t>
             </a:r>
             <a:endParaRPr lang="en-US" dirty="0"/>
@@ -12502,14 +12404,14 @@
           </a:ln>
           <a:extLst>
             <a:ext uri="{909E8E84-426E-40dd-AFC4-6F175D3DCCD1}">
-              <a14:hiddenFill xmlns="" xmlns:a14="http://schemas.microsoft.com/office/drawing/2010/main">
+              <a14:hiddenFill xmlns:a14="http://schemas.microsoft.com/office/drawing/2010/main" xmlns="">
                 <a:solidFill>
                   <a:srgbClr val="FFFFFF"/>
                 </a:solidFill>
               </a14:hiddenFill>
             </a:ext>
             <a:ext uri="{91240B29-F687-4f45-9708-019B960494DF}">
-              <a14:hiddenLine xmlns="" xmlns:a14="http://schemas.microsoft.com/office/drawing/2010/main" w="9525">
+              <a14:hiddenLine xmlns:a14="http://schemas.microsoft.com/office/drawing/2010/main" xmlns="" w="9525">
                 <a:solidFill>
                   <a:srgbClr val="000000"/>
                 </a:solidFill>
@@ -12589,7 +12491,7 @@
               <a:defRPr/>
             </a:pPr>
             <a:r>
-              <a:rPr lang="en-US" dirty="0" smtClean="0">
+              <a:rPr lang="en-US" dirty="0">
                 <a:solidFill>
                   <a:srgbClr val="7D868C"/>
                 </a:solidFill>
@@ -12600,7 +12502,7 @@
               <a:t>©</a:t>
             </a:r>
             <a:r>
-              <a:rPr lang="is-IS" dirty="0" smtClean="0">
+              <a:rPr lang="is-IS" dirty="0">
                 <a:solidFill>
                   <a:srgbClr val="7D868C"/>
                 </a:solidFill>
@@ -12611,7 +12513,7 @@
               <a:t>2017</a:t>
             </a:r>
             <a:r>
-              <a:rPr lang="en-US" dirty="0" smtClean="0">
+              <a:rPr lang="en-US" dirty="0">
                 <a:solidFill>
                   <a:srgbClr val="7D868C"/>
                 </a:solidFill>
@@ -12619,18 +12521,7 @@
                 <a:ea typeface="+mn-ea"/>
                 <a:cs typeface="+mn-cs"/>
               </a:rPr>
-              <a:t> </a:t>
-            </a:r>
-            <a:r>
-              <a:rPr lang="en-US" dirty="0">
-                <a:solidFill>
-                  <a:srgbClr val="7D868C"/>
-                </a:solidFill>
-                <a:latin typeface="+mn-lt"/>
-                <a:ea typeface="+mn-ea"/>
-                <a:cs typeface="+mn-cs"/>
-              </a:rPr>
-              <a:t>Chef Software Inc</a:t>
+              <a:t> Chef Software Inc</a:t>
             </a:r>
             <a:r>
               <a:rPr lang="en-US" dirty="0">
@@ -12690,7 +12581,7 @@
               <a:defRPr/>
             </a:pPr>
             <a:r>
-              <a:rPr lang="en-US" dirty="0" smtClean="0">
+              <a:rPr lang="en-US" dirty="0">
                 <a:solidFill>
                   <a:srgbClr val="7F7F7F"/>
                 </a:solidFill>
@@ -12822,13 +12713,6 @@
   <p:transition spd="med">
     <p:fade/>
   </p:transition>
-  <p:timing>
-    <p:tnLst>
-      <p:par>
-        <p:cTn id="1" dur="indefinite" restart="never" nodeType="tmRoot"/>
-      </p:par>
-    </p:tnLst>
-  </p:timing>
   <p:hf hdr="0" dt="0"/>
   <p:txStyles>
     <p:titleStyle>
@@ -13283,14 +13167,13 @@
           <a:lstStyle/>
           <a:p>
             <a:r>
-              <a:rPr lang="en-US" dirty="0" err="1" smtClean="0"/>
+              <a:rPr lang="en-US" dirty="0" err="1"/>
               <a:t>Ohai</a:t>
             </a:r>
             <a:r>
-              <a:rPr lang="en-US" dirty="0" smtClean="0"/>
+              <a:rPr lang="en-US" dirty="0"/>
               <a:t> Plugins</a:t>
             </a:r>
-            <a:endParaRPr lang="en-US" dirty="0"/>
           </a:p>
         </p:txBody>
       </p:sp>
@@ -13326,13 +13209,6 @@
   <p:transition spd="med">
     <p:fade/>
   </p:transition>
-  <p:timing>
-    <p:tnLst>
-      <p:par>
-        <p:cTn id="1" dur="indefinite" restart="never" nodeType="tmRoot"/>
-      </p:par>
-    </p:tnLst>
-  </p:timing>
 </p:sld>
 </file>
 
@@ -13451,12 +13327,8 @@
           <a:lstStyle/>
           <a:p>
             <a:r>
-              <a:rPr lang="en-US" dirty="0" smtClean="0"/>
-              <a:t>&gt; git clone </a:t>
-            </a:r>
-            <a:r>
-              <a:rPr lang="en-US" dirty="0"/>
-              <a:t>https://</a:t>
+              <a:rPr lang="en-US" dirty="0"/>
+              <a:t>&gt; git clone https://</a:t>
             </a:r>
             <a:r>
               <a:rPr lang="en-US" dirty="0" err="1"/>
@@ -13490,18 +13362,17 @@
           <a:lstStyle/>
           <a:p>
             <a:r>
-              <a:rPr lang="en-US" dirty="0" smtClean="0"/>
+              <a:rPr lang="en-US" dirty="0"/>
               <a:t>Cloning the </a:t>
             </a:r>
             <a:r>
-              <a:rPr lang="en-US" dirty="0" err="1" smtClean="0"/>
+              <a:rPr lang="en-US" dirty="0" err="1"/>
               <a:t>Ohai</a:t>
             </a:r>
             <a:r>
-              <a:rPr lang="en-US" dirty="0" smtClean="0"/>
+              <a:rPr lang="en-US" dirty="0"/>
               <a:t> Library</a:t>
             </a:r>
-            <a:endParaRPr lang="en-US" dirty="0"/>
           </a:p>
         </p:txBody>
       </p:sp>
@@ -13554,6 +13425,10 @@
           <a:lstStyle/>
           <a:p>
             <a:r>
+              <a:rPr lang="en-US" sz="2400" dirty="0"/>
+              <a:t>└── </a:t>
+            </a:r>
+            <a:r>
               <a:rPr lang="en-US" sz="2400" dirty="0" err="1"/>
               <a:t>ohai</a:t>
             </a:r>
@@ -13562,106 +13437,77 @@
           <a:p>
             <a:r>
               <a:rPr lang="en-US" sz="2400" dirty="0"/>
-              <a:t>├── </a:t>
+              <a:t>    ├── </a:t>
             </a:r>
             <a:r>
               <a:rPr lang="en-US" sz="2400" dirty="0" err="1"/>
-              <a:t>CHANGELOG.md</a:t>
+              <a:t>appveyor.yml</a:t>
             </a:r>
             <a:endParaRPr lang="en-US" sz="2400" dirty="0"/>
           </a:p>
           <a:p>
             <a:r>
               <a:rPr lang="en-US" sz="2400" dirty="0"/>
-              <a:t>├── </a:t>
+              <a:t>    ├── bin</a:t>
+            </a:r>
+          </a:p>
+          <a:p>
+            <a:r>
+              <a:rPr lang="en-US" sz="2400" dirty="0"/>
+              <a:t>    │   └── </a:t>
             </a:r>
             <a:r>
               <a:rPr lang="en-US" sz="2400" dirty="0" err="1"/>
-              <a:t>DOC_CHANGES.md</a:t>
+              <a:t>ohai</a:t>
             </a:r>
             <a:endParaRPr lang="en-US" sz="2400" dirty="0"/>
           </a:p>
           <a:p>
             <a:r>
               <a:rPr lang="en-US" sz="2400" dirty="0"/>
-              <a:t>├── </a:t>
-            </a:r>
-            <a:r>
-              <a:rPr lang="en-US" sz="2400" dirty="0" err="1"/>
-              <a:t>Gemfile</a:t>
-            </a:r>
-            <a:endParaRPr lang="en-US" sz="2400" dirty="0"/>
+              <a:t>    ├── CHANGELOG.md</a:t>
+            </a:r>
           </a:p>
           <a:p>
             <a:r>
               <a:rPr lang="en-US" sz="2400" dirty="0"/>
-              <a:t>├── LICENSE</a:t>
+              <a:t>    ├── ci</a:t>
             </a:r>
           </a:p>
           <a:p>
             <a:r>
               <a:rPr lang="en-US" sz="2400" dirty="0"/>
-              <a:t>├── NOTICE</a:t>
+              <a:t>    │   ├── jenkins_run_tests.bat</a:t>
             </a:r>
           </a:p>
           <a:p>
             <a:r>
               <a:rPr lang="en-US" sz="2400" dirty="0"/>
-              <a:t>├── </a:t>
-            </a:r>
-            <a:r>
-              <a:rPr lang="en-US" sz="2400" dirty="0" err="1"/>
-              <a:t>OHAI_MVPS.md</a:t>
-            </a:r>
-            <a:endParaRPr lang="en-US" sz="2400" dirty="0"/>
+              <a:t>    │   └── jenkins_run_tests.sh</a:t>
+            </a:r>
           </a:p>
           <a:p>
             <a:r>
               <a:rPr lang="en-US" sz="2400" dirty="0"/>
-              <a:t>├── </a:t>
-            </a:r>
-            <a:r>
-              <a:rPr lang="en-US" sz="2400" dirty="0" err="1"/>
-              <a:t>README.md</a:t>
-            </a:r>
-            <a:endParaRPr lang="en-US" sz="2400" dirty="0"/>
+              <a:t>    ├── docs</a:t>
+            </a:r>
           </a:p>
           <a:p>
             <a:r>
               <a:rPr lang="en-US" sz="2400" dirty="0"/>
-              <a:t>├── </a:t>
-            </a:r>
-            <a:r>
-              <a:rPr lang="en-US" sz="2400" dirty="0" err="1"/>
-              <a:t>RELEASE_NOTES.md</a:t>
-            </a:r>
-            <a:endParaRPr lang="en-US" sz="2400" dirty="0"/>
+              <a:t>    │   └── man</a:t>
+            </a:r>
           </a:p>
           <a:p>
             <a:r>
               <a:rPr lang="en-US" sz="2400" dirty="0"/>
-              <a:t>├── </a:t>
-            </a:r>
-            <a:r>
-              <a:rPr lang="en-US" sz="2400" dirty="0" err="1" smtClean="0"/>
-              <a:t>Rakefile</a:t>
-            </a:r>
-          </a:p>
-          <a:p>
-            <a:r>
-              <a:rPr lang="en-US" sz="2400" dirty="0" smtClean="0"/>
-              <a:t>├── </a:t>
-            </a:r>
-            <a:r>
-              <a:rPr lang="en-US" sz="2400" dirty="0" err="1" smtClean="0"/>
-              <a:t>appveyor.yml</a:t>
-            </a:r>
-            <a:endParaRPr lang="en-US" sz="2400" dirty="0" smtClean="0"/>
-          </a:p>
-          <a:p>
-            <a:r>
-              <a:rPr lang="en-US" sz="2400" dirty="0" smtClean="0"/>
-              <a:t>├── bin</a:t>
+              <a:t>    │       └── man1</a:t>
+            </a:r>
+          </a:p>
+          <a:p>
+            <a:r>
+              <a:rPr lang="en-US" sz="2400" dirty="0"/>
+              <a:t>    │           └── ohai.1</a:t>
             </a:r>
           </a:p>
         </p:txBody>
@@ -13682,11 +13528,11 @@
           <a:lstStyle/>
           <a:p>
             <a:r>
-              <a:rPr lang="en-US" dirty="0" smtClean="0"/>
+              <a:rPr lang="en-US" dirty="0"/>
               <a:t>&gt; tree </a:t>
             </a:r>
             <a:r>
-              <a:rPr lang="en-US" dirty="0" err="1" smtClean="0"/>
+              <a:rPr lang="en-US" dirty="0" err="1"/>
               <a:t>ohai</a:t>
             </a:r>
             <a:endParaRPr lang="en-US" dirty="0"/>
@@ -13709,10 +13555,9 @@
           <a:lstStyle/>
           <a:p>
             <a:r>
-              <a:rPr lang="en-US" dirty="0" smtClean="0"/>
+              <a:rPr lang="en-US" dirty="0"/>
               <a:t>Viewing the Contents of the Project</a:t>
             </a:r>
-            <a:endParaRPr lang="en-US" dirty="0"/>
           </a:p>
         </p:txBody>
       </p:sp>
@@ -13765,10 +13610,9 @@
           <a:lstStyle/>
           <a:p>
             <a:r>
-              <a:rPr lang="en-US" dirty="0" smtClean="0"/>
+              <a:rPr lang="en-US" dirty="0"/>
               <a:t>Viewing the README</a:t>
             </a:r>
-            <a:endParaRPr lang="en-US" dirty="0"/>
           </a:p>
         </p:txBody>
       </p:sp>
@@ -13800,26 +13644,21 @@
             <a:endParaRPr lang="en-US" dirty="0"/>
           </a:p>
           <a:p>
-            <a:endParaRPr lang="en-US" dirty="0" smtClean="0"/>
-          </a:p>
-          <a:p>
-            <a:r>
-              <a:rPr lang="en-US" dirty="0" smtClean="0"/>
-              <a:t>... PROJECT BADGES ... </a:t>
-            </a:r>
             <a:endParaRPr lang="en-US" dirty="0"/>
           </a:p>
           <a:p>
+            <a:r>
+              <a:rPr lang="en-US" dirty="0"/>
+              <a:t>[![Build Status Master](https://travis-ci.org/chef/ohai.svg?branch=master)](https://travis-ci.org/chef/ohai) [![Build Status Master](https://ci.appveyor.com/api/projects/status/github/chef/ohai?branch=master&amp;svg=true&amp;passingText=master%20-%20Ok&amp;pendingText=master%20-%20Pending&amp;failingText=master%20-%20Failing)](https://ci.appveyor.com/project/Chef/ohai/branch/master) [![Gem Version](https://badge.fury.io/rb/ohai.svg)](https://badge.fury.io/rb/ohai)</a:t>
+            </a:r>
+          </a:p>
+          <a:p>
             <a:endParaRPr lang="en-US" dirty="0"/>
           </a:p>
           <a:p>
             <a:r>
               <a:rPr lang="en-US" dirty="0"/>
-              <a:t>## </a:t>
-            </a:r>
-            <a:r>
-              <a:rPr lang="en-US" dirty="0" smtClean="0"/>
-              <a:t>Description</a:t>
+              <a:t>## Description</a:t>
             </a:r>
           </a:p>
           <a:p>
@@ -13889,56 +13728,6 @@
               <a:t>, see the docs:</a:t>
             </a:r>
           </a:p>
-          <a:p>
-            <a:endParaRPr lang="en-US" dirty="0"/>
-          </a:p>
-          <a:p>
-            <a:r>
-              <a:rPr lang="en-US" dirty="0"/>
-              <a:t>- General documentation: &lt;https://</a:t>
-            </a:r>
-            <a:r>
-              <a:rPr lang="en-US" dirty="0" err="1"/>
-              <a:t>docs.chef.io</a:t>
-            </a:r>
-            <a:r>
-              <a:rPr lang="en-US" dirty="0"/>
-              <a:t>/</a:t>
-            </a:r>
-            <a:r>
-              <a:rPr lang="en-US" dirty="0" err="1"/>
-              <a:t>ohai.html</a:t>
-            </a:r>
-            <a:r>
-              <a:rPr lang="en-US" dirty="0"/>
-              <a:t>&gt;</a:t>
-            </a:r>
-          </a:p>
-          <a:p>
-            <a:r>
-              <a:rPr lang="en-US" dirty="0"/>
-              <a:t>- Custom plugin documentation: &lt;https://</a:t>
-            </a:r>
-            <a:r>
-              <a:rPr lang="en-US" dirty="0" err="1"/>
-              <a:t>docs.chef.io</a:t>
-            </a:r>
-            <a:r>
-              <a:rPr lang="en-US" dirty="0"/>
-              <a:t>/</a:t>
-            </a:r>
-            <a:r>
-              <a:rPr lang="en-US" dirty="0" err="1"/>
-              <a:t>ohai_custom.html</a:t>
-            </a:r>
-            <a:r>
-              <a:rPr lang="en-US" dirty="0"/>
-              <a:t>&gt;</a:t>
-            </a:r>
-          </a:p>
-          <a:p>
-            <a:endParaRPr lang="en-US" dirty="0"/>
-          </a:p>
         </p:txBody>
       </p:sp>
       <p:sp>
@@ -13957,19 +13746,19 @@
           <a:lstStyle/>
           <a:p>
             <a:r>
-              <a:rPr lang="en-US" dirty="0" smtClean="0"/>
+              <a:rPr lang="en-US" dirty="0"/>
               <a:t>~/</a:t>
             </a:r>
             <a:r>
-              <a:rPr lang="en-US" dirty="0" err="1" smtClean="0"/>
+              <a:rPr lang="en-US" dirty="0" err="1"/>
               <a:t>ohai</a:t>
             </a:r>
             <a:r>
-              <a:rPr lang="en-US" dirty="0" smtClean="0"/>
+              <a:rPr lang="en-US" dirty="0"/>
               <a:t>/</a:t>
             </a:r>
             <a:r>
-              <a:rPr lang="en-US" dirty="0" err="1" smtClean="0"/>
+              <a:rPr lang="en-US" dirty="0" err="1"/>
               <a:t>README.md</a:t>
             </a:r>
             <a:endParaRPr lang="en-US" dirty="0"/>
@@ -14025,10 +13814,9 @@
           <a:lstStyle/>
           <a:p>
             <a:r>
-              <a:rPr lang="en-US" dirty="0" smtClean="0"/>
+              <a:rPr lang="en-US" dirty="0"/>
               <a:t>Viewing the Gem Specification</a:t>
             </a:r>
-            <a:endParaRPr lang="en-US" dirty="0"/>
           </a:p>
         </p:txBody>
       </p:sp>
@@ -14045,39 +13833,230 @@
         <p:spPr/>
         <p:txBody>
           <a:bodyPr>
-            <a:normAutofit fontScale="70000" lnSpcReduction="20000"/>
+            <a:noAutofit/>
           </a:bodyPr>
           <a:lstStyle/>
           <a:p>
             <a:r>
-              <a:rPr lang="en-US" dirty="0" smtClean="0"/>
-              <a:t>$</a:t>
-            </a:r>
-            <a:r>
-              <a:rPr lang="en-US" dirty="0"/>
-              <a:t>:.</a:t>
-            </a:r>
-            <a:r>
-              <a:rPr lang="en-US" dirty="0" err="1"/>
-              <a:t>unshift</a:t>
-            </a:r>
-            <a:r>
-              <a:rPr lang="en-US" dirty="0"/>
+              <a:rPr lang="en-US" sz="2000" dirty="0"/>
+              <a:t>$:.unshift </a:t>
+            </a:r>
+            <a:r>
+              <a:rPr lang="en-US" sz="2000" dirty="0" err="1"/>
+              <a:t>File.expand_path</a:t>
+            </a:r>
+            <a:r>
+              <a:rPr lang="en-US" sz="2000" dirty="0"/>
+              <a:t>("../lib", __FILE__)</a:t>
+            </a:r>
+          </a:p>
+          <a:p>
+            <a:r>
+              <a:rPr lang="en-US" sz="2000" dirty="0"/>
+              <a:t>require "</a:t>
+            </a:r>
+            <a:r>
+              <a:rPr lang="en-US" sz="2000" dirty="0" err="1"/>
+              <a:t>ohai</a:t>
+            </a:r>
+            <a:r>
+              <a:rPr lang="en-US" sz="2000" dirty="0"/>
+              <a:t>/version"</a:t>
+            </a:r>
+          </a:p>
+          <a:p>
+            <a:endParaRPr lang="en-US" sz="2000" dirty="0"/>
+          </a:p>
+          <a:p>
+            <a:r>
+              <a:rPr lang="en-US" sz="2000" dirty="0"/>
+              <a:t>Gem::</a:t>
+            </a:r>
+            <a:r>
+              <a:rPr lang="en-US" sz="2000" dirty="0" err="1"/>
+              <a:t>Specification.new</a:t>
+            </a:r>
+            <a:r>
+              <a:rPr lang="en-US" sz="2000" dirty="0"/>
+              <a:t> do |s|</a:t>
+            </a:r>
+          </a:p>
+          <a:p>
+            <a:r>
+              <a:rPr lang="en-US" sz="2000" dirty="0"/>
+              <a:t>  s.name = "</a:t>
+            </a:r>
+            <a:r>
+              <a:rPr lang="en-US" sz="2000" dirty="0" err="1"/>
+              <a:t>ohai</a:t>
+            </a:r>
+            <a:r>
+              <a:rPr lang="en-US" sz="2000" dirty="0"/>
+              <a:t>"</a:t>
+            </a:r>
+          </a:p>
+          <a:p>
+            <a:r>
+              <a:rPr lang="en-US" sz="2000" dirty="0"/>
+              <a:t>  </a:t>
+            </a:r>
+            <a:r>
+              <a:rPr lang="en-US" sz="2000" dirty="0" err="1"/>
+              <a:t>s.version</a:t>
+            </a:r>
+            <a:r>
+              <a:rPr lang="en-US" sz="2000" dirty="0"/>
+              <a:t> = </a:t>
+            </a:r>
+            <a:r>
+              <a:rPr lang="en-US" sz="2000" dirty="0" err="1"/>
+              <a:t>Ohai</a:t>
+            </a:r>
+            <a:r>
+              <a:rPr lang="en-US" sz="2000" dirty="0"/>
+              <a:t>::VERSION</a:t>
+            </a:r>
+          </a:p>
+          <a:p>
+            <a:r>
+              <a:rPr lang="en-US" sz="2000" dirty="0"/>
+              <a:t>  </a:t>
+            </a:r>
+            <a:r>
+              <a:rPr lang="en-US" sz="2000" dirty="0" err="1"/>
+              <a:t>s.platform</a:t>
+            </a:r>
+            <a:r>
+              <a:rPr lang="en-US" sz="2000" dirty="0"/>
+              <a:t> = Gem::Platform::RUBY</a:t>
+            </a:r>
+          </a:p>
+          <a:p>
+            <a:r>
+              <a:rPr lang="en-US" sz="2000" dirty="0"/>
+              <a:t>  </a:t>
+            </a:r>
+            <a:r>
+              <a:rPr lang="en-US" sz="2000" dirty="0" err="1"/>
+              <a:t>s.summary</a:t>
+            </a:r>
+            <a:r>
+              <a:rPr lang="en-US" sz="2000" dirty="0"/>
+              <a:t> = "</a:t>
+            </a:r>
+            <a:r>
+              <a:rPr lang="en-US" sz="2000" dirty="0" err="1"/>
+              <a:t>Ohai</a:t>
+            </a:r>
+            <a:r>
+              <a:rPr lang="en-US" sz="2000" dirty="0"/>
+              <a:t> profiles your system and emits JSON"</a:t>
+            </a:r>
+          </a:p>
+          <a:p>
+            <a:r>
+              <a:rPr lang="en-US" sz="2000" dirty="0"/>
+              <a:t>  </a:t>
+            </a:r>
+            <a:r>
+              <a:rPr lang="en-US" sz="2000" dirty="0" err="1"/>
+              <a:t>s.description</a:t>
+            </a:r>
+            <a:r>
+              <a:rPr lang="en-US" sz="2000" dirty="0"/>
+              <a:t> = </a:t>
+            </a:r>
+            <a:r>
+              <a:rPr lang="en-US" sz="2000" dirty="0" err="1"/>
+              <a:t>s.summary</a:t>
+            </a:r>
+            <a:endParaRPr lang="en-US" sz="2000" dirty="0"/>
+          </a:p>
+          <a:p>
+            <a:r>
+              <a:rPr lang="en-US" sz="2000" dirty="0"/>
+              <a:t>  </a:t>
+            </a:r>
+            <a:r>
+              <a:rPr lang="en-US" sz="2000" dirty="0" err="1"/>
+              <a:t>s.license</a:t>
+            </a:r>
+            <a:r>
+              <a:rPr lang="en-US" sz="2000" dirty="0"/>
+              <a:t> = "Apache-2.0"</a:t>
+            </a:r>
+          </a:p>
+          <a:p>
+            <a:r>
+              <a:rPr lang="en-US" sz="2000" dirty="0"/>
+              <a:t>  </a:t>
+            </a:r>
+            <a:r>
+              <a:rPr lang="en-US" sz="2000" dirty="0" err="1"/>
+              <a:t>s.author</a:t>
+            </a:r>
+            <a:r>
+              <a:rPr lang="en-US" sz="2000" dirty="0"/>
+              <a:t> = "Adam Jacob"</a:t>
+            </a:r>
+          </a:p>
+          <a:p>
+            <a:r>
+              <a:rPr lang="en-US" sz="2000" dirty="0"/>
+              <a:t>  </a:t>
+            </a:r>
+            <a:r>
+              <a:rPr lang="en-US" sz="2000" dirty="0" err="1"/>
+              <a:t>s.email</a:t>
+            </a:r>
+            <a:r>
+              <a:rPr lang="en-US" sz="2000" dirty="0"/>
+              <a:t> = "adam@chef.io"</a:t>
+            </a:r>
+          </a:p>
+          <a:p>
+            <a:r>
+              <a:rPr lang="en-US" sz="2000" dirty="0"/>
+              <a:t>  </a:t>
+            </a:r>
+            <a:r>
+              <a:rPr lang="en-US" sz="2000" dirty="0" err="1"/>
+              <a:t>s.homepage</a:t>
+            </a:r>
+            <a:r>
+              <a:rPr lang="en-US" sz="2000" dirty="0"/>
+              <a:t> = "https://docs.chef.io/ohai.html"</a:t>
+            </a:r>
+          </a:p>
+          <a:p>
+            <a:endParaRPr lang="en-US" sz="2000" dirty="0"/>
+          </a:p>
+          <a:p>
+            <a:r>
+              <a:rPr lang="en-US" sz="2000" dirty="0"/>
               <a:t> </a:t>
             </a:r>
-            <a:r>
-              <a:rPr lang="en-US" dirty="0" err="1"/>
-              <a:t>File.expand_path</a:t>
-            </a:r>
-            <a:r>
-              <a:rPr lang="en-US" dirty="0"/>
-              <a:t>("../lib", __FILE__)</a:t>
-            </a:r>
-          </a:p>
-          <a:p>
-            <a:r>
-              <a:rPr lang="en-US" dirty="0"/>
-              <a:t>require "</a:t>
+          </a:p>
+        </p:txBody>
+      </p:sp>
+      <p:sp>
+        <p:nvSpPr>
+          <p:cNvPr id="4" name="Text Placeholder 3"/>
+          <p:cNvSpPr>
+            <a:spLocks noGrp="1"/>
+          </p:cNvSpPr>
+          <p:nvPr>
+            <p:ph type="body" sz="quarter" idx="11"/>
+          </p:nvPr>
+        </p:nvSpPr>
+        <p:spPr/>
+        <p:txBody>
+          <a:bodyPr/>
+          <a:lstStyle/>
+          <a:p>
+            <a:r>
+              <a:rPr lang="en-US" dirty="0"/>
+              <a:t>~/</a:t>
             </a:r>
             <a:r>
               <a:rPr lang="en-US" dirty="0" err="1"/>
@@ -14085,282 +14064,10 @@
             </a:r>
             <a:r>
               <a:rPr lang="en-US" dirty="0"/>
-              <a:t>/version"</a:t>
-            </a:r>
-          </a:p>
-          <a:p>
-            <a:endParaRPr lang="en-US" dirty="0"/>
-          </a:p>
-          <a:p>
-            <a:r>
-              <a:rPr lang="en-US" dirty="0"/>
-              <a:t>Gem::</a:t>
+              <a:t>/</a:t>
             </a:r>
             <a:r>
               <a:rPr lang="en-US" dirty="0" err="1"/>
-              <a:t>Specification.new</a:t>
-            </a:r>
-            <a:r>
-              <a:rPr lang="en-US" dirty="0"/>
-              <a:t> do |s|</a:t>
-            </a:r>
-          </a:p>
-          <a:p>
-            <a:r>
-              <a:rPr lang="en-US" dirty="0"/>
-              <a:t>  </a:t>
-            </a:r>
-            <a:r>
-              <a:rPr lang="en-US" dirty="0" err="1"/>
-              <a:t>s.name</a:t>
-            </a:r>
-            <a:r>
-              <a:rPr lang="en-US" dirty="0"/>
-              <a:t> = "</a:t>
-            </a:r>
-            <a:r>
-              <a:rPr lang="en-US" dirty="0" err="1"/>
-              <a:t>ohai</a:t>
-            </a:r>
-            <a:r>
-              <a:rPr lang="en-US" dirty="0"/>
-              <a:t>"</a:t>
-            </a:r>
-          </a:p>
-          <a:p>
-            <a:r>
-              <a:rPr lang="en-US" dirty="0"/>
-              <a:t>  </a:t>
-            </a:r>
-            <a:r>
-              <a:rPr lang="en-US" dirty="0" err="1"/>
-              <a:t>s.version</a:t>
-            </a:r>
-            <a:r>
-              <a:rPr lang="en-US" dirty="0"/>
-              <a:t> = </a:t>
-            </a:r>
-            <a:r>
-              <a:rPr lang="en-US" dirty="0" err="1"/>
-              <a:t>Ohai</a:t>
-            </a:r>
-            <a:r>
-              <a:rPr lang="en-US" dirty="0"/>
-              <a:t>::VERSION</a:t>
-            </a:r>
-          </a:p>
-          <a:p>
-            <a:r>
-              <a:rPr lang="en-US" dirty="0"/>
-              <a:t>  </a:t>
-            </a:r>
-            <a:r>
-              <a:rPr lang="en-US" dirty="0" err="1"/>
-              <a:t>s.platform</a:t>
-            </a:r>
-            <a:r>
-              <a:rPr lang="en-US" dirty="0"/>
-              <a:t> = Gem::Platform::RUBY</a:t>
-            </a:r>
-          </a:p>
-          <a:p>
-            <a:r>
-              <a:rPr lang="en-US" dirty="0"/>
-              <a:t>  </a:t>
-            </a:r>
-            <a:r>
-              <a:rPr lang="en-US" dirty="0" err="1"/>
-              <a:t>s.summary</a:t>
-            </a:r>
-            <a:r>
-              <a:rPr lang="en-US" dirty="0"/>
-              <a:t> = "</a:t>
-            </a:r>
-            <a:r>
-              <a:rPr lang="en-US" dirty="0" err="1"/>
-              <a:t>Ohai</a:t>
-            </a:r>
-            <a:r>
-              <a:rPr lang="en-US" dirty="0"/>
-              <a:t> profiles your system and emits JSON"</a:t>
-            </a:r>
-          </a:p>
-          <a:p>
-            <a:r>
-              <a:rPr lang="en-US" dirty="0"/>
-              <a:t>  </a:t>
-            </a:r>
-            <a:r>
-              <a:rPr lang="en-US" dirty="0" err="1"/>
-              <a:t>s.description</a:t>
-            </a:r>
-            <a:r>
-              <a:rPr lang="en-US" dirty="0"/>
-              <a:t> = </a:t>
-            </a:r>
-            <a:r>
-              <a:rPr lang="en-US" dirty="0" err="1"/>
-              <a:t>s.summary</a:t>
-            </a:r>
-            <a:endParaRPr lang="en-US" dirty="0"/>
-          </a:p>
-          <a:p>
-            <a:r>
-              <a:rPr lang="en-US" dirty="0"/>
-              <a:t>  </a:t>
-            </a:r>
-            <a:r>
-              <a:rPr lang="en-US" dirty="0" err="1"/>
-              <a:t>s.license</a:t>
-            </a:r>
-            <a:r>
-              <a:rPr lang="en-US" dirty="0"/>
-              <a:t> = "Apache-2.0"</a:t>
-            </a:r>
-          </a:p>
-          <a:p>
-            <a:r>
-              <a:rPr lang="en-US" dirty="0"/>
-              <a:t>  </a:t>
-            </a:r>
-            <a:r>
-              <a:rPr lang="en-US" dirty="0" err="1"/>
-              <a:t>s.author</a:t>
-            </a:r>
-            <a:r>
-              <a:rPr lang="en-US" dirty="0"/>
-              <a:t> = "Adam Jacob"</a:t>
-            </a:r>
-          </a:p>
-          <a:p>
-            <a:r>
-              <a:rPr lang="en-US" dirty="0"/>
-              <a:t>  </a:t>
-            </a:r>
-            <a:r>
-              <a:rPr lang="en-US" dirty="0" err="1"/>
-              <a:t>s.email</a:t>
-            </a:r>
-            <a:r>
-              <a:rPr lang="en-US" dirty="0"/>
-              <a:t> = "</a:t>
-            </a:r>
-            <a:r>
-              <a:rPr lang="en-US" dirty="0" err="1"/>
-              <a:t>adam@chef.io</a:t>
-            </a:r>
-            <a:r>
-              <a:rPr lang="en-US" dirty="0"/>
-              <a:t>"</a:t>
-            </a:r>
-          </a:p>
-          <a:p>
-            <a:r>
-              <a:rPr lang="en-US" dirty="0"/>
-              <a:t>  </a:t>
-            </a:r>
-            <a:r>
-              <a:rPr lang="en-US" dirty="0" err="1"/>
-              <a:t>s.homepage</a:t>
-            </a:r>
-            <a:r>
-              <a:rPr lang="en-US" dirty="0"/>
-              <a:t> = "https://</a:t>
-            </a:r>
-            <a:r>
-              <a:rPr lang="en-US" dirty="0" err="1"/>
-              <a:t>docs.chef.io</a:t>
-            </a:r>
-            <a:r>
-              <a:rPr lang="en-US" dirty="0"/>
-              <a:t>/</a:t>
-            </a:r>
-            <a:r>
-              <a:rPr lang="en-US" dirty="0" err="1"/>
-              <a:t>ohai.html</a:t>
-            </a:r>
-            <a:r>
-              <a:rPr lang="en-US" dirty="0"/>
-              <a:t>"</a:t>
-            </a:r>
-          </a:p>
-          <a:p>
-            <a:endParaRPr lang="en-US" dirty="0"/>
-          </a:p>
-          <a:p>
-            <a:r>
-              <a:rPr lang="en-US" dirty="0"/>
-              <a:t>  </a:t>
-            </a:r>
-            <a:r>
-              <a:rPr lang="en-US" dirty="0" err="1"/>
-              <a:t>s.required_ruby_version</a:t>
-            </a:r>
-            <a:r>
-              <a:rPr lang="en-US" dirty="0"/>
-              <a:t> = "&gt;= 2.1.0</a:t>
-            </a:r>
-            <a:r>
-              <a:rPr lang="en-US" dirty="0" smtClean="0"/>
-              <a:t>"</a:t>
-            </a:r>
-          </a:p>
-          <a:p>
-            <a:endParaRPr lang="en-US" dirty="0"/>
-          </a:p>
-          <a:p>
-            <a:r>
-              <a:rPr lang="en-US" dirty="0"/>
-              <a:t>  </a:t>
-            </a:r>
-            <a:r>
-              <a:rPr lang="en-US" dirty="0" err="1"/>
-              <a:t>s.add_dependency</a:t>
-            </a:r>
-            <a:r>
-              <a:rPr lang="en-US" dirty="0"/>
-              <a:t> "</a:t>
-            </a:r>
-            <a:r>
-              <a:rPr lang="en-US" dirty="0" err="1"/>
-              <a:t>systemu</a:t>
-            </a:r>
-            <a:r>
-              <a:rPr lang="en-US" dirty="0"/>
-              <a:t>", "~&gt; 2.6.4"</a:t>
-            </a:r>
-          </a:p>
-        </p:txBody>
-      </p:sp>
-      <p:sp>
-        <p:nvSpPr>
-          <p:cNvPr id="4" name="Text Placeholder 3"/>
-          <p:cNvSpPr>
-            <a:spLocks noGrp="1"/>
-          </p:cNvSpPr>
-          <p:nvPr>
-            <p:ph type="body" sz="quarter" idx="11"/>
-          </p:nvPr>
-        </p:nvSpPr>
-        <p:spPr/>
-        <p:txBody>
-          <a:bodyPr/>
-          <a:lstStyle/>
-          <a:p>
-            <a:r>
-              <a:rPr lang="en-US" dirty="0" smtClean="0"/>
-              <a:t>~/</a:t>
-            </a:r>
-            <a:r>
-              <a:rPr lang="en-US" dirty="0" err="1" smtClean="0"/>
-              <a:t>ohai</a:t>
-            </a:r>
-            <a:r>
-              <a:rPr lang="en-US" dirty="0" smtClean="0"/>
-              <a:t>/</a:t>
-            </a:r>
-            <a:r>
-              <a:rPr lang="en-US" dirty="0" err="1" smtClean="0"/>
               <a:t>ohai.gemspec</a:t>
             </a:r>
             <a:endParaRPr lang="en-US" dirty="0"/>
@@ -14486,10 +14193,9 @@
           </a:p>
           <a:p>
             <a:r>
-              <a:rPr lang="pl-PL" dirty="0" smtClean="0"/>
+              <a:rPr lang="pl-PL" dirty="0"/>
               <a:t>...</a:t>
             </a:r>
-            <a:endParaRPr lang="pl-PL" dirty="0"/>
           </a:p>
           <a:p>
             <a:r>
@@ -14508,10 +14214,10 @@
               <a:t>└── </a:t>
             </a:r>
             <a:r>
-              <a:rPr lang="pl-PL" dirty="0" err="1" smtClean="0"/>
+              <a:rPr lang="pl-PL" dirty="0" err="1"/>
               <a:t>ohai.rb</a:t>
             </a:r>
-            <a:endParaRPr lang="pl-PL" dirty="0" smtClean="0"/>
+            <a:endParaRPr lang="pl-PL" dirty="0"/>
           </a:p>
           <a:p>
             <a:r>
@@ -14550,18 +14256,17 @@
           <a:lstStyle/>
           <a:p>
             <a:r>
-              <a:rPr lang="en-US" dirty="0" smtClean="0"/>
+              <a:rPr lang="en-US" dirty="0"/>
               <a:t>&gt; tree </a:t>
             </a:r>
             <a:r>
-              <a:rPr lang="en-US" dirty="0" err="1" smtClean="0"/>
+              <a:rPr lang="en-US" dirty="0" err="1"/>
               <a:t>ohai</a:t>
             </a:r>
             <a:r>
-              <a:rPr lang="en-US" dirty="0" smtClean="0"/>
+              <a:rPr lang="en-US" dirty="0"/>
               <a:t>/lib</a:t>
             </a:r>
-            <a:endParaRPr lang="en-US" dirty="0"/>
           </a:p>
         </p:txBody>
       </p:sp>
@@ -14605,10 +14310,9 @@
           <a:lstStyle/>
           <a:p>
             <a:r>
-              <a:rPr lang="en-US" dirty="0" smtClean="0"/>
+              <a:rPr lang="en-US" dirty="0"/>
               <a:t>Viewing the lib Directory</a:t>
             </a:r>
-            <a:endParaRPr lang="en-US" dirty="0"/>
           </a:p>
         </p:txBody>
       </p:sp>
@@ -14661,18 +14365,17 @@
           <a:lstStyle/>
           <a:p>
             <a:r>
-              <a:rPr lang="en-US" dirty="0" smtClean="0"/>
+              <a:rPr lang="en-US" dirty="0"/>
               <a:t>Viewing the </a:t>
             </a:r>
             <a:r>
-              <a:rPr lang="en-US" dirty="0" err="1" smtClean="0"/>
+              <a:rPr lang="en-US" dirty="0" err="1"/>
               <a:t>ohai.rb</a:t>
             </a:r>
             <a:r>
-              <a:rPr lang="en-US" dirty="0" smtClean="0"/>
+              <a:rPr lang="en-US" dirty="0"/>
               <a:t> file in the lib Directory</a:t>
             </a:r>
-            <a:endParaRPr lang="en-US" dirty="0"/>
           </a:p>
         </p:txBody>
       </p:sp>
@@ -14839,19 +14542,19 @@
           <a:lstStyle/>
           <a:p>
             <a:r>
-              <a:rPr lang="en-US" dirty="0" smtClean="0"/>
+              <a:rPr lang="en-US" dirty="0"/>
               <a:t>~/</a:t>
             </a:r>
             <a:r>
-              <a:rPr lang="en-US" dirty="0" err="1" smtClean="0"/>
+              <a:rPr lang="en-US" dirty="0" err="1"/>
               <a:t>ohai</a:t>
             </a:r>
             <a:r>
-              <a:rPr lang="en-US" dirty="0" smtClean="0"/>
+              <a:rPr lang="en-US" dirty="0"/>
               <a:t>/lib/</a:t>
             </a:r>
             <a:r>
-              <a:rPr lang="en-US" dirty="0" err="1" smtClean="0"/>
+              <a:rPr lang="en-US" dirty="0" err="1"/>
               <a:t>ohai.rb</a:t>
             </a:r>
             <a:endParaRPr lang="en-US" dirty="0"/>
@@ -15039,31 +14742,31 @@
               <a:t>├── </a:t>
             </a:r>
             <a:r>
-              <a:rPr lang="en-US" sz="2000" dirty="0" err="1" smtClean="0"/>
+              <a:rPr lang="en-US" sz="2000" dirty="0" err="1"/>
               <a:t>azure.rb</a:t>
             </a:r>
           </a:p>
           <a:p>
             <a:r>
-              <a:rPr lang="en-US" sz="2000" dirty="0" smtClean="0"/>
+              <a:rPr lang="en-US" sz="2000" dirty="0"/>
               <a:t>├── </a:t>
             </a:r>
             <a:r>
-              <a:rPr lang="en-US" sz="2000" dirty="0" err="1" smtClean="0"/>
+              <a:rPr lang="en-US" sz="2000" dirty="0" err="1"/>
               <a:t>bsd</a:t>
             </a:r>
-            <a:endParaRPr lang="en-US" sz="2000" dirty="0" smtClean="0"/>
-          </a:p>
-          <a:p>
-            <a:r>
-              <a:rPr lang="en-US" sz="2000" dirty="0" smtClean="0"/>
+            <a:endParaRPr lang="en-US" sz="2000" dirty="0"/>
+          </a:p>
+          <a:p>
+            <a:r>
+              <a:rPr lang="en-US" sz="2000" dirty="0"/>
               <a:t>│   ├── </a:t>
             </a:r>
             <a:r>
-              <a:rPr lang="en-US" sz="2000" dirty="0" err="1" smtClean="0"/>
+              <a:rPr lang="en-US" sz="2000" dirty="0" err="1"/>
               <a:t>filesystem.rb</a:t>
             </a:r>
-            <a:endParaRPr lang="en-US" sz="2000" dirty="0" smtClean="0"/>
+            <a:endParaRPr lang="en-US" sz="2000" dirty="0"/>
           </a:p>
         </p:txBody>
       </p:sp>
@@ -15083,26 +14786,25 @@
           <a:lstStyle/>
           <a:p>
             <a:r>
-              <a:rPr lang="en-US" dirty="0" smtClean="0"/>
+              <a:rPr lang="en-US" dirty="0"/>
               <a:t>&gt; tree </a:t>
             </a:r>
             <a:r>
-              <a:rPr lang="en-US" dirty="0" err="1" smtClean="0"/>
+              <a:rPr lang="en-US" dirty="0" err="1"/>
               <a:t>ohai</a:t>
             </a:r>
             <a:r>
-              <a:rPr lang="en-US" dirty="0" smtClean="0"/>
+              <a:rPr lang="en-US" dirty="0"/>
               <a:t>/lib/</a:t>
             </a:r>
             <a:r>
-              <a:rPr lang="en-US" dirty="0" err="1" smtClean="0"/>
+              <a:rPr lang="en-US" dirty="0" err="1"/>
               <a:t>ohai</a:t>
             </a:r>
             <a:r>
-              <a:rPr lang="en-US" dirty="0" smtClean="0"/>
+              <a:rPr lang="en-US" dirty="0"/>
               <a:t>/plugins</a:t>
             </a:r>
-            <a:endParaRPr lang="en-US" dirty="0"/>
           </a:p>
         </p:txBody>
       </p:sp>
@@ -15122,10 +14824,9 @@
           <a:lstStyle/>
           <a:p>
             <a:r>
-              <a:rPr lang="en-US" dirty="0" smtClean="0"/>
+              <a:rPr lang="en-US" dirty="0"/>
               <a:t>Viewing the plugins directory</a:t>
             </a:r>
-            <a:endParaRPr lang="en-US" dirty="0"/>
           </a:p>
         </p:txBody>
       </p:sp>
@@ -15180,18 +14881,17 @@
           <a:lstStyle/>
           <a:p>
             <a:r>
-              <a:rPr lang="en-US" dirty="0" smtClean="0"/>
+              <a:rPr lang="en-US" dirty="0"/>
               <a:t>Reviewing the </a:t>
             </a:r>
             <a:r>
-              <a:rPr lang="en-US" dirty="0" err="1" smtClean="0"/>
+              <a:rPr lang="en-US" dirty="0" err="1"/>
               <a:t>Ohai</a:t>
             </a:r>
             <a:r>
-              <a:rPr lang="en-US" dirty="0" smtClean="0"/>
+              <a:rPr lang="en-US" dirty="0"/>
               <a:t> Gem</a:t>
             </a:r>
-            <a:endParaRPr lang="en-US" dirty="0"/>
           </a:p>
         </p:txBody>
       </p:sp>
@@ -15211,10 +14911,9 @@
           <a:lstStyle/>
           <a:p>
             <a:r>
-              <a:rPr lang="en-US" dirty="0" smtClean="0"/>
+              <a:rPr lang="en-US" dirty="0"/>
               <a:t>Let's take a look at the structure of a plugin.</a:t>
             </a:r>
-            <a:endParaRPr lang="en-US" dirty="0"/>
           </a:p>
         </p:txBody>
       </p:sp>
@@ -15238,15 +14937,15 @@
               <a:buChar char="ü"/>
             </a:pPr>
             <a:r>
-              <a:rPr lang="en-US" dirty="0" smtClean="0"/>
+              <a:rPr lang="en-US" dirty="0"/>
               <a:t>Review the basic structure of the </a:t>
             </a:r>
             <a:r>
-              <a:rPr lang="en-US" dirty="0" err="1" smtClean="0"/>
+              <a:rPr lang="en-US" dirty="0" err="1"/>
               <a:t>Ohai</a:t>
             </a:r>
             <a:r>
-              <a:rPr lang="en-US" dirty="0" smtClean="0"/>
+              <a:rPr lang="en-US" dirty="0"/>
               <a:t> gem</a:t>
             </a:r>
           </a:p>
@@ -15256,7 +14955,7 @@
               <a:buChar char="q"/>
             </a:pPr>
             <a:r>
-              <a:rPr lang="en-US" dirty="0" smtClean="0"/>
+              <a:rPr lang="en-US" dirty="0"/>
               <a:t>Review the 'language' plugin</a:t>
             </a:r>
           </a:p>
@@ -15266,13 +14965,12 @@
               <a:buChar char="q"/>
             </a:pPr>
             <a:r>
-              <a:rPr lang="en-US" dirty="0" smtClean="0"/>
+              <a:rPr lang="en-US" dirty="0"/>
               <a:t>Review the 'python' plugin</a:t>
             </a:r>
+          </a:p>
+          <a:p>
             <a:endParaRPr lang="en-US" dirty="0"/>
-          </a:p>
-          <a:p>
-            <a:endParaRPr lang="en-US" dirty="0" smtClean="0"/>
           </a:p>
         </p:txBody>
       </p:sp>
@@ -15289,13 +14987,6 @@
   <p:transition spd="med">
     <p:fade/>
   </p:transition>
-  <p:timing>
-    <p:tnLst>
-      <p:par>
-        <p:cTn id="1" dur="indefinite" restart="never" nodeType="tmRoot"/>
-      </p:par>
-    </p:tnLst>
-  </p:timing>
 </p:sld>
 </file>
 
@@ -15334,18 +15025,17 @@
           <a:lstStyle/>
           <a:p>
             <a:r>
-              <a:rPr lang="en-US" dirty="0" smtClean="0"/>
+              <a:rPr lang="en-US" dirty="0"/>
               <a:t>Recent Major </a:t>
             </a:r>
             <a:r>
-              <a:rPr lang="en-US" dirty="0" err="1" smtClean="0"/>
+              <a:rPr lang="en-US" dirty="0" err="1"/>
               <a:t>Ohai</a:t>
             </a:r>
             <a:r>
-              <a:rPr lang="en-US" dirty="0" smtClean="0"/>
+              <a:rPr lang="en-US" dirty="0"/>
               <a:t> Releases</a:t>
             </a:r>
-            <a:endParaRPr lang="en-US" dirty="0"/>
           </a:p>
         </p:txBody>
       </p:sp>
@@ -15397,7 +15087,7 @@
           <a:p>
             <a:pPr algn="ctr" defTabSz="914099"/>
             <a:r>
-              <a:rPr lang="en-US" sz="8000" dirty="0" err="1" smtClean="0">
+              <a:rPr lang="en-US" sz="8000" dirty="0" err="1">
                 <a:gradFill>
                   <a:gsLst>
                     <a:gs pos="0">
@@ -15413,7 +15103,7 @@
               <a:t>Ohai</a:t>
             </a:r>
             <a:r>
-              <a:rPr lang="en-US" sz="8000" dirty="0" smtClean="0">
+              <a:rPr lang="en-US" sz="8000" dirty="0">
                 <a:gradFill>
                   <a:gsLst>
                     <a:gs pos="0">
@@ -15479,7 +15169,7 @@
           <a:p>
             <a:pPr algn="ctr" defTabSz="914099"/>
             <a:r>
-              <a:rPr lang="en-US" sz="8000" dirty="0" err="1" smtClean="0">
+              <a:rPr lang="en-US" sz="8000" dirty="0" err="1">
                 <a:gradFill>
                   <a:gsLst>
                     <a:gs pos="0">
@@ -15495,7 +15185,7 @@
               <a:t>Ohai</a:t>
             </a:r>
             <a:r>
-              <a:rPr lang="en-US" sz="8000" dirty="0" smtClean="0">
+              <a:rPr lang="en-US" sz="8000" dirty="0">
                 <a:gradFill>
                   <a:gsLst>
                     <a:gs pos="0">
@@ -15540,7 +15230,7 @@
               </a:lnSpc>
             </a:pPr>
             <a:r>
-              <a:rPr lang="en-US" sz="2000" dirty="0" smtClean="0"/>
+              <a:rPr lang="en-US" sz="2000" dirty="0"/>
               <a:t>Released: April 13, 2011</a:t>
             </a:r>
           </a:p>
@@ -15551,7 +15241,7 @@
               </a:lnSpc>
             </a:pPr>
             <a:r>
-              <a:rPr lang="en-US" sz="2000" dirty="0" smtClean="0"/>
+              <a:rPr lang="en-US" sz="2000" dirty="0"/>
               <a:t>Chef Version: 0.10.0 </a:t>
             </a:r>
           </a:p>
@@ -15562,16 +15252,12 @@
               </a:lnSpc>
             </a:pPr>
             <a:r>
-              <a:rPr lang="en-US" sz="2000" b="1" dirty="0" err="1" smtClean="0"/>
+              <a:rPr lang="en-US" sz="2000" b="1" dirty="0" err="1"/>
               <a:t>docs.chef.io</a:t>
             </a:r>
             <a:r>
               <a:rPr lang="en-US" sz="2000" b="1" dirty="0"/>
-              <a:t>/release/ohai-</a:t>
-            </a:r>
-            <a:r>
-              <a:rPr lang="en-US" sz="2000" b="1" dirty="0" smtClean="0"/>
-              <a:t>6</a:t>
+              <a:t>/release/ohai-6</a:t>
             </a:r>
           </a:p>
         </p:txBody>
@@ -15603,7 +15289,7 @@
               </a:lnSpc>
             </a:pPr>
             <a:r>
-              <a:rPr lang="en-US" sz="2000" dirty="0" smtClean="0"/>
+              <a:rPr lang="en-US" sz="2000" dirty="0"/>
               <a:t>Released: April 8, 2014</a:t>
             </a:r>
           </a:p>
@@ -15614,7 +15300,7 @@
               </a:lnSpc>
             </a:pPr>
             <a:r>
-              <a:rPr lang="en-US" sz="2000" dirty="0" smtClean="0"/>
+              <a:rPr lang="en-US" sz="2000" dirty="0"/>
               <a:t>Chef Version: 11.12.0</a:t>
             </a:r>
           </a:p>
@@ -15625,16 +15311,12 @@
               </a:lnSpc>
             </a:pPr>
             <a:r>
-              <a:rPr lang="en-US" sz="2000" b="1" dirty="0" err="1" smtClean="0"/>
+              <a:rPr lang="en-US" sz="2000" b="1" dirty="0" err="1"/>
               <a:t>docs.chef.io</a:t>
             </a:r>
             <a:r>
               <a:rPr lang="en-US" sz="2000" b="1" dirty="0"/>
-              <a:t>/release/ohai-</a:t>
-            </a:r>
-            <a:r>
-              <a:rPr lang="en-US" sz="2000" b="1" dirty="0" smtClean="0"/>
-              <a:t>7</a:t>
+              <a:t>/release/ohai-7</a:t>
             </a:r>
           </a:p>
         </p:txBody>
@@ -15687,7 +15369,7 @@
           <a:p>
             <a:pPr algn="ctr" defTabSz="914099"/>
             <a:r>
-              <a:rPr lang="en-US" sz="8000" dirty="0" err="1" smtClean="0">
+              <a:rPr lang="en-US" sz="8000" dirty="0" err="1">
                 <a:gradFill>
                   <a:gsLst>
                     <a:gs pos="0">
@@ -15703,7 +15385,7 @@
               <a:t>Ohai</a:t>
             </a:r>
             <a:r>
-              <a:rPr lang="en-US" sz="8000" dirty="0" smtClean="0">
+              <a:rPr lang="en-US" sz="8000" dirty="0">
                 <a:gradFill>
                   <a:gsLst>
                     <a:gs pos="0">
@@ -15748,16 +15430,8 @@
               </a:lnSpc>
             </a:pPr>
             <a:r>
-              <a:rPr lang="en-US" sz="2000" dirty="0" smtClean="0"/>
-              <a:t>Released: Dec. </a:t>
-            </a:r>
-            <a:r>
               <a:rPr lang="en-US" sz="2000" dirty="0"/>
-              <a:t>4</a:t>
-            </a:r>
-            <a:r>
-              <a:rPr lang="en-US" sz="2000" dirty="0" smtClean="0"/>
-              <a:t>, 2014</a:t>
+              <a:t>Released: Dec. 4, 2014</a:t>
             </a:r>
           </a:p>
           <a:p>
@@ -15767,7 +15441,7 @@
               </a:lnSpc>
             </a:pPr>
             <a:r>
-              <a:rPr lang="en-US" sz="2000" dirty="0" smtClean="0"/>
+              <a:rPr lang="en-US" sz="2000" dirty="0"/>
               <a:t>Chef Version: 11.18.0</a:t>
             </a:r>
           </a:p>
@@ -15778,16 +15452,12 @@
               </a:lnSpc>
             </a:pPr>
             <a:r>
-              <a:rPr lang="en-US" sz="2000" b="1" dirty="0" err="1" smtClean="0"/>
+              <a:rPr lang="en-US" sz="2000" b="1" dirty="0" err="1"/>
               <a:t>docs.chef.io</a:t>
             </a:r>
             <a:r>
               <a:rPr lang="en-US" sz="2000" b="1" dirty="0"/>
-              <a:t>/release/ohai</a:t>
-            </a:r>
-            <a:r>
-              <a:rPr lang="en-US" sz="2000" b="1" dirty="0" smtClean="0"/>
-              <a:t>-8</a:t>
+              <a:t>/release/ohai-8</a:t>
             </a:r>
           </a:p>
         </p:txBody>
@@ -15805,13 +15475,6 @@
   <p:transition spd="med">
     <p:fade/>
   </p:transition>
-  <p:timing>
-    <p:tnLst>
-      <p:par>
-        <p:cTn id="1" dur="indefinite" restart="never" nodeType="tmRoot"/>
-      </p:par>
-    </p:tnLst>
-  </p:timing>
 </p:sld>
 </file>
 
@@ -15882,7 +15545,7 @@
           <a:p>
             <a:pPr algn="ctr" defTabSz="914099"/>
             <a:r>
-              <a:rPr lang="en-US" sz="8000" dirty="0" err="1" smtClean="0">
+              <a:rPr lang="en-US" sz="8000" dirty="0" err="1">
                 <a:gradFill>
                   <a:gsLst>
                     <a:gs pos="0">
@@ -15898,7 +15561,7 @@
               <a:t>Ohai</a:t>
             </a:r>
             <a:r>
-              <a:rPr lang="en-US" sz="8000" dirty="0" smtClean="0">
+              <a:rPr lang="en-US" sz="8000" dirty="0">
                 <a:gradFill>
                   <a:gsLst>
                     <a:gs pos="0">
@@ -15966,7 +15629,7 @@
           <a:p>
             <a:pPr algn="ctr" defTabSz="914099"/>
             <a:r>
-              <a:rPr lang="en-US" sz="8000" dirty="0" err="1" smtClean="0">
+              <a:rPr lang="en-US" sz="8000" dirty="0" err="1">
                 <a:gradFill>
                   <a:gsLst>
                     <a:gs pos="0">
@@ -15982,7 +15645,7 @@
               <a:t>Ohai</a:t>
             </a:r>
             <a:r>
-              <a:rPr lang="en-US" sz="8000" dirty="0" smtClean="0">
+              <a:rPr lang="en-US" sz="8000" dirty="0">
                 <a:gradFill>
                   <a:gsLst>
                     <a:gs pos="0">
@@ -16050,7 +15713,7 @@
           <a:p>
             <a:pPr algn="ctr" defTabSz="914099"/>
             <a:r>
-              <a:rPr lang="en-US" sz="8000" dirty="0" err="1" smtClean="0">
+              <a:rPr lang="en-US" sz="8000" dirty="0" err="1">
                 <a:gradFill>
                   <a:gsLst>
                     <a:gs pos="0">
@@ -16066,7 +15729,7 @@
               <a:t>Ohai</a:t>
             </a:r>
             <a:r>
-              <a:rPr lang="en-US" sz="8000" dirty="0" smtClean="0">
+              <a:rPr lang="en-US" sz="8000" dirty="0">
                 <a:gradFill>
                   <a:gsLst>
                     <a:gs pos="0">
@@ -16102,18 +15765,17 @@
           <a:lstStyle/>
           <a:p>
             <a:r>
-              <a:rPr lang="en-US" dirty="0" smtClean="0"/>
+              <a:rPr lang="en-US" dirty="0"/>
               <a:t>Focus on </a:t>
             </a:r>
             <a:r>
-              <a:rPr lang="en-US" dirty="0" err="1" smtClean="0"/>
+              <a:rPr lang="en-US" dirty="0" err="1"/>
               <a:t>Ohai</a:t>
             </a:r>
             <a:r>
-              <a:rPr lang="en-US" dirty="0" smtClean="0"/>
+              <a:rPr lang="en-US" dirty="0"/>
               <a:t> 7</a:t>
             </a:r>
-            <a:endParaRPr lang="en-US" dirty="0"/>
           </a:p>
         </p:txBody>
       </p:sp>
@@ -16138,27 +15800,27 @@
           <a:lstStyle/>
           <a:p>
             <a:r>
-              <a:rPr lang="en-US" dirty="0" err="1" smtClean="0"/>
+              <a:rPr lang="en-US" dirty="0" err="1"/>
               <a:t>Ohai</a:t>
             </a:r>
             <a:r>
-              <a:rPr lang="en-US" dirty="0" smtClean="0"/>
+              <a:rPr lang="en-US" dirty="0"/>
               <a:t> 7 refined the Domain Specific Language (DSL) created in the previous version of </a:t>
             </a:r>
             <a:r>
-              <a:rPr lang="en-US" dirty="0" err="1" smtClean="0"/>
+              <a:rPr lang="en-US" dirty="0" err="1"/>
               <a:t>Ohai</a:t>
             </a:r>
             <a:r>
-              <a:rPr lang="en-US" dirty="0" smtClean="0"/>
+              <a:rPr lang="en-US" dirty="0"/>
               <a:t>. </a:t>
             </a:r>
             <a:r>
-              <a:rPr lang="en-US" dirty="0" err="1" smtClean="0"/>
+              <a:rPr lang="en-US" dirty="0" err="1"/>
               <a:t>Ohai</a:t>
             </a:r>
             <a:r>
-              <a:rPr lang="en-US" dirty="0" smtClean="0"/>
+              <a:rPr lang="en-US" dirty="0"/>
               <a:t> 8 continues to use the same language.</a:t>
             </a:r>
           </a:p>
@@ -16177,13 +15839,6 @@
   <p:transition spd="med">
     <p:fade/>
   </p:transition>
-  <p:timing>
-    <p:tnLst>
-      <p:par>
-        <p:cTn id="1" dur="indefinite" restart="never" nodeType="tmRoot"/>
-      </p:par>
-    </p:tnLst>
-  </p:timing>
 </p:sld>
 </file>
 
@@ -16222,14 +15877,13 @@
           <a:lstStyle/>
           <a:p>
             <a:r>
-              <a:rPr lang="en-US" dirty="0" err="1" smtClean="0"/>
+              <a:rPr lang="en-US" dirty="0" err="1"/>
               <a:t>Ohai</a:t>
             </a:r>
             <a:r>
-              <a:rPr lang="en-US" dirty="0" smtClean="0"/>
+              <a:rPr lang="en-US" dirty="0"/>
               <a:t> is Composed of Plugins</a:t>
             </a:r>
-            <a:endParaRPr lang="en-US" dirty="0"/>
           </a:p>
         </p:txBody>
       </p:sp>
@@ -16345,7 +15999,7 @@
           <a:p>
             <a:pPr algn="ctr" defTabSz="914099"/>
             <a:r>
-              <a:rPr lang="en-US" sz="2400" b="1" dirty="0" err="1" smtClean="0">
+              <a:rPr lang="en-US" sz="2400" b="1" dirty="0" err="1">
                 <a:gradFill>
                   <a:gsLst>
                     <a:gs pos="0">
@@ -16360,7 +16014,7 @@
               </a:rPr>
               <a:t>Ohai</a:t>
             </a:r>
-            <a:endParaRPr lang="en-US" sz="2400" b="1" dirty="0" smtClean="0">
+            <a:endParaRPr lang="en-US" sz="2400" b="1" dirty="0">
               <a:gradFill>
                 <a:gsLst>
                   <a:gs pos="0">
@@ -16424,14 +16078,14 @@
           <a:p>
             <a:pPr defTabSz="914099"/>
             <a:r>
-              <a:rPr lang="en-US" b="1" dirty="0" err="1" smtClean="0">
+              <a:rPr lang="en-US" b="1" dirty="0" err="1">
                 <a:solidFill>
                   <a:schemeClr val="bg1"/>
                 </a:solidFill>
               </a:rPr>
               <a:t>NetworkAddresses</a:t>
             </a:r>
-            <a:endParaRPr lang="en-US" sz="2400" b="1" dirty="0" smtClean="0">
+            <a:endParaRPr lang="en-US" sz="2400" b="1" dirty="0">
               <a:solidFill>
                 <a:schemeClr val="bg1"/>
               </a:solidFill>
@@ -16487,7 +16141,7 @@
           <a:p>
             <a:pPr defTabSz="914099"/>
             <a:r>
-              <a:rPr lang="en-US" sz="2400" b="1" dirty="0" smtClean="0">
+              <a:rPr lang="en-US" sz="2400" b="1" dirty="0">
                 <a:solidFill>
                   <a:schemeClr val="bg1"/>
                 </a:solidFill>
@@ -16545,14 +16199,14 @@
           <a:p>
             <a:pPr defTabSz="914099"/>
             <a:r>
-              <a:rPr lang="en-US" b="1" dirty="0" smtClean="0">
+              <a:rPr lang="en-US" b="1" dirty="0">
                 <a:solidFill>
                   <a:schemeClr val="bg1"/>
                 </a:solidFill>
               </a:rPr>
               <a:t>Memory</a:t>
             </a:r>
-            <a:endParaRPr lang="en-US" sz="2400" b="1" dirty="0" smtClean="0">
+            <a:endParaRPr lang="en-US" sz="2400" b="1" dirty="0">
               <a:solidFill>
                 <a:schemeClr val="bg1"/>
               </a:solidFill>
@@ -16608,7 +16262,7 @@
           <a:p>
             <a:pPr defTabSz="914099"/>
             <a:r>
-              <a:rPr lang="en-US" sz="2400" b="1" dirty="0" smtClean="0">
+              <a:rPr lang="en-US" sz="2400" b="1" dirty="0">
                 <a:solidFill>
                   <a:schemeClr val="bg1"/>
                 </a:solidFill>
@@ -16668,7 +16322,7 @@
           <a:p>
             <a:pPr marL="91440" defTabSz="914099"/>
             <a:r>
-              <a:rPr lang="en-US" sz="2000" b="1" dirty="0" err="1" smtClean="0">
+              <a:rPr lang="en-US" sz="2000" b="1" dirty="0" err="1">
                 <a:solidFill>
                   <a:schemeClr val="bg1"/>
                 </a:solidFill>
@@ -16676,7 +16330,7 @@
               <a:t>ipaddress</a:t>
             </a:r>
             <a:r>
-              <a:rPr lang="en-US" sz="2000" b="1" dirty="0" smtClean="0">
+              <a:rPr lang="en-US" sz="2000" b="1" dirty="0">
                 <a:solidFill>
                   <a:schemeClr val="bg1"/>
                 </a:solidFill>
@@ -16684,14 +16338,14 @@
               <a:t>, ip6address, </a:t>
             </a:r>
             <a:r>
-              <a:rPr lang="en-US" sz="2000" b="1" dirty="0" err="1" smtClean="0">
+              <a:rPr lang="en-US" sz="2000" b="1" dirty="0" err="1">
                 <a:solidFill>
                   <a:schemeClr val="bg1"/>
                 </a:solidFill>
               </a:rPr>
               <a:t>macaddress</a:t>
             </a:r>
-            <a:endParaRPr lang="en-US" sz="2000" b="1" dirty="0" smtClean="0">
+            <a:endParaRPr lang="en-US" sz="2000" b="1" dirty="0">
               <a:solidFill>
                 <a:schemeClr val="bg1"/>
               </a:solidFill>
@@ -16749,7 +16403,7 @@
           <a:p>
             <a:pPr marL="91440" defTabSz="914099"/>
             <a:r>
-              <a:rPr lang="en-US" sz="2000" b="1" dirty="0" smtClean="0">
+              <a:rPr lang="en-US" sz="2000" b="1" dirty="0">
                 <a:solidFill>
                   <a:schemeClr val="bg1"/>
                 </a:solidFill>
@@ -16757,7 +16411,7 @@
               <a:t>hostname, domain, </a:t>
             </a:r>
             <a:r>
-              <a:rPr lang="en-US" sz="2000" b="1" dirty="0" err="1" smtClean="0">
+              <a:rPr lang="en-US" sz="2000" b="1" dirty="0" err="1">
                 <a:solidFill>
                   <a:schemeClr val="bg1"/>
                 </a:solidFill>
@@ -16765,7 +16419,7 @@
               <a:t>fqdn</a:t>
             </a:r>
             <a:r>
-              <a:rPr lang="en-US" sz="2000" b="1" dirty="0" smtClean="0">
+              <a:rPr lang="en-US" sz="2000" b="1" dirty="0">
                 <a:solidFill>
                   <a:schemeClr val="bg1"/>
                 </a:solidFill>
@@ -16773,14 +16427,14 @@
               <a:t>, </a:t>
             </a:r>
             <a:r>
-              <a:rPr lang="en-US" sz="2000" b="1" dirty="0" err="1" smtClean="0">
+              <a:rPr lang="en-US" sz="2000" b="1" dirty="0" err="1">
                 <a:solidFill>
                   <a:schemeClr val="bg1"/>
                 </a:solidFill>
               </a:rPr>
               <a:t>machinename</a:t>
             </a:r>
-            <a:endParaRPr lang="en-US" sz="2000" b="1" dirty="0" smtClean="0">
+            <a:endParaRPr lang="en-US" sz="2000" b="1" dirty="0">
               <a:solidFill>
                 <a:schemeClr val="bg1"/>
               </a:solidFill>
@@ -16838,7 +16492,7 @@
           <a:p>
             <a:pPr marL="91440" defTabSz="914099"/>
             <a:r>
-              <a:rPr lang="en-US" sz="2000" b="1" dirty="0" smtClean="0">
+              <a:rPr lang="en-US" sz="2000" b="1" dirty="0">
                 <a:solidFill>
                   <a:schemeClr val="bg1"/>
                 </a:solidFill>
@@ -16898,14 +16552,14 @@
           <a:p>
             <a:pPr marL="91440" defTabSz="914099"/>
             <a:r>
-              <a:rPr lang="en-US" sz="2000" b="1" dirty="0" err="1" smtClean="0">
+              <a:rPr lang="en-US" sz="2000" b="1" dirty="0" err="1">
                 <a:solidFill>
                   <a:schemeClr val="bg1"/>
                 </a:solidFill>
               </a:rPr>
               <a:t>cpu</a:t>
             </a:r>
-            <a:endParaRPr lang="en-US" sz="2000" b="1" dirty="0" smtClean="0">
+            <a:endParaRPr lang="en-US" sz="2000" b="1" dirty="0">
               <a:solidFill>
                 <a:schemeClr val="bg1"/>
               </a:solidFill>
@@ -16936,7 +16590,7 @@
           <a:p>
             <a:pPr algn="ctr"/>
             <a:r>
-              <a:rPr lang="en-US" dirty="0" smtClean="0"/>
+              <a:rPr lang="en-US" dirty="0"/>
               <a:t>Example Plugins</a:t>
             </a:r>
           </a:p>
@@ -17039,10 +16693,9 @@
           <a:lstStyle/>
           <a:p>
             <a:r>
-              <a:rPr lang="en-US" dirty="0" smtClean="0"/>
+              <a:rPr lang="en-US" dirty="0"/>
               <a:t>Viewing the Languages Plugin</a:t>
             </a:r>
-            <a:endParaRPr lang="en-US" dirty="0"/>
           </a:p>
         </p:txBody>
       </p:sp>
@@ -17134,27 +16787,27 @@
           <a:lstStyle/>
           <a:p>
             <a:r>
-              <a:rPr lang="en-US" dirty="0" smtClean="0"/>
+              <a:rPr lang="en-US" dirty="0"/>
               <a:t>~/</a:t>
             </a:r>
             <a:r>
-              <a:rPr lang="en-US" dirty="0" err="1" smtClean="0"/>
+              <a:rPr lang="en-US" dirty="0" err="1"/>
               <a:t>ohai</a:t>
             </a:r>
             <a:r>
-              <a:rPr lang="en-US" dirty="0" smtClean="0"/>
+              <a:rPr lang="en-US" dirty="0"/>
               <a:t>/lib/</a:t>
             </a:r>
             <a:r>
-              <a:rPr lang="en-US" dirty="0" err="1" smtClean="0"/>
+              <a:rPr lang="en-US" dirty="0" err="1"/>
               <a:t>ohai</a:t>
             </a:r>
             <a:r>
-              <a:rPr lang="en-US" dirty="0" smtClean="0"/>
+              <a:rPr lang="en-US" dirty="0"/>
               <a:t>/plugins/</a:t>
             </a:r>
             <a:r>
-              <a:rPr lang="en-US" dirty="0" err="1" smtClean="0"/>
+              <a:rPr lang="en-US" dirty="0" err="1"/>
               <a:t>languages.rb</a:t>
             </a:r>
             <a:endParaRPr lang="en-US" dirty="0"/>
@@ -17174,13 +16827,6 @@
   <p:transition spd="med">
     <p:fade/>
   </p:transition>
-  <p:timing>
-    <p:tnLst>
-      <p:par>
-        <p:cTn id="1" dur="indefinite" restart="never" nodeType="tmRoot"/>
-      </p:par>
-    </p:tnLst>
-  </p:timing>
 </p:sld>
 </file>
 
@@ -17222,30 +16868,18 @@
             </a:r>
             <a:r>
               <a:rPr lang="en-US" b="1" dirty="0"/>
-              <a:t>(:Languages) </a:t>
-            </a:r>
-            <a:r>
-              <a:rPr lang="en-US" b="1" dirty="0" smtClean="0"/>
-              <a:t>do</a:t>
-            </a:r>
-          </a:p>
-          <a:p>
-            <a:r>
-              <a:rPr lang="en-US" b="1" dirty="0" smtClean="0"/>
-              <a:t>  </a:t>
-            </a:r>
+              <a:t>(:Languages) do</a:t>
+            </a:r>
+          </a:p>
+          <a:p>
             <a:r>
               <a:rPr lang="en-US" b="1" dirty="0"/>
-              <a:t>provides "languages</a:t>
-            </a:r>
-            <a:r>
-              <a:rPr lang="en-US" b="1" dirty="0" smtClean="0"/>
-              <a:t>"</a:t>
-            </a:r>
-          </a:p>
-          <a:p>
-            <a:r>
-              <a:rPr lang="en-US" b="1" dirty="0" smtClean="0"/>
+              <a:t>  provides "languages"</a:t>
+            </a:r>
+          </a:p>
+          <a:p>
+            <a:r>
+              <a:rPr lang="en-US" b="1" dirty="0"/>
               <a:t>  </a:t>
             </a:r>
             <a:r>
@@ -17254,40 +16888,31 @@
             </a:r>
             <a:r>
               <a:rPr lang="en-US" b="1" dirty="0"/>
-              <a:t> </a:t>
-            </a:r>
-            <a:r>
-              <a:rPr lang="en-US" b="1" dirty="0" smtClean="0"/>
-              <a:t>do</a:t>
-            </a:r>
-          </a:p>
-          <a:p>
-            <a:r>
-              <a:rPr lang="en-US" b="1" dirty="0" smtClean="0"/>
-              <a:t>    </a:t>
-            </a:r>
+              <a:t> do</a:t>
+            </a:r>
+          </a:p>
+          <a:p>
             <a:r>
               <a:rPr lang="en-US" b="1" dirty="0"/>
-              <a:t>languages </a:t>
-            </a:r>
-            <a:r>
-              <a:rPr lang="en-US" b="1" dirty="0" err="1" smtClean="0"/>
+              <a:t>    languages </a:t>
+            </a:r>
+            <a:r>
+              <a:rPr lang="en-US" b="1" dirty="0" err="1"/>
               <a:t>Mash.new</a:t>
             </a:r>
-            <a:endParaRPr lang="en-US" b="1" dirty="0" smtClean="0"/>
-          </a:p>
-          <a:p>
-            <a:r>
-              <a:rPr lang="en-US" b="1" dirty="0" smtClean="0"/>
+            <a:endParaRPr lang="en-US" b="1" dirty="0"/>
+          </a:p>
+          <a:p>
+            <a:r>
+              <a:rPr lang="en-US" b="1" dirty="0"/>
               <a:t>  end</a:t>
             </a:r>
           </a:p>
           <a:p>
             <a:r>
-              <a:rPr lang="en-US" b="1" dirty="0" smtClean="0"/>
+              <a:rPr lang="en-US" b="1" dirty="0"/>
               <a:t>end</a:t>
             </a:r>
-            <a:endParaRPr lang="en-US" b="1" dirty="0"/>
           </a:p>
         </p:txBody>
       </p:sp>
@@ -17350,10 +16975,9 @@
           <a:lstStyle/>
           <a:p>
             <a:r>
-              <a:rPr lang="en-US" dirty="0" smtClean="0"/>
+              <a:rPr lang="en-US" dirty="0"/>
               <a:t>Viewing the Languages Plugin</a:t>
             </a:r>
-            <a:endParaRPr lang="en-US" dirty="0"/>
           </a:p>
         </p:txBody>
       </p:sp>
@@ -17373,27 +16997,27 @@
           <a:lstStyle/>
           <a:p>
             <a:r>
-              <a:rPr lang="en-US" dirty="0" smtClean="0"/>
+              <a:rPr lang="en-US" dirty="0"/>
               <a:t>~/</a:t>
             </a:r>
             <a:r>
-              <a:rPr lang="en-US" dirty="0" err="1" smtClean="0"/>
+              <a:rPr lang="en-US" dirty="0" err="1"/>
               <a:t>ohai</a:t>
             </a:r>
             <a:r>
-              <a:rPr lang="en-US" dirty="0" smtClean="0"/>
+              <a:rPr lang="en-US" dirty="0"/>
               <a:t>/lib/</a:t>
             </a:r>
             <a:r>
-              <a:rPr lang="en-US" dirty="0" err="1" smtClean="0"/>
+              <a:rPr lang="en-US" dirty="0" err="1"/>
               <a:t>ohai</a:t>
             </a:r>
             <a:r>
-              <a:rPr lang="en-US" dirty="0" smtClean="0"/>
+              <a:rPr lang="en-US" dirty="0"/>
               <a:t>/plugins/</a:t>
             </a:r>
             <a:r>
-              <a:rPr lang="en-US" dirty="0" err="1" smtClean="0"/>
+              <a:rPr lang="en-US" dirty="0" err="1"/>
               <a:t>languages.rb</a:t>
             </a:r>
             <a:endParaRPr lang="en-US" dirty="0"/>
@@ -17449,7 +17073,7 @@
           <a:lstStyle/>
           <a:p>
             <a:r>
-              <a:rPr lang="en-US" b="1" dirty="0" smtClean="0"/>
+              <a:rPr lang="en-US" b="1" dirty="0"/>
               <a:t>Plugin Name</a:t>
             </a:r>
           </a:p>
@@ -17459,7 +17083,7 @@
               <a:buChar char="§"/>
             </a:pPr>
             <a:r>
-              <a:rPr lang="en-US" dirty="0" smtClean="0"/>
+              <a:rPr lang="en-US" dirty="0"/>
               <a:t>Ruby Symbol</a:t>
             </a:r>
           </a:p>
@@ -17469,7 +17093,7 @@
               <a:buChar char="§"/>
             </a:pPr>
             <a:r>
-              <a:rPr lang="en-US" dirty="0" smtClean="0"/>
+              <a:rPr lang="en-US" dirty="0"/>
               <a:t>First Letter Capitalized</a:t>
             </a:r>
           </a:p>
@@ -17524,7 +17148,7 @@
           <a:lstStyle/>
           <a:p>
             <a:r>
-              <a:rPr lang="en-US" b="1" dirty="0" smtClean="0"/>
+              <a:rPr lang="en-US" b="1" dirty="0"/>
               <a:t>Node attributes provided by the plugin</a:t>
             </a:r>
           </a:p>
@@ -17579,7 +17203,7 @@
           <a:lstStyle/>
           <a:p>
             <a:r>
-              <a:rPr lang="en-US" b="1" dirty="0" smtClean="0"/>
+              <a:rPr lang="en-US" b="1" dirty="0"/>
               <a:t>Code executed on all platforms and stored in the provided attribute(s).</a:t>
             </a:r>
           </a:p>
@@ -17713,13 +17337,6 @@
   <p:transition spd="med">
     <p:fade/>
   </p:transition>
-  <p:timing>
-    <p:tnLst>
-      <p:par>
-        <p:cTn id="1" dur="indefinite" restart="never" nodeType="tmRoot"/>
-      </p:par>
-    </p:tnLst>
-  </p:timing>
 </p:sld>
 </file>
 
@@ -17756,14 +17373,13 @@
           <a:lstStyle/>
           <a:p>
             <a:r>
-              <a:rPr lang="en-US" smtClean="0"/>
+              <a:rPr lang="en-US"/>
               <a:t>Viewing the Language </a:t>
             </a:r>
             <a:r>
-              <a:rPr lang="en-US" dirty="0" smtClean="0"/>
+              <a:rPr lang="en-US" dirty="0"/>
               <a:t>Plugin</a:t>
             </a:r>
-            <a:endParaRPr lang="en-US" dirty="0"/>
           </a:p>
         </p:txBody>
       </p:sp>
@@ -17793,30 +17409,18 @@
             </a:r>
             <a:r>
               <a:rPr lang="en-US" b="1" dirty="0"/>
-              <a:t>(:Languages) </a:t>
-            </a:r>
-            <a:r>
-              <a:rPr lang="en-US" b="1" dirty="0" smtClean="0"/>
-              <a:t>do</a:t>
-            </a:r>
-          </a:p>
-          <a:p>
-            <a:r>
-              <a:rPr lang="en-US" b="1" dirty="0" smtClean="0"/>
-              <a:t>  </a:t>
-            </a:r>
+              <a:t>(:Languages) do</a:t>
+            </a:r>
+          </a:p>
+          <a:p>
             <a:r>
               <a:rPr lang="en-US" b="1" dirty="0"/>
-              <a:t>provides "languages</a:t>
-            </a:r>
-            <a:r>
-              <a:rPr lang="en-US" b="1" dirty="0" smtClean="0"/>
-              <a:t>"</a:t>
-            </a:r>
-          </a:p>
-          <a:p>
-            <a:r>
-              <a:rPr lang="en-US" b="1" dirty="0" smtClean="0"/>
+              <a:t>  provides "languages"</a:t>
+            </a:r>
+          </a:p>
+          <a:p>
+            <a:r>
+              <a:rPr lang="en-US" b="1" dirty="0"/>
               <a:t>  </a:t>
             </a:r>
             <a:r>
@@ -17825,40 +17429,31 @@
             </a:r>
             <a:r>
               <a:rPr lang="en-US" b="1" dirty="0"/>
-              <a:t> </a:t>
-            </a:r>
-            <a:r>
-              <a:rPr lang="en-US" b="1" dirty="0" smtClean="0"/>
-              <a:t>do</a:t>
-            </a:r>
-          </a:p>
-          <a:p>
-            <a:r>
-              <a:rPr lang="en-US" b="1" dirty="0" smtClean="0"/>
-              <a:t>    </a:t>
-            </a:r>
+              <a:t> do</a:t>
+            </a:r>
+          </a:p>
+          <a:p>
             <a:r>
               <a:rPr lang="en-US" b="1" dirty="0"/>
-              <a:t>languages </a:t>
-            </a:r>
-            <a:r>
-              <a:rPr lang="en-US" b="1" dirty="0" err="1" smtClean="0"/>
+              <a:t>    languages </a:t>
+            </a:r>
+            <a:r>
+              <a:rPr lang="en-US" b="1" dirty="0" err="1"/>
               <a:t>Mash.new</a:t>
             </a:r>
-            <a:endParaRPr lang="en-US" b="1" dirty="0" smtClean="0"/>
-          </a:p>
-          <a:p>
-            <a:r>
-              <a:rPr lang="en-US" b="1" dirty="0" smtClean="0"/>
+            <a:endParaRPr lang="en-US" b="1" dirty="0"/>
+          </a:p>
+          <a:p>
+            <a:r>
+              <a:rPr lang="en-US" b="1" dirty="0"/>
               <a:t>  end</a:t>
             </a:r>
           </a:p>
           <a:p>
             <a:r>
-              <a:rPr lang="en-US" b="1" dirty="0" smtClean="0"/>
+              <a:rPr lang="en-US" b="1" dirty="0"/>
               <a:t>end</a:t>
             </a:r>
-            <a:endParaRPr lang="en-US" b="1" dirty="0"/>
           </a:p>
         </p:txBody>
       </p:sp>
@@ -17878,27 +17473,27 @@
           <a:lstStyle/>
           <a:p>
             <a:r>
-              <a:rPr lang="en-US" dirty="0" smtClean="0"/>
+              <a:rPr lang="en-US" dirty="0"/>
               <a:t>~/</a:t>
             </a:r>
             <a:r>
-              <a:rPr lang="en-US" dirty="0" err="1" smtClean="0"/>
+              <a:rPr lang="en-US" dirty="0" err="1"/>
               <a:t>ohai</a:t>
             </a:r>
             <a:r>
-              <a:rPr lang="en-US" dirty="0" smtClean="0"/>
+              <a:rPr lang="en-US" dirty="0"/>
               <a:t>/lib/</a:t>
             </a:r>
             <a:r>
-              <a:rPr lang="en-US" dirty="0" err="1" smtClean="0"/>
+              <a:rPr lang="en-US" dirty="0" err="1"/>
               <a:t>ohai</a:t>
             </a:r>
             <a:r>
-              <a:rPr lang="en-US" dirty="0" smtClean="0"/>
+              <a:rPr lang="en-US" dirty="0"/>
               <a:t>/plugins/</a:t>
             </a:r>
             <a:r>
-              <a:rPr lang="en-US" dirty="0" err="1" smtClean="0"/>
+              <a:rPr lang="en-US" dirty="0" err="1"/>
               <a:t>languages.rb</a:t>
             </a:r>
             <a:endParaRPr lang="en-US" dirty="0"/>
@@ -17927,11 +17522,11 @@
           <a:lstStyle/>
           <a:p>
             <a:r>
-              <a:rPr lang="en-US" dirty="0" smtClean="0"/>
+              <a:rPr lang="en-US" dirty="0"/>
               <a:t>The </a:t>
             </a:r>
             <a:r>
-              <a:rPr lang="en-US" dirty="0" smtClean="0">
+              <a:rPr lang="en-US" dirty="0">
                 <a:solidFill>
                   <a:schemeClr val="accent4"/>
                 </a:solidFill>
@@ -17939,11 +17534,11 @@
               <a:t>Languages</a:t>
             </a:r>
             <a:r>
-              <a:rPr lang="en-US" dirty="0" smtClean="0"/>
+              <a:rPr lang="en-US" dirty="0"/>
               <a:t> plugin provides the node attribute '</a:t>
             </a:r>
             <a:r>
-              <a:rPr lang="en-US" dirty="0" smtClean="0">
+              <a:rPr lang="en-US" dirty="0">
                 <a:solidFill>
                   <a:schemeClr val="accent5"/>
                 </a:solidFill>
@@ -17951,11 +17546,11 @@
               <a:t>languages</a:t>
             </a:r>
             <a:r>
-              <a:rPr lang="en-US" dirty="0" smtClean="0"/>
+              <a:rPr lang="en-US" dirty="0"/>
               <a:t>' which is populated, on all platforms, with a </a:t>
             </a:r>
             <a:r>
-              <a:rPr lang="en-US" dirty="0" smtClean="0">
+              <a:rPr lang="en-US" dirty="0">
                 <a:solidFill>
                   <a:srgbClr val="5AB7B2"/>
                 </a:solidFill>
@@ -17963,7 +17558,7 @@
               <a:t>Mash</a:t>
             </a:r>
             <a:r>
-              <a:rPr lang="en-US" dirty="0" smtClean="0"/>
+              <a:rPr lang="en-US" dirty="0"/>
               <a:t>.</a:t>
             </a:r>
           </a:p>
@@ -17982,13 +17577,6 @@
   <p:transition spd="med">
     <p:fade/>
   </p:transition>
-  <p:timing>
-    <p:tnLst>
-      <p:par>
-        <p:cTn id="1" dur="indefinite" restart="never" nodeType="tmRoot"/>
-      </p:par>
-    </p:tnLst>
-  </p:timing>
 </p:sld>
 </file>
 
@@ -18027,10 +17615,9 @@
           <a:lstStyle/>
           <a:p>
             <a:r>
-              <a:rPr lang="en-US" dirty="0" smtClean="0"/>
+              <a:rPr lang="en-US" dirty="0"/>
               <a:t>Hash</a:t>
             </a:r>
-            <a:endParaRPr lang="en-US" dirty="0"/>
           </a:p>
         </p:txBody>
       </p:sp>
@@ -18194,16 +17781,8 @@
           <a:p>
             <a:pPr algn="ctr"/>
             <a:r>
-              <a:rPr lang="en-US" b="1" dirty="0" smtClean="0"/>
-              <a:t>Using a String as a </a:t>
-            </a:r>
-            <a:r>
               <a:rPr lang="en-US" b="1" dirty="0"/>
-              <a:t>k</a:t>
-            </a:r>
-            <a:r>
-              <a:rPr lang="en-US" b="1" dirty="0" smtClean="0"/>
-              <a:t>ey</a:t>
+              <a:t>Using a String as a key</a:t>
             </a:r>
           </a:p>
         </p:txBody>
@@ -18531,16 +18110,8 @@
           <a:p>
             <a:pPr algn="ctr"/>
             <a:r>
-              <a:rPr lang="en-US" b="1" dirty="0" smtClean="0"/>
-              <a:t>Using a Symbol as a </a:t>
-            </a:r>
-            <a:r>
               <a:rPr lang="en-US" b="1" dirty="0"/>
-              <a:t>k</a:t>
-            </a:r>
-            <a:r>
-              <a:rPr lang="en-US" b="1" dirty="0" smtClean="0"/>
-              <a:t>ey</a:t>
+              <a:t>Using a Symbol as a key</a:t>
             </a:r>
           </a:p>
         </p:txBody>
@@ -18596,10 +18167,9 @@
           <a:lstStyle/>
           <a:p>
             <a:r>
-              <a:rPr lang="en-US" dirty="0" smtClean="0"/>
+              <a:rPr lang="en-US" dirty="0"/>
               <a:t>Mash</a:t>
             </a:r>
-            <a:endParaRPr lang="en-US" dirty="0"/>
           </a:p>
         </p:txBody>
       </p:sp>
@@ -18632,7 +18202,7 @@
               </a:lnSpc>
             </a:pPr>
             <a:r>
-              <a:rPr lang="en-US" sz="2000" b="1" dirty="0" smtClean="0">
+              <a:rPr lang="en-US" sz="2000" b="1" dirty="0">
                 <a:solidFill>
                   <a:schemeClr val="bg1"/>
                 </a:solidFill>
@@ -18649,7 +18219,7 @@
               </a:lnSpc>
             </a:pPr>
             <a:r>
-              <a:rPr lang="en-US" sz="2000" b="1" dirty="0" smtClean="0">
+              <a:rPr lang="en-US" sz="2000" b="1" dirty="0">
                 <a:solidFill>
                   <a:schemeClr val="bg1"/>
                 </a:solidFill>
@@ -18666,7 +18236,7 @@
               </a:lnSpc>
             </a:pPr>
             <a:r>
-              <a:rPr lang="en-US" sz="2000" b="1" dirty="0" smtClean="0">
+              <a:rPr lang="en-US" sz="2000" b="1" dirty="0">
                 <a:solidFill>
                   <a:schemeClr val="bg1"/>
                 </a:solidFill>
@@ -18676,7 +18246,7 @@
               <a:t>[2] pry(main)&gt; content = </a:t>
             </a:r>
             <a:r>
-              <a:rPr lang="en-US" sz="2000" b="1" dirty="0" err="1" smtClean="0">
+              <a:rPr lang="en-US" sz="2000" b="1" dirty="0" err="1">
                 <a:solidFill>
                   <a:schemeClr val="bg1"/>
                 </a:solidFill>
@@ -18684,132 +18254,6 @@
                 <a:cs typeface="Courier New"/>
               </a:rPr>
               <a:t>Mash.new</a:t>
-            </a:r>
-            <a:endParaRPr lang="en-US" sz="2000" b="1" dirty="0" smtClean="0">
-              <a:solidFill>
-                <a:schemeClr val="bg1"/>
-              </a:solidFill>
-              <a:latin typeface="Courier New"/>
-              <a:cs typeface="Courier New"/>
-            </a:endParaRPr>
-          </a:p>
-          <a:p>
-            <a:pPr>
-              <a:lnSpc>
-                <a:spcPct val="120000"/>
-              </a:lnSpc>
-            </a:pPr>
-            <a:r>
-              <a:rPr lang="en-US" sz="2000" b="1" dirty="0" smtClean="0">
-                <a:solidFill>
-                  <a:schemeClr val="bg1"/>
-                </a:solidFill>
-                <a:latin typeface="Courier New"/>
-                <a:cs typeface="Courier New"/>
-              </a:rPr>
-              <a:t>=&gt; {}</a:t>
-            </a:r>
-          </a:p>
-          <a:p>
-            <a:pPr>
-              <a:lnSpc>
-                <a:spcPct val="120000"/>
-              </a:lnSpc>
-            </a:pPr>
-            <a:r>
-              <a:rPr lang="en-US" sz="2000" b="1" dirty="0" smtClean="0">
-                <a:solidFill>
-                  <a:schemeClr val="bg1"/>
-                </a:solidFill>
-                <a:latin typeface="Courier New"/>
-                <a:cs typeface="Courier New"/>
-              </a:rPr>
-              <a:t>[3] pry(main)&gt; content['name'] = 'Chef'</a:t>
-            </a:r>
-          </a:p>
-          <a:p>
-            <a:pPr>
-              <a:lnSpc>
-                <a:spcPct val="120000"/>
-              </a:lnSpc>
-            </a:pPr>
-            <a:r>
-              <a:rPr lang="en-US" sz="2000" b="1" dirty="0" smtClean="0">
-                <a:solidFill>
-                  <a:schemeClr val="bg1"/>
-                </a:solidFill>
-                <a:latin typeface="Courier New"/>
-                <a:cs typeface="Courier New"/>
-              </a:rPr>
-              <a:t>=&gt; "Chef"</a:t>
-            </a:r>
-          </a:p>
-          <a:p>
-            <a:pPr>
-              <a:lnSpc>
-                <a:spcPct val="120000"/>
-              </a:lnSpc>
-            </a:pPr>
-            <a:r>
-              <a:rPr lang="en-US" sz="2000" b="1" dirty="0" smtClean="0">
-                <a:solidFill>
-                  <a:schemeClr val="bg1"/>
-                </a:solidFill>
-                <a:latin typeface="Courier New"/>
-                <a:cs typeface="Courier New"/>
-              </a:rPr>
-              <a:t>[4] pry(main)&gt; content['name']</a:t>
-            </a:r>
-          </a:p>
-          <a:p>
-            <a:pPr>
-              <a:lnSpc>
-                <a:spcPct val="120000"/>
-              </a:lnSpc>
-            </a:pPr>
-            <a:r>
-              <a:rPr lang="en-US" sz="2000" b="1" dirty="0" smtClean="0">
-                <a:solidFill>
-                  <a:schemeClr val="bg1"/>
-                </a:solidFill>
-                <a:latin typeface="Courier New"/>
-                <a:cs typeface="Courier New"/>
-              </a:rPr>
-              <a:t>=&gt; "Chef"</a:t>
-            </a:r>
-          </a:p>
-          <a:p>
-            <a:pPr>
-              <a:lnSpc>
-                <a:spcPct val="120000"/>
-              </a:lnSpc>
-            </a:pPr>
-            <a:r>
-              <a:rPr lang="en-US" sz="2000" b="1" dirty="0" smtClean="0">
-                <a:solidFill>
-                  <a:schemeClr val="bg1"/>
-                </a:solidFill>
-                <a:latin typeface="Courier New"/>
-                <a:cs typeface="Courier New"/>
-              </a:rPr>
-              <a:t>[5] pry(main)&gt; content[:name]</a:t>
-            </a:r>
-          </a:p>
-          <a:p>
-            <a:pPr>
-              <a:lnSpc>
-                <a:spcPct val="120000"/>
-              </a:lnSpc>
-            </a:pPr>
-            <a:r>
-              <a:rPr lang="en-US" sz="2000" b="1" dirty="0" smtClean="0">
-                <a:solidFill>
-                  <a:schemeClr val="bg1"/>
-                </a:solidFill>
-                <a:latin typeface="Courier New"/>
-                <a:cs typeface="Courier New"/>
-              </a:rPr>
-              <a:t>=&gt; "Chef"</a:t>
             </a:r>
             <a:endParaRPr lang="en-US" sz="2000" b="1" dirty="0">
               <a:solidFill>
@@ -18818,6 +18262,125 @@
               <a:latin typeface="Courier New"/>
               <a:cs typeface="Courier New"/>
             </a:endParaRPr>
+          </a:p>
+          <a:p>
+            <a:pPr>
+              <a:lnSpc>
+                <a:spcPct val="120000"/>
+              </a:lnSpc>
+            </a:pPr>
+            <a:r>
+              <a:rPr lang="en-US" sz="2000" b="1" dirty="0">
+                <a:solidFill>
+                  <a:schemeClr val="bg1"/>
+                </a:solidFill>
+                <a:latin typeface="Courier New"/>
+                <a:cs typeface="Courier New"/>
+              </a:rPr>
+              <a:t>=&gt; {}</a:t>
+            </a:r>
+          </a:p>
+          <a:p>
+            <a:pPr>
+              <a:lnSpc>
+                <a:spcPct val="120000"/>
+              </a:lnSpc>
+            </a:pPr>
+            <a:r>
+              <a:rPr lang="en-US" sz="2000" b="1" dirty="0">
+                <a:solidFill>
+                  <a:schemeClr val="bg1"/>
+                </a:solidFill>
+                <a:latin typeface="Courier New"/>
+                <a:cs typeface="Courier New"/>
+              </a:rPr>
+              <a:t>[3] pry(main)&gt; content['name'] = 'Chef'</a:t>
+            </a:r>
+          </a:p>
+          <a:p>
+            <a:pPr>
+              <a:lnSpc>
+                <a:spcPct val="120000"/>
+              </a:lnSpc>
+            </a:pPr>
+            <a:r>
+              <a:rPr lang="en-US" sz="2000" b="1" dirty="0">
+                <a:solidFill>
+                  <a:schemeClr val="bg1"/>
+                </a:solidFill>
+                <a:latin typeface="Courier New"/>
+                <a:cs typeface="Courier New"/>
+              </a:rPr>
+              <a:t>=&gt; "Chef"</a:t>
+            </a:r>
+          </a:p>
+          <a:p>
+            <a:pPr>
+              <a:lnSpc>
+                <a:spcPct val="120000"/>
+              </a:lnSpc>
+            </a:pPr>
+            <a:r>
+              <a:rPr lang="en-US" sz="2000" b="1" dirty="0">
+                <a:solidFill>
+                  <a:schemeClr val="bg1"/>
+                </a:solidFill>
+                <a:latin typeface="Courier New"/>
+                <a:cs typeface="Courier New"/>
+              </a:rPr>
+              <a:t>[4] pry(main)&gt; content['name']</a:t>
+            </a:r>
+          </a:p>
+          <a:p>
+            <a:pPr>
+              <a:lnSpc>
+                <a:spcPct val="120000"/>
+              </a:lnSpc>
+            </a:pPr>
+            <a:r>
+              <a:rPr lang="en-US" sz="2000" b="1" dirty="0">
+                <a:solidFill>
+                  <a:schemeClr val="bg1"/>
+                </a:solidFill>
+                <a:latin typeface="Courier New"/>
+                <a:cs typeface="Courier New"/>
+              </a:rPr>
+              <a:t>=&gt; "Chef"</a:t>
+            </a:r>
+          </a:p>
+          <a:p>
+            <a:pPr>
+              <a:lnSpc>
+                <a:spcPct val="120000"/>
+              </a:lnSpc>
+            </a:pPr>
+            <a:r>
+              <a:rPr lang="en-US" sz="2000" b="1" dirty="0">
+                <a:solidFill>
+                  <a:schemeClr val="bg1"/>
+                </a:solidFill>
+                <a:latin typeface="Courier New"/>
+                <a:cs typeface="Courier New"/>
+              </a:rPr>
+              <a:t>[5] pry(main)&gt; content[:name]</a:t>
+            </a:r>
+          </a:p>
+          <a:p>
+            <a:pPr>
+              <a:lnSpc>
+                <a:spcPct val="120000"/>
+              </a:lnSpc>
+            </a:pPr>
+            <a:r>
+              <a:rPr lang="en-US" sz="2000" b="1" dirty="0">
+                <a:solidFill>
+                  <a:schemeClr val="bg1"/>
+                </a:solidFill>
+                <a:latin typeface="Courier New"/>
+                <a:cs typeface="Courier New"/>
+              </a:rPr>
+              <a:t>=&gt; "Chef"</a:t>
+            </a:r>
           </a:p>
         </p:txBody>
       </p:sp>
@@ -18844,16 +18407,8 @@
           <a:p>
             <a:pPr algn="ctr"/>
             <a:r>
-              <a:rPr lang="en-US" b="1" dirty="0" smtClean="0"/>
-              <a:t>Using a String as a </a:t>
-            </a:r>
-            <a:r>
               <a:rPr lang="en-US" b="1" dirty="0"/>
-              <a:t>k</a:t>
-            </a:r>
-            <a:r>
-              <a:rPr lang="en-US" b="1" dirty="0" smtClean="0"/>
-              <a:t>ey</a:t>
+              <a:t>Using a String as a key</a:t>
             </a:r>
           </a:p>
         </p:txBody>
@@ -19159,27 +18714,7 @@
                 <a:latin typeface="Courier New"/>
                 <a:cs typeface="Courier New"/>
               </a:rPr>
-              <a:t>[3] pry(main)&gt; content</a:t>
-            </a:r>
-            <a:r>
-              <a:rPr lang="en-US" sz="2000" b="1" dirty="0" smtClean="0">
-                <a:solidFill>
-                  <a:schemeClr val="bg1"/>
-                </a:solidFill>
-                <a:latin typeface="Courier New"/>
-                <a:cs typeface="Courier New"/>
-              </a:rPr>
-              <a:t>[:name] </a:t>
-            </a:r>
-            <a:r>
-              <a:rPr lang="en-US" sz="2000" b="1" dirty="0">
-                <a:solidFill>
-                  <a:schemeClr val="bg1"/>
-                </a:solidFill>
-                <a:latin typeface="Courier New"/>
-                <a:cs typeface="Courier New"/>
-              </a:rPr>
-              <a:t>= 'Chef'</a:t>
+              <a:t>[3] pry(main)&gt; content[:name] = 'Chef'</a:t>
             </a:r>
           </a:p>
           <a:p>
@@ -19213,25 +18748,8 @@
                 <a:latin typeface="Courier New"/>
                 <a:cs typeface="Courier New"/>
               </a:rPr>
-              <a:t>[4] pry(main)&gt; content</a:t>
-            </a:r>
-            <a:r>
-              <a:rPr lang="en-US" sz="2000" b="1" dirty="0" smtClean="0">
-                <a:solidFill>
-                  <a:schemeClr val="bg1"/>
-                </a:solidFill>
-                <a:latin typeface="Courier New"/>
-                <a:cs typeface="Courier New"/>
-              </a:rPr>
-              <a:t>[:name]</a:t>
-            </a:r>
-            <a:endParaRPr lang="en-US" sz="2000" b="1" dirty="0">
-              <a:solidFill>
-                <a:schemeClr val="bg1"/>
-              </a:solidFill>
-              <a:latin typeface="Courier New"/>
-              <a:cs typeface="Courier New"/>
-            </a:endParaRPr>
+              <a:t>[4] pry(main)&gt; content[:name]</a:t>
+            </a:r>
           </a:p>
           <a:p>
             <a:pPr>
@@ -19264,25 +18782,8 @@
                 <a:latin typeface="Courier New"/>
                 <a:cs typeface="Courier New"/>
               </a:rPr>
-              <a:t>[5] pry(main)&gt; content</a:t>
-            </a:r>
-            <a:r>
-              <a:rPr lang="en-US" sz="2000" b="1" dirty="0" smtClean="0">
-                <a:solidFill>
-                  <a:schemeClr val="bg1"/>
-                </a:solidFill>
-                <a:latin typeface="Courier New"/>
-                <a:cs typeface="Courier New"/>
-              </a:rPr>
-              <a:t>['name']</a:t>
-            </a:r>
-            <a:endParaRPr lang="en-US" sz="2000" b="1" dirty="0">
-              <a:solidFill>
-                <a:schemeClr val="bg1"/>
-              </a:solidFill>
-              <a:latin typeface="Courier New"/>
-              <a:cs typeface="Courier New"/>
-            </a:endParaRPr>
+              <a:t>[5] pry(main)&gt; content['name']</a:t>
+            </a:r>
           </a:p>
           <a:p>
             <a:pPr>
@@ -19326,16 +18827,8 @@
           <a:p>
             <a:pPr algn="ctr"/>
             <a:r>
-              <a:rPr lang="en-US" b="1" dirty="0" smtClean="0"/>
-              <a:t>Using a Symbol as a </a:t>
-            </a:r>
-            <a:r>
               <a:rPr lang="en-US" b="1" dirty="0"/>
-              <a:t>k</a:t>
-            </a:r>
-            <a:r>
-              <a:rPr lang="en-US" b="1" dirty="0" smtClean="0"/>
-              <a:t>ey</a:t>
+              <a:t>Using a Symbol as a key</a:t>
             </a:r>
           </a:p>
         </p:txBody>
@@ -19391,18 +18884,17 @@
           <a:lstStyle/>
           <a:p>
             <a:r>
-              <a:rPr lang="en-US" dirty="0" smtClean="0"/>
+              <a:rPr lang="en-US" dirty="0"/>
               <a:t>Reviewing the </a:t>
             </a:r>
             <a:r>
-              <a:rPr lang="en-US" dirty="0" err="1" smtClean="0"/>
+              <a:rPr lang="en-US" dirty="0" err="1"/>
               <a:t>Ohai</a:t>
             </a:r>
             <a:r>
-              <a:rPr lang="en-US" dirty="0" smtClean="0"/>
+              <a:rPr lang="en-US" dirty="0"/>
               <a:t> Gem</a:t>
             </a:r>
-            <a:endParaRPr lang="en-US" dirty="0"/>
           </a:p>
         </p:txBody>
       </p:sp>
@@ -19422,10 +18914,9 @@
           <a:lstStyle/>
           <a:p>
             <a:r>
-              <a:rPr lang="en-US" dirty="0" smtClean="0"/>
+              <a:rPr lang="en-US" dirty="0"/>
               <a:t>Now it is time to look at a more complex plugin.</a:t>
             </a:r>
-            <a:endParaRPr lang="en-US" dirty="0"/>
           </a:p>
         </p:txBody>
       </p:sp>
@@ -19449,15 +18940,15 @@
               <a:buChar char="ü"/>
             </a:pPr>
             <a:r>
-              <a:rPr lang="en-US" dirty="0" smtClean="0"/>
+              <a:rPr lang="en-US" dirty="0"/>
               <a:t>Review the basic structure of the </a:t>
             </a:r>
             <a:r>
-              <a:rPr lang="en-US" dirty="0" err="1" smtClean="0"/>
+              <a:rPr lang="en-US" dirty="0" err="1"/>
               <a:t>Ohai</a:t>
             </a:r>
             <a:r>
-              <a:rPr lang="en-US" dirty="0" smtClean="0"/>
+              <a:rPr lang="en-US" dirty="0"/>
               <a:t> gem</a:t>
             </a:r>
           </a:p>
@@ -19467,7 +18958,7 @@
               <a:buChar char="ü"/>
             </a:pPr>
             <a:r>
-              <a:rPr lang="en-US" dirty="0" smtClean="0"/>
+              <a:rPr lang="en-US" dirty="0"/>
               <a:t>Review the 'language' plugin</a:t>
             </a:r>
           </a:p>
@@ -19477,13 +18968,12 @@
               <a:buChar char="q"/>
             </a:pPr>
             <a:r>
-              <a:rPr lang="en-US" dirty="0" smtClean="0"/>
+              <a:rPr lang="en-US" dirty="0"/>
               <a:t>Review the 'python' plugin</a:t>
             </a:r>
+          </a:p>
+          <a:p>
             <a:endParaRPr lang="en-US" dirty="0"/>
-          </a:p>
-          <a:p>
-            <a:endParaRPr lang="en-US" dirty="0" smtClean="0"/>
           </a:p>
         </p:txBody>
       </p:sp>
@@ -19536,10 +19026,9 @@
           <a:lstStyle/>
           <a:p>
             <a:r>
-              <a:rPr lang="en-US" dirty="0" smtClean="0"/>
+              <a:rPr lang="en-US" dirty="0"/>
               <a:t>Viewing the Python plugin</a:t>
             </a:r>
-            <a:endParaRPr lang="en-US" dirty="0"/>
           </a:p>
         </p:txBody>
       </p:sp>
@@ -19721,27 +19210,27 @@
           <a:lstStyle/>
           <a:p>
             <a:r>
-              <a:rPr lang="en-US" dirty="0" smtClean="0"/>
+              <a:rPr lang="en-US" dirty="0"/>
               <a:t>~/</a:t>
             </a:r>
             <a:r>
-              <a:rPr lang="en-US" dirty="0" err="1" smtClean="0"/>
+              <a:rPr lang="en-US" dirty="0" err="1"/>
               <a:t>ohai</a:t>
             </a:r>
             <a:r>
-              <a:rPr lang="en-US" dirty="0" smtClean="0"/>
+              <a:rPr lang="en-US" dirty="0"/>
               <a:t>/lib/</a:t>
             </a:r>
             <a:r>
-              <a:rPr lang="en-US" dirty="0" err="1" smtClean="0"/>
+              <a:rPr lang="en-US" dirty="0" err="1"/>
               <a:t>ohai</a:t>
             </a:r>
             <a:r>
-              <a:rPr lang="en-US" dirty="0" smtClean="0"/>
+              <a:rPr lang="en-US" dirty="0"/>
               <a:t>/plugins/</a:t>
             </a:r>
             <a:r>
-              <a:rPr lang="en-US" dirty="0" err="1" smtClean="0"/>
+              <a:rPr lang="en-US" dirty="0" err="1"/>
               <a:t>python.rb</a:t>
             </a:r>
             <a:endParaRPr lang="en-US" dirty="0"/>
@@ -19797,7 +19286,7 @@
           <a:lstStyle/>
           <a:p>
             <a:r>
-              <a:rPr lang="en-US" b="1" dirty="0" smtClean="0"/>
+              <a:rPr lang="en-US" b="1" dirty="0"/>
               <a:t>Node attributes provided by the plugin</a:t>
             </a:r>
           </a:p>
@@ -19852,7 +19341,7 @@
           <a:lstStyle/>
           <a:p>
             <a:r>
-              <a:rPr lang="en-US" b="1" dirty="0" smtClean="0"/>
+              <a:rPr lang="en-US" b="1" dirty="0"/>
               <a:t>This plugin depends on the attributes in the Languages to be defined</a:t>
             </a:r>
           </a:p>
@@ -19983,10 +19472,9 @@
           <a:lstStyle/>
           <a:p>
             <a:r>
-              <a:rPr lang="en-US" dirty="0" smtClean="0"/>
+              <a:rPr lang="en-US" dirty="0"/>
               <a:t>Viewing the Python plugin</a:t>
             </a:r>
-            <a:endParaRPr lang="en-US" dirty="0"/>
           </a:p>
         </p:txBody>
       </p:sp>
@@ -20168,27 +19656,27 @@
           <a:lstStyle/>
           <a:p>
             <a:r>
-              <a:rPr lang="en-US" dirty="0" smtClean="0"/>
+              <a:rPr lang="en-US" dirty="0"/>
               <a:t>~/</a:t>
             </a:r>
             <a:r>
-              <a:rPr lang="en-US" dirty="0" err="1" smtClean="0"/>
+              <a:rPr lang="en-US" dirty="0" err="1"/>
               <a:t>ohai</a:t>
             </a:r>
             <a:r>
-              <a:rPr lang="en-US" dirty="0" smtClean="0"/>
+              <a:rPr lang="en-US" dirty="0"/>
               <a:t>/lib/</a:t>
             </a:r>
             <a:r>
-              <a:rPr lang="en-US" dirty="0" err="1" smtClean="0"/>
+              <a:rPr lang="en-US" dirty="0" err="1"/>
               <a:t>ohai</a:t>
             </a:r>
             <a:r>
-              <a:rPr lang="en-US" dirty="0" smtClean="0"/>
+              <a:rPr lang="en-US" dirty="0"/>
               <a:t>/plugins/</a:t>
             </a:r>
             <a:r>
-              <a:rPr lang="en-US" dirty="0" err="1" smtClean="0"/>
+              <a:rPr lang="en-US" dirty="0" err="1"/>
               <a:t>python.rb</a:t>
             </a:r>
             <a:endParaRPr lang="en-US" dirty="0"/>
@@ -20244,7 +19732,7 @@
           <a:lstStyle/>
           <a:p>
             <a:pPr algn="ctr" defTabSz="914099"/>
-            <a:endParaRPr lang="en-US" sz="2400" dirty="0" err="1" smtClean="0">
+            <a:endParaRPr lang="en-US" sz="2400" dirty="0" err="1">
               <a:gradFill>
                 <a:gsLst>
                   <a:gs pos="0">
@@ -20311,14 +19799,13 @@
           <a:lstStyle/>
           <a:p>
             <a:r>
-              <a:rPr lang="en-US" sz="5400" dirty="0" err="1" smtClean="0"/>
+              <a:rPr lang="en-US" sz="5400" dirty="0" err="1"/>
               <a:t>collect_data</a:t>
             </a:r>
             <a:r>
-              <a:rPr lang="en-US" sz="5400" dirty="0" smtClean="0"/>
+              <a:rPr lang="en-US" sz="5400" dirty="0"/>
               <a:t> for a specific Platform</a:t>
             </a:r>
-            <a:endParaRPr lang="en-US" sz="5400" dirty="0"/>
           </a:p>
         </p:txBody>
       </p:sp>
@@ -20338,26 +19825,25 @@
           <a:lstStyle/>
           <a:p>
             <a:r>
-              <a:rPr lang="en-US" dirty="0" smtClean="0"/>
+              <a:rPr lang="en-US" dirty="0"/>
               <a:t>Plugins can collect data in different ways across different platforms. When defining a </a:t>
             </a:r>
             <a:r>
-              <a:rPr lang="en-US" dirty="0" err="1" smtClean="0"/>
+              <a:rPr lang="en-US" dirty="0" err="1"/>
               <a:t>collect_data</a:t>
             </a:r>
             <a:r>
-              <a:rPr lang="en-US" dirty="0" smtClean="0"/>
+              <a:rPr lang="en-US" dirty="0"/>
               <a:t> block if you do not provide any arguments it is assumed the default and all platforms unless you define a </a:t>
             </a:r>
             <a:r>
-              <a:rPr lang="en-US" dirty="0" err="1" smtClean="0"/>
+              <a:rPr lang="en-US" dirty="0" err="1"/>
               <a:t>collect_data</a:t>
             </a:r>
             <a:r>
-              <a:rPr lang="en-US" dirty="0" smtClean="0"/>
+              <a:rPr lang="en-US" dirty="0"/>
               <a:t> block specific for a platform.</a:t>
             </a:r>
-            <a:endParaRPr lang="en-US" dirty="0"/>
           </a:p>
         </p:txBody>
       </p:sp>
@@ -20412,18 +19898,17 @@
           <a:lstStyle/>
           <a:p>
             <a:r>
-              <a:rPr lang="en-US" dirty="0" smtClean="0"/>
+              <a:rPr lang="en-US" dirty="0"/>
               <a:t>Reviewing the </a:t>
             </a:r>
             <a:r>
-              <a:rPr lang="en-US" dirty="0" err="1" smtClean="0"/>
+              <a:rPr lang="en-US" dirty="0" err="1"/>
               <a:t>Ohai</a:t>
             </a:r>
             <a:r>
-              <a:rPr lang="en-US" dirty="0" smtClean="0"/>
+              <a:rPr lang="en-US" dirty="0"/>
               <a:t> Gem</a:t>
             </a:r>
-            <a:endParaRPr lang="en-US" dirty="0"/>
           </a:p>
         </p:txBody>
       </p:sp>
@@ -20444,13 +19929,8 @@
           <a:p>
             <a:r>
               <a:rPr lang="en-US" dirty="0"/>
-              <a:t>W</a:t>
-            </a:r>
-            <a:r>
-              <a:rPr lang="en-US" dirty="0" smtClean="0"/>
-              <a:t>e know where the plugins are located and what they look like. Now it's time to make one.</a:t>
-            </a:r>
-            <a:endParaRPr lang="en-US" dirty="0"/>
+              <a:t>We know where the plugins are located and what they look like. Now it's time to make one.</a:t>
+            </a:r>
           </a:p>
         </p:txBody>
       </p:sp>
@@ -20474,15 +19954,15 @@
               <a:buChar char="ü"/>
             </a:pPr>
             <a:r>
-              <a:rPr lang="en-US" dirty="0" smtClean="0"/>
+              <a:rPr lang="en-US" dirty="0"/>
               <a:t>Review the basic structure of the </a:t>
             </a:r>
             <a:r>
-              <a:rPr lang="en-US" dirty="0" err="1" smtClean="0"/>
+              <a:rPr lang="en-US" dirty="0" err="1"/>
               <a:t>Ohai</a:t>
             </a:r>
             <a:r>
-              <a:rPr lang="en-US" dirty="0" smtClean="0"/>
+              <a:rPr lang="en-US" dirty="0"/>
               <a:t> gem</a:t>
             </a:r>
           </a:p>
@@ -20492,7 +19972,7 @@
               <a:buChar char="ü"/>
             </a:pPr>
             <a:r>
-              <a:rPr lang="en-US" dirty="0" smtClean="0"/>
+              <a:rPr lang="en-US" dirty="0"/>
               <a:t>Review the 'language' plugin</a:t>
             </a:r>
           </a:p>
@@ -20502,13 +19982,12 @@
               <a:buChar char="ü"/>
             </a:pPr>
             <a:r>
-              <a:rPr lang="en-US" dirty="0" smtClean="0"/>
+              <a:rPr lang="en-US" dirty="0"/>
               <a:t>Review the 'python' plugin</a:t>
             </a:r>
+          </a:p>
+          <a:p>
             <a:endParaRPr lang="en-US" dirty="0"/>
-          </a:p>
-          <a:p>
-            <a:endParaRPr lang="en-US" dirty="0" smtClean="0"/>
           </a:p>
         </p:txBody>
       </p:sp>
@@ -20561,10 +20040,9 @@
           <a:lstStyle/>
           <a:p>
             <a:r>
-              <a:rPr lang="en-US" dirty="0" smtClean="0"/>
+              <a:rPr lang="en-US" dirty="0"/>
               <a:t>Objectives</a:t>
             </a:r>
-            <a:endParaRPr lang="en-US" dirty="0"/>
           </a:p>
         </p:txBody>
       </p:sp>
@@ -20584,7 +20062,7 @@
           <a:lstStyle/>
           <a:p>
             <a:r>
-              <a:rPr lang="en-US" dirty="0" smtClean="0"/>
+              <a:rPr lang="en-US" dirty="0"/>
               <a:t>After completing this module, you should be able to:</a:t>
             </a:r>
           </a:p>
@@ -20597,15 +20075,15 @@
               <a:buChar char="Ø"/>
             </a:pPr>
             <a:r>
-              <a:rPr lang="en-US" dirty="0" smtClean="0"/>
+              <a:rPr lang="en-US" dirty="0"/>
               <a:t>Find </a:t>
             </a:r>
             <a:r>
-              <a:rPr lang="en-US" dirty="0" err="1" smtClean="0"/>
+              <a:rPr lang="en-US" dirty="0" err="1"/>
               <a:t>Ohai's</a:t>
             </a:r>
             <a:r>
-              <a:rPr lang="en-US" dirty="0" smtClean="0"/>
+              <a:rPr lang="en-US" dirty="0"/>
               <a:t> core plugins</a:t>
             </a:r>
           </a:p>
@@ -20615,10 +20093,9 @@
               <a:buChar char="Ø"/>
             </a:pPr>
             <a:r>
-              <a:rPr lang="en-US" dirty="0" smtClean="0"/>
+              <a:rPr lang="en-US" dirty="0"/>
               <a:t>Express what a plugin provides, depends on, and how it collects its data</a:t>
             </a:r>
-            <a:endParaRPr lang="en-US" dirty="0"/>
           </a:p>
         </p:txBody>
       </p:sp>
@@ -20635,13 +20112,6 @@
   <p:transition spd="med">
     <p:fade/>
   </p:transition>
-  <p:timing>
-    <p:tnLst>
-      <p:par>
-        <p:cTn id="1" dur="indefinite" restart="never" nodeType="tmRoot"/>
-      </p:par>
-    </p:tnLst>
-  </p:timing>
 </p:sld>
 </file>
 
@@ -20680,10 +20150,9 @@
           <a:lstStyle/>
           <a:p>
             <a:r>
-              <a:rPr lang="en-US" dirty="0" smtClean="0"/>
+              <a:rPr lang="en-US" dirty="0"/>
               <a:t>Discussion</a:t>
             </a:r>
-            <a:endParaRPr lang="en-US" dirty="0"/>
           </a:p>
         </p:txBody>
       </p:sp>
@@ -20703,7 +20172,7 @@
           <a:lstStyle/>
           <a:p>
             <a:r>
-              <a:rPr lang="en-US" dirty="0" smtClean="0"/>
+              <a:rPr lang="en-US" dirty="0"/>
               <a:t>How are the structures of a Rubygem and a Cookbook similar to each other?</a:t>
             </a:r>
           </a:p>
@@ -20712,28 +20181,26 @@
           </a:p>
           <a:p>
             <a:r>
-              <a:rPr lang="en-US" dirty="0" smtClean="0"/>
+              <a:rPr lang="en-US" dirty="0"/>
               <a:t>What are the requirements when specifying the name of a </a:t>
             </a:r>
             <a:r>
-              <a:rPr lang="en-US" dirty="0" err="1" smtClean="0"/>
+              <a:rPr lang="en-US" dirty="0" err="1"/>
               <a:t>Ohai</a:t>
             </a:r>
             <a:r>
-              <a:rPr lang="en-US" dirty="0" smtClean="0"/>
+              <a:rPr lang="en-US" dirty="0"/>
               <a:t> plugin?</a:t>
             </a:r>
+          </a:p>
+          <a:p>
             <a:endParaRPr lang="en-US" dirty="0"/>
           </a:p>
           <a:p>
-            <a:endParaRPr lang="en-US" dirty="0" smtClean="0"/>
-          </a:p>
-          <a:p>
-            <a:r>
-              <a:rPr lang="en-US" dirty="0" smtClean="0"/>
+            <a:r>
+              <a:rPr lang="en-US" dirty="0"/>
               <a:t>What is the difference between a Ruby Hash and a Mash?</a:t>
             </a:r>
-            <a:endParaRPr lang="en-US" dirty="0"/>
           </a:p>
         </p:txBody>
       </p:sp>
@@ -20788,10 +20255,9 @@
           <a:lstStyle/>
           <a:p>
             <a:r>
-              <a:rPr lang="en-US" dirty="0" smtClean="0"/>
+              <a:rPr lang="en-US" dirty="0"/>
               <a:t>Q&amp;A</a:t>
             </a:r>
-            <a:endParaRPr lang="en-US" dirty="0"/>
           </a:p>
         </p:txBody>
       </p:sp>
@@ -20811,10 +20277,9 @@
           <a:lstStyle/>
           <a:p>
             <a:r>
-              <a:rPr lang="en-US" dirty="0" smtClean="0"/>
+              <a:rPr lang="en-US" dirty="0"/>
               <a:t>What questions can we answer for you?</a:t>
             </a:r>
-            <a:endParaRPr lang="en-US" dirty="0"/>
           </a:p>
         </p:txBody>
       </p:sp>
@@ -20831,13 +20296,6 @@
   <p:transition spd="med">
     <p:fade/>
   </p:transition>
-  <p:timing>
-    <p:tnLst>
-      <p:par>
-        <p:cTn id="1" dur="indefinite" restart="never" nodeType="tmRoot"/>
-      </p:par>
-    </p:tnLst>
-  </p:timing>
 </p:sld>
 </file>
 
@@ -20909,18 +20367,17 @@
           <a:lstStyle/>
           <a:p>
             <a:r>
-              <a:rPr lang="en-US" dirty="0" smtClean="0"/>
+              <a:rPr lang="en-US" dirty="0"/>
               <a:t>Reviewing the </a:t>
             </a:r>
             <a:r>
-              <a:rPr lang="en-US" dirty="0" err="1" smtClean="0"/>
+              <a:rPr lang="en-US" dirty="0" err="1"/>
               <a:t>Ohai</a:t>
             </a:r>
             <a:r>
-              <a:rPr lang="en-US" dirty="0" smtClean="0"/>
+              <a:rPr lang="en-US" dirty="0"/>
               <a:t> Gem</a:t>
             </a:r>
-            <a:endParaRPr lang="en-US" dirty="0"/>
           </a:p>
         </p:txBody>
       </p:sp>
@@ -20940,14 +20397,13 @@
           <a:lstStyle/>
           <a:p>
             <a:r>
-              <a:rPr lang="en-US" dirty="0" err="1" smtClean="0"/>
+              <a:rPr lang="en-US" dirty="0" err="1"/>
               <a:t>Ohai</a:t>
             </a:r>
             <a:r>
-              <a:rPr lang="en-US" dirty="0" smtClean="0"/>
+              <a:rPr lang="en-US" dirty="0"/>
               <a:t> is a Rubygem. First we need to learn about how a gem is structured.</a:t>
             </a:r>
-            <a:endParaRPr lang="en-US" dirty="0"/>
           </a:p>
         </p:txBody>
       </p:sp>
@@ -20971,15 +20427,15 @@
               <a:buChar char="q"/>
             </a:pPr>
             <a:r>
-              <a:rPr lang="en-US" dirty="0" smtClean="0"/>
+              <a:rPr lang="en-US" dirty="0"/>
               <a:t>Review the basic structure of the </a:t>
             </a:r>
             <a:r>
-              <a:rPr lang="en-US" dirty="0" err="1" smtClean="0"/>
+              <a:rPr lang="en-US" dirty="0" err="1"/>
               <a:t>Ohai</a:t>
             </a:r>
             <a:r>
-              <a:rPr lang="en-US" dirty="0" smtClean="0"/>
+              <a:rPr lang="en-US" dirty="0"/>
               <a:t> gem</a:t>
             </a:r>
           </a:p>
@@ -20989,7 +20445,7 @@
               <a:buChar char="q"/>
             </a:pPr>
             <a:r>
-              <a:rPr lang="en-US" dirty="0" smtClean="0"/>
+              <a:rPr lang="en-US" dirty="0"/>
               <a:t>Review the 'language' plugin</a:t>
             </a:r>
           </a:p>
@@ -20999,13 +20455,12 @@
               <a:buChar char="q"/>
             </a:pPr>
             <a:r>
-              <a:rPr lang="en-US" dirty="0" smtClean="0"/>
+              <a:rPr lang="en-US" dirty="0"/>
               <a:t>Review the 'python' plugin</a:t>
             </a:r>
+          </a:p>
+          <a:p>
             <a:endParaRPr lang="en-US" dirty="0"/>
-          </a:p>
-          <a:p>
-            <a:endParaRPr lang="en-US" dirty="0" smtClean="0"/>
           </a:p>
         </p:txBody>
       </p:sp>
@@ -21060,14 +20515,13 @@
           <a:lstStyle/>
           <a:p>
             <a:r>
-              <a:rPr lang="en-US" dirty="0" err="1" smtClean="0"/>
+              <a:rPr lang="en-US" dirty="0" err="1"/>
               <a:t>Ohai</a:t>
             </a:r>
             <a:r>
-              <a:rPr lang="en-US" dirty="0" smtClean="0"/>
+              <a:rPr lang="en-US" dirty="0"/>
               <a:t> is Ruby Gem</a:t>
             </a:r>
-            <a:endParaRPr lang="en-US" dirty="0"/>
           </a:p>
         </p:txBody>
       </p:sp>
@@ -21087,10 +20541,9 @@
           <a:lstStyle/>
           <a:p>
             <a:r>
-              <a:rPr lang="en-US" dirty="0" smtClean="0"/>
+              <a:rPr lang="en-US" dirty="0"/>
               <a:t>Ruby gems are the ways in which Ruby developers share the code that they develop with others. A Ruby gem is really a packaging structure similar to that of a Chef cookbook. </a:t>
             </a:r>
-            <a:endParaRPr lang="en-US" dirty="0"/>
           </a:p>
         </p:txBody>
       </p:sp>
@@ -21143,11 +20596,11 @@
           <a:lstStyle/>
           <a:p>
             <a:r>
-              <a:rPr lang="en-US" dirty="0" smtClean="0"/>
+              <a:rPr lang="en-US" dirty="0"/>
               <a:t>Searching for a Gem on </a:t>
             </a:r>
             <a:r>
-              <a:rPr lang="en-US" dirty="0" err="1" smtClean="0"/>
+              <a:rPr lang="en-US" dirty="0" err="1"/>
               <a:t>Rubygems</a:t>
             </a:r>
             <a:endParaRPr lang="en-US" dirty="0"/>
@@ -21175,49 +20628,49 @@
           <a:lstStyle/>
           <a:p>
             <a:r>
-              <a:rPr lang="en-US" b="1" dirty="0" smtClean="0"/>
+              <a:rPr lang="en-US" b="1" dirty="0"/>
               <a:t>Steps</a:t>
             </a:r>
           </a:p>
           <a:p>
-            <a:endParaRPr lang="en-US" sz="2400" dirty="0" smtClean="0"/>
+            <a:endParaRPr lang="en-US" sz="2400" dirty="0"/>
           </a:p>
           <a:p>
             <a:pPr marL="457200" indent="-457200">
               <a:buAutoNum type="arabicPeriod"/>
             </a:pPr>
             <a:r>
-              <a:rPr lang="en-US" sz="2400" dirty="0" smtClean="0"/>
+              <a:rPr lang="en-US" sz="2400" dirty="0"/>
               <a:t>Visit </a:t>
             </a:r>
             <a:r>
-              <a:rPr lang="en-US" sz="2400" dirty="0" smtClean="0">
+              <a:rPr lang="en-US" sz="2400" dirty="0">
                 <a:hlinkClick r:id="rId3"/>
               </a:rPr>
               <a:t>https://rubygems.org</a:t>
             </a:r>
-            <a:endParaRPr lang="en-US" sz="2400" dirty="0" smtClean="0"/>
+            <a:endParaRPr lang="en-US" sz="2400" dirty="0"/>
           </a:p>
           <a:p>
             <a:pPr marL="457200" indent="-457200">
               <a:buAutoNum type="arabicPeriod"/>
             </a:pPr>
             <a:r>
-              <a:rPr lang="en-US" sz="2400" dirty="0" smtClean="0"/>
+              <a:rPr lang="en-US" sz="2400" dirty="0"/>
               <a:t>Within the search field enter: </a:t>
             </a:r>
             <a:r>
-              <a:rPr lang="en-US" sz="2400" b="1" dirty="0" err="1" smtClean="0"/>
+              <a:rPr lang="en-US" sz="2400" b="1" dirty="0" err="1"/>
               <a:t>ohai</a:t>
             </a:r>
-            <a:endParaRPr lang="en-US" sz="2400" b="1" dirty="0" smtClean="0"/>
+            <a:endParaRPr lang="en-US" sz="2400" b="1" dirty="0"/>
           </a:p>
           <a:p>
             <a:pPr marL="457200" indent="-457200">
               <a:buAutoNum type="arabicPeriod"/>
             </a:pPr>
             <a:r>
-              <a:rPr lang="en-US" sz="2400" dirty="0" smtClean="0"/>
+              <a:rPr lang="en-US" sz="2400" dirty="0"/>
               <a:t>Press enter or click the magnified glass at the right-side of the search box.</a:t>
             </a:r>
           </a:p>
@@ -21226,7 +20679,7 @@
               <a:buAutoNum type="arabicPeriod"/>
             </a:pPr>
             <a:r>
-              <a:rPr lang="en-US" sz="2400" dirty="0" smtClean="0">
+              <a:rPr lang="en-US" sz="2400" dirty="0">
                 <a:solidFill>
                   <a:schemeClr val="tx1">
                     <a:lumMod val="60000"/>
@@ -21242,20 +20695,12 @@
               <a:buAutoNum type="arabicPeriod"/>
             </a:pPr>
             <a:r>
-              <a:rPr lang="en-US" sz="2400" dirty="0" smtClean="0">
+              <a:rPr lang="en-US" sz="2400" dirty="0">
                 <a:solidFill>
                   <a:srgbClr val="878F94"/>
                 </a:solidFill>
               </a:rPr>
-              <a:t>Click </a:t>
-            </a:r>
-            <a:r>
-              <a:rPr lang="en-US" sz="2400" dirty="0">
-                <a:solidFill>
-                  <a:srgbClr val="878F94"/>
-                </a:solidFill>
-              </a:rPr>
-              <a:t>on 'Clone or download' and then copy the git URL.</a:t>
+              <a:t>Click on 'Clone or download' and then copy the git URL.</a:t>
             </a:r>
           </a:p>
           <a:p>
@@ -21420,11 +20865,11 @@
           <a:lstStyle/>
           <a:p>
             <a:r>
-              <a:rPr lang="en-US" dirty="0" smtClean="0"/>
+              <a:rPr lang="en-US" dirty="0"/>
               <a:t>Searching for a Gem on </a:t>
             </a:r>
             <a:r>
-              <a:rPr lang="en-US" dirty="0" err="1" smtClean="0"/>
+              <a:rPr lang="en-US" dirty="0" err="1"/>
               <a:t>Rubygems</a:t>
             </a:r>
             <a:endParaRPr lang="en-US" dirty="0"/>
@@ -21536,15 +20981,7 @@
                   <a:srgbClr val="3E4346"/>
                 </a:solidFill>
               </a:rPr>
-              <a:t>Click the 'Source Code' </a:t>
-            </a:r>
-            <a:r>
-              <a:rPr lang="en-US" sz="2400" dirty="0" smtClean="0">
-                <a:solidFill>
-                  <a:srgbClr val="3E4346"/>
-                </a:solidFill>
-              </a:rPr>
-              <a:t>link</a:t>
+              <a:t>Click the 'Source Code' link</a:t>
             </a:r>
           </a:p>
           <a:p>
@@ -21558,21 +20995,8 @@
                   <a:srgbClr val="878F94"/>
                 </a:solidFill>
               </a:rPr>
-              <a:t>Click on 'Clone or download' and then copy the git URL</a:t>
-            </a:r>
-            <a:r>
-              <a:rPr lang="en-US" sz="2400" dirty="0" smtClean="0">
-                <a:solidFill>
-                  <a:srgbClr val="878F94"/>
-                </a:solidFill>
-              </a:rPr>
-              <a:t>.</a:t>
-            </a:r>
-            <a:endParaRPr lang="en-US" sz="2400" dirty="0">
-              <a:solidFill>
-                <a:srgbClr val="878F94"/>
-              </a:solidFill>
-            </a:endParaRPr>
+              <a:t>Click on 'Clone or download' and then copy the git URL.</a:t>
+            </a:r>
           </a:p>
         </p:txBody>
       </p:sp>
@@ -21719,11 +21143,11 @@
           <a:lstStyle/>
           <a:p>
             <a:r>
-              <a:rPr lang="en-US" dirty="0" smtClean="0"/>
+              <a:rPr lang="en-US" dirty="0"/>
               <a:t>Searching for a Gem on </a:t>
             </a:r>
             <a:r>
-              <a:rPr lang="en-US" dirty="0" err="1" smtClean="0"/>
+              <a:rPr lang="en-US" dirty="0" err="1"/>
               <a:t>Rubygems</a:t>
             </a:r>
             <a:endParaRPr lang="en-US" dirty="0"/>
@@ -21838,18 +21262,7 @@
                   </a:schemeClr>
                 </a:solidFill>
               </a:rPr>
-              <a:t>Click the 'Source Code' </a:t>
-            </a:r>
-            <a:r>
-              <a:rPr lang="en-US" sz="2400" dirty="0" smtClean="0">
-                <a:solidFill>
-                  <a:schemeClr val="tx1">
-                    <a:lumMod val="60000"/>
-                    <a:lumOff val="40000"/>
-                  </a:schemeClr>
-                </a:solidFill>
-              </a:rPr>
-              <a:t>link</a:t>
+              <a:t>Click the 'Source Code' link</a:t>
             </a:r>
           </a:p>
           <a:p>
@@ -21857,18 +21270,13 @@
               <a:buAutoNum type="arabicPeriod"/>
             </a:pPr>
             <a:r>
-              <a:rPr lang="en-US" sz="2400" dirty="0" smtClean="0">
+              <a:rPr lang="en-US" sz="2400" dirty="0">
                 <a:solidFill>
                   <a:srgbClr val="3E4346"/>
                 </a:solidFill>
               </a:rPr>
               <a:t>Click on 'Clone or download' and then copy the git URL.</a:t>
             </a:r>
-            <a:endParaRPr lang="en-US" sz="2400" dirty="0">
-              <a:solidFill>
-                <a:srgbClr val="3E4346"/>
-              </a:solidFill>
-            </a:endParaRPr>
           </a:p>
         </p:txBody>
       </p:sp>
@@ -22101,10 +21509,9 @@
           <a:lstStyle/>
           <a:p>
             <a:r>
-              <a:rPr lang="en-US" dirty="0" smtClean="0"/>
+              <a:rPr lang="en-US" dirty="0"/>
               <a:t>&gt; cd ~</a:t>
             </a:r>
-            <a:endParaRPr lang="en-US" dirty="0"/>
           </a:p>
         </p:txBody>
       </p:sp>
@@ -22124,10 +21531,9 @@
           <a:lstStyle/>
           <a:p>
             <a:r>
-              <a:rPr lang="en-US" dirty="0" smtClean="0"/>
+              <a:rPr lang="en-US" dirty="0"/>
               <a:t>Returning to the Home Directory</a:t>
             </a:r>
-            <a:endParaRPr lang="en-US" dirty="0"/>
           </a:p>
         </p:txBody>
       </p:sp>
@@ -23478,15 +22884,6 @@
 </file>
 
 <file path=customXml/item1.xml><?xml version="1.0" encoding="utf-8"?>
-<?mso-contentType ?>
-<FormTemplates xmlns="http://schemas.microsoft.com/sharepoint/v3/contenttype/forms">
-  <Display>DocumentLibraryForm</Display>
-  <Edit>DocumentLibraryForm</Edit>
-  <New>DocumentLibraryForm</New>
-</FormTemplates>
-</file>
-
-<file path=customXml/item2.xml><?xml version="1.0" encoding="utf-8"?>
 <p:properties xmlns:p="http://schemas.microsoft.com/office/2006/metadata/properties" xmlns:xsi="http://www.w3.org/2001/XMLSchema-instance" xmlns:pc="http://schemas.microsoft.com/office/infopath/2007/PartnerControls">
   <documentManagement>
     <_dlc_DocId xmlns="7bb5d761-a2ea-4873-95f7-7a6658fb3ef0">M4CWTKMW727E-592-73</_dlc_DocId>
@@ -23498,7 +22895,62 @@
 </p:properties>
 </file>
 
+<file path=customXml/item2.xml><?xml version="1.0" encoding="utf-8"?>
+<?mso-contentType ?>
+<FormTemplates xmlns="http://schemas.microsoft.com/sharepoint/v3/contenttype/forms">
+  <Display>DocumentLibraryForm</Display>
+  <Edit>DocumentLibraryForm</Edit>
+  <New>DocumentLibraryForm</New>
+</FormTemplates>
+</file>
+
 <file path=customXml/item3.xml><?xml version="1.0" encoding="utf-8"?>
+<?mso-contentType ?>
+<spe:Receivers xmlns:spe="http://schemas.microsoft.com/sharepoint/events">
+  <Receiver>
+    <Name>Document ID Generator</Name>
+    <Synchronization>Synchronous</Synchronization>
+    <Type>10001</Type>
+    <SequenceNumber>1000</SequenceNumber>
+    <Assembly>Microsoft.Office.DocumentManagement, Version=14.0.0.0, Culture=neutral, PublicKeyToken=71e9bce111e9429c</Assembly>
+    <Class>Microsoft.Office.DocumentManagement.Internal.DocIdHandler</Class>
+    <Data/>
+    <Filter/>
+  </Receiver>
+  <Receiver>
+    <Name>Document ID Generator</Name>
+    <Synchronization>Synchronous</Synchronization>
+    <Type>10002</Type>
+    <SequenceNumber>1001</SequenceNumber>
+    <Assembly>Microsoft.Office.DocumentManagement, Version=14.0.0.0, Culture=neutral, PublicKeyToken=71e9bce111e9429c</Assembly>
+    <Class>Microsoft.Office.DocumentManagement.Internal.DocIdHandler</Class>
+    <Data/>
+    <Filter/>
+  </Receiver>
+  <Receiver>
+    <Name>Document ID Generator</Name>
+    <Synchronization>Synchronous</Synchronization>
+    <Type>10004</Type>
+    <SequenceNumber>1002</SequenceNumber>
+    <Assembly>Microsoft.Office.DocumentManagement, Version=14.0.0.0, Culture=neutral, PublicKeyToken=71e9bce111e9429c</Assembly>
+    <Class>Microsoft.Office.DocumentManagement.Internal.DocIdHandler</Class>
+    <Data/>
+    <Filter/>
+  </Receiver>
+  <Receiver>
+    <Name>Document ID Generator</Name>
+    <Synchronization>Synchronous</Synchronization>
+    <Type>10006</Type>
+    <SequenceNumber>1003</SequenceNumber>
+    <Assembly>Microsoft.Office.DocumentManagement, Version=14.0.0.0, Culture=neutral, PublicKeyToken=71e9bce111e9429c</Assembly>
+    <Class>Microsoft.Office.DocumentManagement.Internal.DocIdHandler</Class>
+    <Data/>
+    <Filter/>
+  </Receiver>
+</spe:Receivers>
+</file>
+
+<file path=customXml/item4.xml><?xml version="1.0" encoding="utf-8"?>
 <ct:contentTypeSchema xmlns:ct="http://schemas.microsoft.com/office/2006/metadata/contentType" xmlns:ma="http://schemas.microsoft.com/office/2006/metadata/properties/metaAttributes" ct:_="" ma:_="" ma:contentTypeName="Document" ma:contentTypeID="0x0101000812F700BE7F874999720E88173FE491" ma:contentTypeVersion="0" ma:contentTypeDescription="Create a new document." ma:contentTypeScope="" ma:versionID="3f79f408e2ca720b7aba6e0e32464d0c">
   <xsd:schema xmlns:xsd="http://www.w3.org/2001/XMLSchema" xmlns:xs="http://www.w3.org/2001/XMLSchema" xmlns:p="http://schemas.microsoft.com/office/2006/metadata/properties" xmlns:ns2="7bb5d761-a2ea-4873-95f7-7a6658fb3ef0" targetNamespace="http://schemas.microsoft.com/office/2006/metadata/properties" ma:root="true" ma:fieldsID="1e062cd38ba31e406bfc4340fbc7f87a" ns2:_="">
     <xsd:import namespace="7bb5d761-a2ea-4873-95f7-7a6658fb3ef0"/>
@@ -23643,61 +23095,7 @@
 </ct:contentTypeSchema>
 </file>
 
-<file path=customXml/item4.xml><?xml version="1.0" encoding="utf-8"?>
-<?mso-contentType ?>
-<spe:Receivers xmlns:spe="http://schemas.microsoft.com/sharepoint/events">
-  <Receiver>
-    <Name>Document ID Generator</Name>
-    <Synchronization>Synchronous</Synchronization>
-    <Type>10001</Type>
-    <SequenceNumber>1000</SequenceNumber>
-    <Assembly>Microsoft.Office.DocumentManagement, Version=14.0.0.0, Culture=neutral, PublicKeyToken=71e9bce111e9429c</Assembly>
-    <Class>Microsoft.Office.DocumentManagement.Internal.DocIdHandler</Class>
-    <Data/>
-    <Filter/>
-  </Receiver>
-  <Receiver>
-    <Name>Document ID Generator</Name>
-    <Synchronization>Synchronous</Synchronization>
-    <Type>10002</Type>
-    <SequenceNumber>1001</SequenceNumber>
-    <Assembly>Microsoft.Office.DocumentManagement, Version=14.0.0.0, Culture=neutral, PublicKeyToken=71e9bce111e9429c</Assembly>
-    <Class>Microsoft.Office.DocumentManagement.Internal.DocIdHandler</Class>
-    <Data/>
-    <Filter/>
-  </Receiver>
-  <Receiver>
-    <Name>Document ID Generator</Name>
-    <Synchronization>Synchronous</Synchronization>
-    <Type>10004</Type>
-    <SequenceNumber>1002</SequenceNumber>
-    <Assembly>Microsoft.Office.DocumentManagement, Version=14.0.0.0, Culture=neutral, PublicKeyToken=71e9bce111e9429c</Assembly>
-    <Class>Microsoft.Office.DocumentManagement.Internal.DocIdHandler</Class>
-    <Data/>
-    <Filter/>
-  </Receiver>
-  <Receiver>
-    <Name>Document ID Generator</Name>
-    <Synchronization>Synchronous</Synchronization>
-    <Type>10006</Type>
-    <SequenceNumber>1003</SequenceNumber>
-    <Assembly>Microsoft.Office.DocumentManagement, Version=14.0.0.0, Culture=neutral, PublicKeyToken=71e9bce111e9429c</Assembly>
-    <Class>Microsoft.Office.DocumentManagement.Internal.DocIdHandler</Class>
-    <Data/>
-    <Filter/>
-  </Receiver>
-</spe:Receivers>
-</file>
-
 <file path=customXml/itemProps1.xml><?xml version="1.0" encoding="utf-8"?>
-<ds:datastoreItem xmlns:ds="http://schemas.openxmlformats.org/officeDocument/2006/customXml" ds:itemID="{5CDEB364-43EC-4510-9881-539C2A3FCE9E}">
-  <ds:schemaRefs>
-    <ds:schemaRef ds:uri="http://schemas.microsoft.com/sharepoint/v3/contenttype/forms"/>
-  </ds:schemaRefs>
-</ds:datastoreItem>
-</file>
-
-<file path=customXml/itemProps2.xml><?xml version="1.0" encoding="utf-8"?>
 <ds:datastoreItem xmlns:ds="http://schemas.openxmlformats.org/officeDocument/2006/customXml" ds:itemID="{6921749B-AEB7-461B-845F-603CABD25259}">
   <ds:schemaRefs>
     <ds:schemaRef ds:uri="7bb5d761-a2ea-4873-95f7-7a6658fb3ef0"/>
@@ -23713,7 +23111,23 @@
 </ds:datastoreItem>
 </file>
 
+<file path=customXml/itemProps2.xml><?xml version="1.0" encoding="utf-8"?>
+<ds:datastoreItem xmlns:ds="http://schemas.openxmlformats.org/officeDocument/2006/customXml" ds:itemID="{5CDEB364-43EC-4510-9881-539C2A3FCE9E}">
+  <ds:schemaRefs>
+    <ds:schemaRef ds:uri="http://schemas.microsoft.com/sharepoint/v3/contenttype/forms"/>
+  </ds:schemaRefs>
+</ds:datastoreItem>
+</file>
+
 <file path=customXml/itemProps3.xml><?xml version="1.0" encoding="utf-8"?>
+<ds:datastoreItem xmlns:ds="http://schemas.openxmlformats.org/officeDocument/2006/customXml" ds:itemID="{B13EBC30-FE27-4C6A-B723-23FC2188F7DC}">
+  <ds:schemaRefs>
+    <ds:schemaRef ds:uri="http://schemas.microsoft.com/sharepoint/events"/>
+  </ds:schemaRefs>
+</ds:datastoreItem>
+</file>
+
+<file path=customXml/itemProps4.xml><?xml version="1.0" encoding="utf-8"?>
 <ds:datastoreItem xmlns:ds="http://schemas.openxmlformats.org/officeDocument/2006/customXml" ds:itemID="{164479E5-0B02-49AC-B79E-EC1D6164DDD3}">
   <ds:schemaRefs>
     <ds:schemaRef ds:uri="http://schemas.microsoft.com/office/2006/metadata/contentType"/>
@@ -23729,12 +23143,4 @@
     <ds:schemaRef ds:uri="http://schemas.microsoft.com/internal/obd"/>
   </ds:schemaRefs>
 </ds:datastoreItem>
-</file>
-
-<file path=customXml/itemProps4.xml><?xml version="1.0" encoding="utf-8"?>
-<ds:datastoreItem xmlns:ds="http://schemas.openxmlformats.org/officeDocument/2006/customXml" ds:itemID="{B13EBC30-FE27-4C6A-B723-23FC2188F7DC}">
-  <ds:schemaRefs>
-    <ds:schemaRef ds:uri="http://schemas.microsoft.com/sharepoint/events"/>
-  </ds:schemaRefs>
-</ds:datastoreItem>
 </file>